--- a/Progress 1 submitted.pptx
+++ b/Progress 1 submitted.pptx
@@ -226,7 +226,7 @@
           <a:p>
             <a:fld id="{EA356784-D59E-4D6A-B4FA-F36E59DD88B1}" type="datetimeFigureOut">
               <a:rPr lang="en-IN" smtClean="0"/>
-              <a:t>04-10-2022</a:t>
+              <a:t>07-11-2022</a:t>
             </a:fld>
             <a:endParaRPr lang="en-IN"/>
           </a:p>
@@ -391,7 +391,7 @@
           <a:p>
             <a:fld id="{02E02E51-5D16-47C7-947F-72F0C537B808}" type="datetimeFigureOut">
               <a:rPr lang="en-IN" smtClean="0"/>
-              <a:t>04-10-2022</a:t>
+              <a:t>06-11-2022</a:t>
             </a:fld>
             <a:endParaRPr lang="en-IN"/>
           </a:p>
@@ -1233,7 +1233,7 @@
           <a:p>
             <a:fld id="{A26A2EF8-DE20-42F7-A9BD-EA2B260AC3A5}" type="datetime1">
               <a:rPr lang="en-IN" smtClean="0"/>
-              <a:t>04-10-2022</a:t>
+              <a:t>06-11-2022</a:t>
             </a:fld>
             <a:endParaRPr lang="en-IN"/>
           </a:p>
@@ -1458,7 +1458,7 @@
           <a:p>
             <a:fld id="{DD3E76D1-DCA2-4F32-AE81-9F0948AF8C53}" type="datetime1">
               <a:rPr lang="en-IN" smtClean="0"/>
-              <a:t>04-10-2022</a:t>
+              <a:t>06-11-2022</a:t>
             </a:fld>
             <a:endParaRPr lang="en-IN"/>
           </a:p>
@@ -1719,7 +1719,7 @@
           <a:p>
             <a:fld id="{04ADB005-2E3D-41BC-9D73-934276C3D2AB}" type="datetime1">
               <a:rPr lang="en-IN" smtClean="0"/>
-              <a:t>04-10-2022</a:t>
+              <a:t>06-11-2022</a:t>
             </a:fld>
             <a:endParaRPr lang="en-IN"/>
           </a:p>
@@ -1998,7 +1998,7 @@
           <a:p>
             <a:fld id="{234C39E7-B894-437B-8BC2-870DB2ED1B88}" type="datetime1">
               <a:rPr lang="en-IN" smtClean="0"/>
-              <a:t>04-10-2022</a:t>
+              <a:t>06-11-2022</a:t>
             </a:fld>
             <a:endParaRPr lang="en-IN"/>
           </a:p>
@@ -2240,7 +2240,7 @@
           <a:p>
             <a:fld id="{CDF5EC52-C720-4000-A582-47A37DCA43AA}" type="datetime1">
               <a:rPr lang="en-IN" smtClean="0"/>
-              <a:t>04-10-2022</a:t>
+              <a:t>06-11-2022</a:t>
             </a:fld>
             <a:endParaRPr lang="en-IN"/>
           </a:p>
@@ -2692,7 +2692,7 @@
           <a:p>
             <a:fld id="{EDCBBD27-F186-4941-B095-28418B72E876}" type="datetime1">
               <a:rPr lang="en-IN" smtClean="0"/>
-              <a:t>04-10-2022</a:t>
+              <a:t>06-11-2022</a:t>
             </a:fld>
             <a:endParaRPr lang="en-IN"/>
           </a:p>
@@ -2900,7 +2900,7 @@
           <a:p>
             <a:fld id="{1840DB68-5EB6-45CB-82F3-37E85B95C0AD}" type="datetime1">
               <a:rPr lang="en-IN" smtClean="0"/>
-              <a:t>04-10-2022</a:t>
+              <a:t>06-11-2022</a:t>
             </a:fld>
             <a:endParaRPr lang="en-IN"/>
           </a:p>
@@ -3108,7 +3108,7 @@
           <a:p>
             <a:fld id="{7A7C3D6F-9AA5-4546-BF28-226FCBFE08FF}" type="datetime1">
               <a:rPr lang="en-IN" smtClean="0"/>
-              <a:t>04-10-2022</a:t>
+              <a:t>06-11-2022</a:t>
             </a:fld>
             <a:endParaRPr lang="en-IN"/>
           </a:p>
@@ -3418,7 +3418,7 @@
           <a:p>
             <a:fld id="{7A5B77F8-8600-4DD3-BF26-CA11CA162D17}" type="datetime1">
               <a:rPr lang="en-IN" smtClean="0"/>
-              <a:t>04-10-2022</a:t>
+              <a:t>06-11-2022</a:t>
             </a:fld>
             <a:endParaRPr lang="en-IN"/>
           </a:p>
@@ -3667,7 +3667,7 @@
           <a:p>
             <a:fld id="{D3532BB8-FB68-4FD6-910E-036F28666962}" type="datetime1">
               <a:rPr lang="en-IN" smtClean="0"/>
-              <a:t>04-10-2022</a:t>
+              <a:t>06-11-2022</a:t>
             </a:fld>
             <a:endParaRPr lang="en-IN"/>
           </a:p>
@@ -4729,7 +4729,7 @@
           <a:p>
             <a:fld id="{04ADB005-2E3D-41BC-9D73-934276C3D2AB}" type="datetime1">
               <a:rPr lang="en-IN" smtClean="0"/>
-              <a:t>04-10-2022</a:t>
+              <a:t>06-11-2022</a:t>
             </a:fld>
             <a:endParaRPr lang="en-IN"/>
           </a:p>

--- a/Progress 1 submitted.pptx
+++ b/Progress 1 submitted.pptx
@@ -5,10 +5,10 @@
     <p:sldMasterId id="2147483648" r:id="rId1"/>
   </p:sldMasterIdLst>
   <p:notesMasterIdLst>
-    <p:notesMasterId r:id="rId15"/>
+    <p:notesMasterId r:id="rId16"/>
   </p:notesMasterIdLst>
   <p:handoutMasterIdLst>
-    <p:handoutMasterId r:id="rId16"/>
+    <p:handoutMasterId r:id="rId17"/>
   </p:handoutMasterIdLst>
   <p:sldIdLst>
     <p:sldId id="280" r:id="rId2"/>
@@ -17,13 +17,14 @@
     <p:sldId id="261" r:id="rId5"/>
     <p:sldId id="278" r:id="rId6"/>
     <p:sldId id="268" r:id="rId7"/>
-    <p:sldId id="263" r:id="rId8"/>
-    <p:sldId id="283" r:id="rId9"/>
-    <p:sldId id="267" r:id="rId10"/>
-    <p:sldId id="276" r:id="rId11"/>
-    <p:sldId id="277" r:id="rId12"/>
-    <p:sldId id="266" r:id="rId13"/>
-    <p:sldId id="284" r:id="rId14"/>
+    <p:sldId id="285" r:id="rId8"/>
+    <p:sldId id="263" r:id="rId9"/>
+    <p:sldId id="283" r:id="rId10"/>
+    <p:sldId id="267" r:id="rId11"/>
+    <p:sldId id="276" r:id="rId12"/>
+    <p:sldId id="277" r:id="rId13"/>
+    <p:sldId id="266" r:id="rId14"/>
+    <p:sldId id="284" r:id="rId15"/>
   </p:sldIdLst>
   <p:sldSz cx="12192000" cy="6858000"/>
   <p:notesSz cx="6858000" cy="9144000"/>
@@ -391,7 +392,7 @@
           <a:p>
             <a:fld id="{02E02E51-5D16-47C7-947F-72F0C537B808}" type="datetimeFigureOut">
               <a:rPr lang="en-IN" smtClean="0"/>
-              <a:t>06-11-2022</a:t>
+              <a:t>07-11-2022</a:t>
             </a:fld>
             <a:endParaRPr lang="en-IN"/>
           </a:p>
@@ -1233,7 +1234,7 @@
           <a:p>
             <a:fld id="{A26A2EF8-DE20-42F7-A9BD-EA2B260AC3A5}" type="datetime1">
               <a:rPr lang="en-IN" smtClean="0"/>
-              <a:t>06-11-2022</a:t>
+              <a:t>07-11-2022</a:t>
             </a:fld>
             <a:endParaRPr lang="en-IN"/>
           </a:p>
@@ -1458,7 +1459,7 @@
           <a:p>
             <a:fld id="{DD3E76D1-DCA2-4F32-AE81-9F0948AF8C53}" type="datetime1">
               <a:rPr lang="en-IN" smtClean="0"/>
-              <a:t>06-11-2022</a:t>
+              <a:t>07-11-2022</a:t>
             </a:fld>
             <a:endParaRPr lang="en-IN"/>
           </a:p>
@@ -1719,7 +1720,7 @@
           <a:p>
             <a:fld id="{04ADB005-2E3D-41BC-9D73-934276C3D2AB}" type="datetime1">
               <a:rPr lang="en-IN" smtClean="0"/>
-              <a:t>06-11-2022</a:t>
+              <a:t>07-11-2022</a:t>
             </a:fld>
             <a:endParaRPr lang="en-IN"/>
           </a:p>
@@ -1998,7 +1999,7 @@
           <a:p>
             <a:fld id="{234C39E7-B894-437B-8BC2-870DB2ED1B88}" type="datetime1">
               <a:rPr lang="en-IN" smtClean="0"/>
-              <a:t>06-11-2022</a:t>
+              <a:t>07-11-2022</a:t>
             </a:fld>
             <a:endParaRPr lang="en-IN"/>
           </a:p>
@@ -2240,7 +2241,7 @@
           <a:p>
             <a:fld id="{CDF5EC52-C720-4000-A582-47A37DCA43AA}" type="datetime1">
               <a:rPr lang="en-IN" smtClean="0"/>
-              <a:t>06-11-2022</a:t>
+              <a:t>07-11-2022</a:t>
             </a:fld>
             <a:endParaRPr lang="en-IN"/>
           </a:p>
@@ -2692,7 +2693,7 @@
           <a:p>
             <a:fld id="{EDCBBD27-F186-4941-B095-28418B72E876}" type="datetime1">
               <a:rPr lang="en-IN" smtClean="0"/>
-              <a:t>06-11-2022</a:t>
+              <a:t>07-11-2022</a:t>
             </a:fld>
             <a:endParaRPr lang="en-IN"/>
           </a:p>
@@ -2900,7 +2901,7 @@
           <a:p>
             <a:fld id="{1840DB68-5EB6-45CB-82F3-37E85B95C0AD}" type="datetime1">
               <a:rPr lang="en-IN" smtClean="0"/>
-              <a:t>06-11-2022</a:t>
+              <a:t>07-11-2022</a:t>
             </a:fld>
             <a:endParaRPr lang="en-IN"/>
           </a:p>
@@ -3108,7 +3109,7 @@
           <a:p>
             <a:fld id="{7A7C3D6F-9AA5-4546-BF28-226FCBFE08FF}" type="datetime1">
               <a:rPr lang="en-IN" smtClean="0"/>
-              <a:t>06-11-2022</a:t>
+              <a:t>07-11-2022</a:t>
             </a:fld>
             <a:endParaRPr lang="en-IN"/>
           </a:p>
@@ -3418,7 +3419,7 @@
           <a:p>
             <a:fld id="{7A5B77F8-8600-4DD3-BF26-CA11CA162D17}" type="datetime1">
               <a:rPr lang="en-IN" smtClean="0"/>
-              <a:t>06-11-2022</a:t>
+              <a:t>07-11-2022</a:t>
             </a:fld>
             <a:endParaRPr lang="en-IN"/>
           </a:p>
@@ -3667,7 +3668,7 @@
           <a:p>
             <a:fld id="{D3532BB8-FB68-4FD6-910E-036F28666962}" type="datetime1">
               <a:rPr lang="en-IN" smtClean="0"/>
-              <a:t>06-11-2022</a:t>
+              <a:t>07-11-2022</a:t>
             </a:fld>
             <a:endParaRPr lang="en-IN"/>
           </a:p>
@@ -4337,69 +4338,7 @@
           <a:p>
             <a:r>
               <a:rPr lang="en-IN" dirty="0"/>
-              <a:t> Conclusion</a:t>
-            </a:r>
-            <a:endParaRPr lang="en-GB" dirty="0"/>
-          </a:p>
-        </p:txBody>
-      </p:sp>
-      <p:sp>
-        <p:nvSpPr>
-          <p:cNvPr id="3" name="Content Placeholder 2"/>
-          <p:cNvSpPr>
-            <a:spLocks noGrp="1"/>
-          </p:cNvSpPr>
-          <p:nvPr>
-            <p:ph idx="1"/>
-          </p:nvPr>
-        </p:nvSpPr>
-        <p:spPr/>
-        <p:txBody>
-          <a:bodyPr>
-            <a:normAutofit/>
-          </a:bodyPr>
-          <a:lstStyle/>
-          <a:p>
-            <a:pPr>
-              <a:buFont typeface="Wingdings" panose="05000000000000000000" pitchFamily="2" charset="2"/>
-              <a:buChar char="Ø"/>
-            </a:pPr>
-            <a:r>
-              <a:rPr lang="en-GB" sz="2000" dirty="0"/>
-              <a:t>This website will help ICCR to monitor activities performed by regional offices and help them rate their performance. </a:t>
-            </a:r>
-          </a:p>
-          <a:p>
-            <a:pPr marL="0" indent="0">
-              <a:buNone/>
-            </a:pPr>
-            <a:endParaRPr lang="en-GB" sz="2000" dirty="0"/>
-          </a:p>
-          <a:p>
-            <a:pPr>
-              <a:buFont typeface="Wingdings" panose="05000000000000000000" pitchFamily="2" charset="2"/>
-              <a:buChar char="Ø"/>
-            </a:pPr>
-            <a:r>
-              <a:rPr lang="en-GB" sz="2000" dirty="0"/>
-              <a:t>The website will also help generate Self-Driven Activities which are conducted by Regional Offices &amp; ICCR HQ Driven Activities conducted at national level including monthly and annual activities &amp; Financial Reports. </a:t>
-            </a:r>
-          </a:p>
-          <a:p>
-            <a:pPr>
-              <a:buFont typeface="Wingdings" panose="05000000000000000000" pitchFamily="2" charset="2"/>
-              <a:buChar char="Ø"/>
-            </a:pPr>
-            <a:endParaRPr lang="en-GB" sz="2000" dirty="0"/>
-          </a:p>
-          <a:p>
-            <a:pPr>
-              <a:buFont typeface="Wingdings" panose="05000000000000000000" pitchFamily="2" charset="2"/>
-              <a:buChar char="Ø"/>
-            </a:pPr>
-            <a:r>
-              <a:rPr lang="en-GB" sz="2000" dirty="0"/>
-              <a:t>The feedback received from International students will help ICCR devise better student friendly policies, thus fostering and strengthening cultural relations and mutual understanding between India and other countries, promoting cultural exchanges with other countries and people, and developing relations with nations thus, improving students participation in cultural activities.</a:t>
+              <a:t> Technologies Used</a:t>
             </a:r>
           </a:p>
         </p:txBody>
@@ -4427,10 +4366,268 @@
           </a:p>
         </p:txBody>
       </p:sp>
+      <p:pic>
+        <p:nvPicPr>
+          <p:cNvPr id="7" name="Picture 16" descr="Easiest way to setup a MERN Stack application | by Vaibhav Shukla | Dev  Genius">
+            <a:extLst>
+              <a:ext uri="{FF2B5EF4-FFF2-40B4-BE49-F238E27FC236}">
+                <a16:creationId xmlns:a16="http://schemas.microsoft.com/office/drawing/2014/main" id="{E4F48987-9187-6C48-FE28-F113DF18DAA0}"/>
+              </a:ext>
+            </a:extLst>
+          </p:cNvPr>
+          <p:cNvPicPr>
+            <a:picLocks noChangeAspect="1" noChangeArrowheads="1"/>
+          </p:cNvPicPr>
+          <p:nvPr/>
+        </p:nvPicPr>
+        <p:blipFill rotWithShape="1">
+          <a:blip r:embed="rId2">
+            <a:extLst>
+              <a:ext uri="{28A0092B-C50C-407E-A947-70E740481C1C}">
+                <a14:useLocalDpi xmlns:a14="http://schemas.microsoft.com/office/drawing/2010/main" val="0"/>
+              </a:ext>
+            </a:extLst>
+          </a:blip>
+          <a:srcRect l="49395" t="7491" r="28923" b="31122"/>
+          <a:stretch/>
+        </p:blipFill>
+        <p:spPr bwMode="auto">
+          <a:xfrm>
+            <a:off x="4963442" y="3657601"/>
+            <a:ext cx="2367256" cy="2102160"/>
+          </a:xfrm>
+          <a:prstGeom prst="rect">
+            <a:avLst/>
+          </a:prstGeom>
+          <a:noFill/>
+          <a:extLst>
+            <a:ext uri="{909E8E84-426E-40DD-AFC4-6F175D3DCCD1}">
+              <a14:hiddenFill xmlns:a14="http://schemas.microsoft.com/office/drawing/2010/main">
+                <a:solidFill>
+                  <a:srgbClr val="FFFFFF"/>
+                </a:solidFill>
+              </a14:hiddenFill>
+            </a:ext>
+          </a:extLst>
+        </p:spPr>
+      </p:pic>
+      <p:pic>
+        <p:nvPicPr>
+          <p:cNvPr id="1026" name="Picture 2" descr="HTML - Wikipedia">
+            <a:extLst>
+              <a:ext uri="{FF2B5EF4-FFF2-40B4-BE49-F238E27FC236}">
+                <a16:creationId xmlns:a16="http://schemas.microsoft.com/office/drawing/2014/main" id="{2AD5397F-7B51-F6EF-B3ED-2AB0612E6A90}"/>
+              </a:ext>
+            </a:extLst>
+          </p:cNvPr>
+          <p:cNvPicPr>
+            <a:picLocks noChangeAspect="1" noChangeArrowheads="1"/>
+          </p:cNvPicPr>
+          <p:nvPr/>
+        </p:nvPicPr>
+        <p:blipFill>
+          <a:blip r:embed="rId3">
+            <a:extLst>
+              <a:ext uri="{28A0092B-C50C-407E-A947-70E740481C1C}">
+                <a14:useLocalDpi xmlns:a14="http://schemas.microsoft.com/office/drawing/2010/main" val="0"/>
+              </a:ext>
+            </a:extLst>
+          </a:blip>
+          <a:srcRect/>
+          <a:stretch>
+            <a:fillRect/>
+          </a:stretch>
+        </p:blipFill>
+        <p:spPr bwMode="auto">
+          <a:xfrm>
+            <a:off x="3230472" y="1452156"/>
+            <a:ext cx="1541825" cy="1541825"/>
+          </a:xfrm>
+          <a:prstGeom prst="rect">
+            <a:avLst/>
+          </a:prstGeom>
+          <a:noFill/>
+          <a:extLst>
+            <a:ext uri="{909E8E84-426E-40DD-AFC4-6F175D3DCCD1}">
+              <a14:hiddenFill xmlns:a14="http://schemas.microsoft.com/office/drawing/2010/main">
+                <a:solidFill>
+                  <a:srgbClr val="FFFFFF"/>
+                </a:solidFill>
+              </a14:hiddenFill>
+            </a:ext>
+          </a:extLst>
+        </p:spPr>
+      </p:pic>
+      <p:pic>
+        <p:nvPicPr>
+          <p:cNvPr id="1028" name="Picture 4" descr="CSS - Wikipedia">
+            <a:extLst>
+              <a:ext uri="{FF2B5EF4-FFF2-40B4-BE49-F238E27FC236}">
+                <a16:creationId xmlns:a16="http://schemas.microsoft.com/office/drawing/2014/main" id="{02812350-A706-55AD-E637-3AAE98625CC9}"/>
+              </a:ext>
+            </a:extLst>
+          </p:cNvPr>
+          <p:cNvPicPr>
+            <a:picLocks noChangeAspect="1" noChangeArrowheads="1"/>
+          </p:cNvPicPr>
+          <p:nvPr/>
+        </p:nvPicPr>
+        <p:blipFill>
+          <a:blip r:embed="rId4">
+            <a:extLst>
+              <a:ext uri="{28A0092B-C50C-407E-A947-70E740481C1C}">
+                <a14:useLocalDpi xmlns:a14="http://schemas.microsoft.com/office/drawing/2010/main" val="0"/>
+              </a:ext>
+            </a:extLst>
+          </a:blip>
+          <a:srcRect/>
+          <a:stretch>
+            <a:fillRect/>
+          </a:stretch>
+        </p:blipFill>
+        <p:spPr bwMode="auto">
+          <a:xfrm>
+            <a:off x="5579065" y="1434603"/>
+            <a:ext cx="1222329" cy="1726782"/>
+          </a:xfrm>
+          <a:prstGeom prst="rect">
+            <a:avLst/>
+          </a:prstGeom>
+          <a:noFill/>
+          <a:extLst>
+            <a:ext uri="{909E8E84-426E-40DD-AFC4-6F175D3DCCD1}">
+              <a14:hiddenFill xmlns:a14="http://schemas.microsoft.com/office/drawing/2010/main">
+                <a:solidFill>
+                  <a:srgbClr val="FFFFFF"/>
+                </a:solidFill>
+              </a14:hiddenFill>
+            </a:ext>
+          </a:extLst>
+        </p:spPr>
+      </p:pic>
+      <p:pic>
+        <p:nvPicPr>
+          <p:cNvPr id="1030" name="Picture 6" descr="JavaScript logo and symbol, meaning, history, PNG">
+            <a:extLst>
+              <a:ext uri="{FF2B5EF4-FFF2-40B4-BE49-F238E27FC236}">
+                <a16:creationId xmlns:a16="http://schemas.microsoft.com/office/drawing/2014/main" id="{11031CDA-B4AB-4722-859B-D79F677AE96B}"/>
+              </a:ext>
+            </a:extLst>
+          </p:cNvPr>
+          <p:cNvPicPr>
+            <a:picLocks noChangeAspect="1" noChangeArrowheads="1"/>
+          </p:cNvPicPr>
+          <p:nvPr/>
+        </p:nvPicPr>
+        <p:blipFill>
+          <a:blip r:embed="rId5">
+            <a:extLst>
+              <a:ext uri="{28A0092B-C50C-407E-A947-70E740481C1C}">
+                <a14:useLocalDpi xmlns:a14="http://schemas.microsoft.com/office/drawing/2010/main" val="0"/>
+              </a:ext>
+            </a:extLst>
+          </a:blip>
+          <a:srcRect/>
+          <a:stretch>
+            <a:fillRect/>
+          </a:stretch>
+        </p:blipFill>
+        <p:spPr bwMode="auto">
+          <a:xfrm>
+            <a:off x="7373439" y="1401673"/>
+            <a:ext cx="2705100" cy="1685925"/>
+          </a:xfrm>
+          <a:prstGeom prst="rect">
+            <a:avLst/>
+          </a:prstGeom>
+          <a:noFill/>
+          <a:extLst>
+            <a:ext uri="{909E8E84-426E-40DD-AFC4-6F175D3DCCD1}">
+              <a14:hiddenFill xmlns:a14="http://schemas.microsoft.com/office/drawing/2010/main">
+                <a:solidFill>
+                  <a:srgbClr val="FFFFFF"/>
+                </a:solidFill>
+              </a14:hiddenFill>
+            </a:ext>
+          </a:extLst>
+        </p:spPr>
+      </p:pic>
+      <p:pic>
+        <p:nvPicPr>
+          <p:cNvPr id="8" name="Picture 7">
+            <a:extLst>
+              <a:ext uri="{FF2B5EF4-FFF2-40B4-BE49-F238E27FC236}">
+                <a16:creationId xmlns:a16="http://schemas.microsoft.com/office/drawing/2014/main" id="{BD3EB4D9-D7EC-2A27-F227-466B4932789E}"/>
+              </a:ext>
+            </a:extLst>
+          </p:cNvPr>
+          <p:cNvPicPr>
+            <a:picLocks noChangeAspect="1"/>
+          </p:cNvPicPr>
+          <p:nvPr/>
+        </p:nvPicPr>
+        <p:blipFill>
+          <a:blip r:embed="rId6">
+            <a:extLst>
+              <a:ext uri="{28A0092B-C50C-407E-A947-70E740481C1C}">
+                <a14:useLocalDpi xmlns:a14="http://schemas.microsoft.com/office/drawing/2010/main" val="0"/>
+              </a:ext>
+            </a:extLst>
+          </a:blip>
+          <a:stretch>
+            <a:fillRect/>
+          </a:stretch>
+        </p:blipFill>
+        <p:spPr>
+          <a:xfrm>
+            <a:off x="2157251" y="3705789"/>
+            <a:ext cx="2143125" cy="2143125"/>
+          </a:xfrm>
+          <a:prstGeom prst="rect">
+            <a:avLst/>
+          </a:prstGeom>
+        </p:spPr>
+      </p:pic>
+      <p:pic>
+        <p:nvPicPr>
+          <p:cNvPr id="12" name="Picture 11">
+            <a:extLst>
+              <a:ext uri="{FF2B5EF4-FFF2-40B4-BE49-F238E27FC236}">
+                <a16:creationId xmlns:a16="http://schemas.microsoft.com/office/drawing/2014/main" id="{D28938C6-4F51-A61E-FD4E-8AF5206CDEBA}"/>
+              </a:ext>
+            </a:extLst>
+          </p:cNvPr>
+          <p:cNvPicPr>
+            <a:picLocks noChangeAspect="1"/>
+          </p:cNvPicPr>
+          <p:nvPr/>
+        </p:nvPicPr>
+        <p:blipFill>
+          <a:blip r:embed="rId7" cstate="print">
+            <a:extLst>
+              <a:ext uri="{28A0092B-C50C-407E-A947-70E740481C1C}">
+                <a14:useLocalDpi xmlns:a14="http://schemas.microsoft.com/office/drawing/2010/main" val="0"/>
+              </a:ext>
+            </a:extLst>
+          </a:blip>
+          <a:stretch>
+            <a:fillRect/>
+          </a:stretch>
+        </p:blipFill>
+        <p:spPr>
+          <a:xfrm>
+            <a:off x="6989736" y="3726049"/>
+            <a:ext cx="4200041" cy="2100021"/>
+          </a:xfrm>
+          <a:prstGeom prst="rect">
+            <a:avLst/>
+          </a:prstGeom>
+        </p:spPr>
+      </p:pic>
     </p:spTree>
     <p:extLst>
       <p:ext uri="{BB962C8B-B14F-4D97-AF65-F5344CB8AC3E}">
-        <p14:creationId xmlns:p14="http://schemas.microsoft.com/office/powerpoint/2010/main" val="656236666"/>
+        <p14:creationId xmlns:p14="http://schemas.microsoft.com/office/powerpoint/2010/main" val="3643434604"/>
       </p:ext>
     </p:extLst>
   </p:cSld>
@@ -4474,7 +4671,7 @@
           <a:p>
             <a:r>
               <a:rPr lang="en-IN" dirty="0"/>
-              <a:t>10. References</a:t>
+              <a:t> Conclusion</a:t>
             </a:r>
             <a:endParaRPr lang="en-GB" dirty="0"/>
           </a:p>
@@ -4492,60 +4689,52 @@
         </p:nvSpPr>
         <p:spPr/>
         <p:txBody>
-          <a:bodyPr/>
+          <a:bodyPr>
+            <a:normAutofit/>
+          </a:bodyPr>
           <a:lstStyle/>
           <a:p>
-            <a:r>
-              <a:rPr lang="en-GB" dirty="0"/>
-              <a:t> Indian Council for Cultural Relations, Wikipedia, </a:t>
-            </a:r>
-            <a:r>
-              <a:rPr lang="en-GB" dirty="0">
-                <a:hlinkClick r:id="rId2"/>
-              </a:rPr>
-              <a:t>https://en.wikipedia.org/wiki/Indian_Council_for_Cultural_Relations#Publications</a:t>
-            </a:r>
-            <a:r>
-              <a:rPr lang="en-GB" dirty="0"/>
-              <a:t>, Oct 3,2022</a:t>
-            </a:r>
-          </a:p>
-          <a:p>
-            <a:endParaRPr lang="en-GB" dirty="0"/>
-          </a:p>
-          <a:p>
-            <a:r>
-              <a:rPr lang="en-GB" dirty="0"/>
-              <a:t>Official website of Indian Council for Cultural Relations, Government of India, </a:t>
-            </a:r>
-            <a:r>
-              <a:rPr lang="en-GB" dirty="0">
-                <a:hlinkClick r:id="rId3"/>
-              </a:rPr>
-              <a:t>https://iccr.gov.in/about-us</a:t>
-            </a:r>
-            <a:r>
-              <a:rPr lang="en-GB" dirty="0"/>
-              <a:t>, Oct 3,2022</a:t>
-            </a:r>
-          </a:p>
-          <a:p>
-            <a:endParaRPr lang="en-GB" dirty="0"/>
-          </a:p>
-          <a:p>
-            <a:r>
-              <a:rPr lang="en-GB" dirty="0"/>
-              <a:t>ICCR Annual Report: Indian Council for Cultural Relations Azad Bhawan, I.P. Estate, New Delhi, 2020-21</a:t>
-            </a:r>
-          </a:p>
-          <a:p>
-            <a:endParaRPr lang="en-GB" dirty="0"/>
+            <a:pPr>
+              <a:buFont typeface="Wingdings" panose="05000000000000000000" pitchFamily="2" charset="2"/>
+              <a:buChar char="Ø"/>
+            </a:pPr>
+            <a:r>
+              <a:rPr lang="en-GB" sz="2000" dirty="0"/>
+              <a:t>This website will help ICCR to monitor activities performed by regional offices and help them rate their performance. </a:t>
+            </a:r>
           </a:p>
           <a:p>
             <a:pPr marL="0" indent="0">
               <a:buNone/>
             </a:pPr>
-            <a:endParaRPr lang="en-GB" dirty="0"/>
+            <a:endParaRPr lang="en-GB" sz="2000" dirty="0"/>
+          </a:p>
+          <a:p>
+            <a:pPr>
+              <a:buFont typeface="Wingdings" panose="05000000000000000000" pitchFamily="2" charset="2"/>
+              <a:buChar char="Ø"/>
+            </a:pPr>
+            <a:r>
+              <a:rPr lang="en-GB" sz="2000" dirty="0"/>
+              <a:t>The website will also help generate Self-Driven Activities which are conducted by Regional Offices &amp; ICCR HQ Driven Activities conducted at national level including monthly and annual activities &amp; Financial Reports. </a:t>
+            </a:r>
+          </a:p>
+          <a:p>
+            <a:pPr>
+              <a:buFont typeface="Wingdings" panose="05000000000000000000" pitchFamily="2" charset="2"/>
+              <a:buChar char="Ø"/>
+            </a:pPr>
+            <a:endParaRPr lang="en-GB" sz="2000" dirty="0"/>
+          </a:p>
+          <a:p>
+            <a:pPr>
+              <a:buFont typeface="Wingdings" panose="05000000000000000000" pitchFamily="2" charset="2"/>
+              <a:buChar char="Ø"/>
+            </a:pPr>
+            <a:r>
+              <a:rPr lang="en-GB" sz="2000" dirty="0"/>
+              <a:t>The feedback received from International students will help ICCR devise better student friendly policies, thus fostering and strengthening cultural relations and mutual understanding between India and other countries, promoting cultural exchanges with other countries and people, and developing relations with nations thus, improving students participation in cultural activities.</a:t>
+            </a:r>
           </a:p>
         </p:txBody>
       </p:sp>
@@ -4575,7 +4764,7 @@
     </p:spTree>
     <p:extLst>
       <p:ext uri="{BB962C8B-B14F-4D97-AF65-F5344CB8AC3E}">
-        <p14:creationId xmlns:p14="http://schemas.microsoft.com/office/powerpoint/2010/main" val="3997157356"/>
+        <p14:creationId xmlns:p14="http://schemas.microsoft.com/office/powerpoint/2010/main" val="656236666"/>
       </p:ext>
     </p:extLst>
   </p:cSld>
@@ -4604,7 +4793,7 @@
       </p:grpSpPr>
       <p:sp>
         <p:nvSpPr>
-          <p:cNvPr id="7" name="Title 6"/>
+          <p:cNvPr id="2" name="Title 1"/>
           <p:cNvSpPr>
             <a:spLocks noGrp="1"/>
           </p:cNvSpPr>
@@ -4612,23 +4801,85 @@
             <p:ph type="title"/>
           </p:nvPr>
         </p:nvSpPr>
-        <p:spPr>
-          <a:xfrm>
-            <a:off x="838200" y="1172709"/>
-            <a:ext cx="10515600" cy="2852737"/>
-          </a:xfrm>
-        </p:spPr>
-        <p:txBody>
-          <a:bodyPr>
-            <a:normAutofit/>
-          </a:bodyPr>
+        <p:spPr/>
+        <p:txBody>
+          <a:bodyPr/>
           <a:lstStyle/>
           <a:p>
-            <a:pPr algn="ctr"/>
-            <a:r>
-              <a:rPr lang="en-IN" sz="11500" dirty="0"/>
-              <a:t>Thank You. </a:t>
-            </a:r>
+            <a:r>
+              <a:rPr lang="en-IN" dirty="0"/>
+              <a:t>10. References</a:t>
+            </a:r>
+            <a:endParaRPr lang="en-GB" dirty="0"/>
+          </a:p>
+        </p:txBody>
+      </p:sp>
+      <p:sp>
+        <p:nvSpPr>
+          <p:cNvPr id="3" name="Content Placeholder 2"/>
+          <p:cNvSpPr>
+            <a:spLocks noGrp="1"/>
+          </p:cNvSpPr>
+          <p:nvPr>
+            <p:ph idx="1"/>
+          </p:nvPr>
+        </p:nvSpPr>
+        <p:spPr/>
+        <p:txBody>
+          <a:bodyPr/>
+          <a:lstStyle/>
+          <a:p>
+            <a:r>
+              <a:rPr lang="en-GB" dirty="0"/>
+              <a:t> Indian Council for Cultural Relations, Wikipedia, </a:t>
+            </a:r>
+            <a:r>
+              <a:rPr lang="en-GB" dirty="0">
+                <a:hlinkClick r:id="rId2"/>
+              </a:rPr>
+              <a:t>https://en.wikipedia.org/wiki/Indian_Council_for_Cultural_Relations#Publications</a:t>
+            </a:r>
+            <a:r>
+              <a:rPr lang="en-GB" dirty="0"/>
+              <a:t>, Oct 3,2022</a:t>
+            </a:r>
+          </a:p>
+          <a:p>
+            <a:endParaRPr lang="en-GB" dirty="0"/>
+          </a:p>
+          <a:p>
+            <a:r>
+              <a:rPr lang="en-GB" dirty="0"/>
+              <a:t>Official website of Indian Council for Cultural Relations, Government of India, </a:t>
+            </a:r>
+            <a:r>
+              <a:rPr lang="en-GB" dirty="0">
+                <a:hlinkClick r:id="rId3"/>
+              </a:rPr>
+              <a:t>https://iccr.gov.in/about-us</a:t>
+            </a:r>
+            <a:r>
+              <a:rPr lang="en-GB" dirty="0"/>
+              <a:t>, Oct 3,2022</a:t>
+            </a:r>
+          </a:p>
+          <a:p>
+            <a:endParaRPr lang="en-GB" dirty="0"/>
+          </a:p>
+          <a:p>
+            <a:r>
+              <a:rPr lang="en-GB" dirty="0"/>
+              <a:t>ICCR Annual Report: Indian Council for Cultural Relations Azad Bhawan, I.P. Estate, New Delhi, 2020-21</a:t>
+            </a:r>
+          </a:p>
+          <a:p>
+            <a:endParaRPr lang="en-GB" dirty="0"/>
+          </a:p>
+          <a:p>
+            <a:pPr marL="0" indent="0">
+              <a:buNone/>
+            </a:pPr>
+            <a:endParaRPr lang="en-GB" dirty="0"/>
           </a:p>
         </p:txBody>
       </p:sp>
@@ -4658,7 +4909,7 @@
     </p:spTree>
     <p:extLst>
       <p:ext uri="{BB962C8B-B14F-4D97-AF65-F5344CB8AC3E}">
-        <p14:creationId xmlns:p14="http://schemas.microsoft.com/office/powerpoint/2010/main" val="833319236"/>
+        <p14:creationId xmlns:p14="http://schemas.microsoft.com/office/powerpoint/2010/main" val="3997157356"/>
       </p:ext>
     </p:extLst>
   </p:cSld>
@@ -4687,6 +4938,89 @@
       </p:grpSpPr>
       <p:sp>
         <p:nvSpPr>
+          <p:cNvPr id="7" name="Title 6"/>
+          <p:cNvSpPr>
+            <a:spLocks noGrp="1"/>
+          </p:cNvSpPr>
+          <p:nvPr>
+            <p:ph type="title"/>
+          </p:nvPr>
+        </p:nvSpPr>
+        <p:spPr>
+          <a:xfrm>
+            <a:off x="838200" y="1172709"/>
+            <a:ext cx="10515600" cy="2852737"/>
+          </a:xfrm>
+        </p:spPr>
+        <p:txBody>
+          <a:bodyPr>
+            <a:normAutofit/>
+          </a:bodyPr>
+          <a:lstStyle/>
+          <a:p>
+            <a:pPr algn="ctr"/>
+            <a:r>
+              <a:rPr lang="en-IN" sz="11500" dirty="0"/>
+              <a:t>Thank You. </a:t>
+            </a:r>
+          </a:p>
+        </p:txBody>
+      </p:sp>
+      <p:sp>
+        <p:nvSpPr>
+          <p:cNvPr id="6" name="Slide Number Placeholder 5"/>
+          <p:cNvSpPr>
+            <a:spLocks noGrp="1"/>
+          </p:cNvSpPr>
+          <p:nvPr>
+            <p:ph type="sldNum" sz="quarter" idx="12"/>
+          </p:nvPr>
+        </p:nvSpPr>
+        <p:spPr/>
+        <p:txBody>
+          <a:bodyPr/>
+          <a:lstStyle/>
+          <a:p>
+            <a:fld id="{1DEB9025-8623-43DC-835C-CC7482BE7300}" type="slidenum">
+              <a:rPr lang="en-IN" smtClean="0"/>
+              <a:t>13</a:t>
+            </a:fld>
+            <a:endParaRPr lang="en-IN"/>
+          </a:p>
+        </p:txBody>
+      </p:sp>
+    </p:spTree>
+    <p:extLst>
+      <p:ext uri="{BB962C8B-B14F-4D97-AF65-F5344CB8AC3E}">
+        <p14:creationId xmlns:p14="http://schemas.microsoft.com/office/powerpoint/2010/main" val="833319236"/>
+      </p:ext>
+    </p:extLst>
+  </p:cSld>
+  <p:clrMapOvr>
+    <a:masterClrMapping/>
+  </p:clrMapOvr>
+</p:sld>
+</file>
+
+<file path=ppt/slides/slide14.xml><?xml version="1.0" encoding="utf-8"?>
+<p:sld xmlns:a="http://schemas.openxmlformats.org/drawingml/2006/main" xmlns:r="http://schemas.openxmlformats.org/officeDocument/2006/relationships" xmlns:p="http://schemas.openxmlformats.org/presentationml/2006/main">
+  <p:cSld>
+    <p:spTree>
+      <p:nvGrpSpPr>
+        <p:cNvPr id="1" name=""/>
+        <p:cNvGrpSpPr/>
+        <p:nvPr/>
+      </p:nvGrpSpPr>
+      <p:grpSpPr>
+        <a:xfrm>
+          <a:off x="0" y="0"/>
+          <a:ext cx="0" cy="0"/>
+          <a:chOff x="0" y="0"/>
+          <a:chExt cx="0" cy="0"/>
+        </a:xfrm>
+      </p:grpSpPr>
+      <p:sp>
+        <p:nvSpPr>
           <p:cNvPr id="2" name="Title 1"/>
           <p:cNvSpPr>
             <a:spLocks noGrp="1"/>
@@ -4729,7 +5063,7 @@
           <a:p>
             <a:fld id="{04ADB005-2E3D-41BC-9D73-934276C3D2AB}" type="datetime1">
               <a:rPr lang="en-IN" smtClean="0"/>
-              <a:t>06-11-2022</a:t>
+              <a:t>07-11-2022</a:t>
             </a:fld>
             <a:endParaRPr lang="en-IN"/>
           </a:p>
@@ -4774,7 +5108,7 @@
           <a:p>
             <a:fld id="{1DEB9025-8623-43DC-835C-CC7482BE7300}" type="slidenum">
               <a:rPr lang="en-IN" smtClean="0"/>
-              <a:t>13</a:t>
+              <a:t>14</a:t>
             </a:fld>
             <a:endParaRPr lang="en-IN"/>
           </a:p>
@@ -8044,6 +8378,128 @@
             <p:ph type="title"/>
           </p:nvPr>
         </p:nvSpPr>
+        <p:spPr/>
+        <p:txBody>
+          <a:bodyPr>
+            <a:normAutofit/>
+          </a:bodyPr>
+          <a:lstStyle/>
+          <a:p>
+            <a:r>
+              <a:rPr lang="en-US" dirty="0"/>
+              <a:t>Online Performance and Evaluation System</a:t>
+            </a:r>
+            <a:endParaRPr lang="en-IN" dirty="0"/>
+          </a:p>
+        </p:txBody>
+      </p:sp>
+      <p:sp>
+        <p:nvSpPr>
+          <p:cNvPr id="6" name="Slide Number Placeholder 5"/>
+          <p:cNvSpPr>
+            <a:spLocks noGrp="1"/>
+          </p:cNvSpPr>
+          <p:nvPr>
+            <p:ph type="sldNum" sz="quarter" idx="12"/>
+          </p:nvPr>
+        </p:nvSpPr>
+        <p:spPr/>
+        <p:txBody>
+          <a:bodyPr/>
+          <a:lstStyle/>
+          <a:p>
+            <a:fld id="{1DEB9025-8623-43DC-835C-CC7482BE7300}" type="slidenum">
+              <a:rPr lang="en-IN" smtClean="0"/>
+              <a:t>7</a:t>
+            </a:fld>
+            <a:endParaRPr lang="en-IN"/>
+          </a:p>
+        </p:txBody>
+      </p:sp>
+      <p:sp>
+        <p:nvSpPr>
+          <p:cNvPr id="4" name="TextBox 3">
+            <a:extLst>
+              <a:ext uri="{FF2B5EF4-FFF2-40B4-BE49-F238E27FC236}">
+                <a16:creationId xmlns:a16="http://schemas.microsoft.com/office/drawing/2014/main" id="{5A805837-EEE4-6835-5AE2-FBB03DCB0050}"/>
+              </a:ext>
+            </a:extLst>
+          </p:cNvPr>
+          <p:cNvSpPr txBox="1"/>
+          <p:nvPr/>
+        </p:nvSpPr>
+        <p:spPr>
+          <a:xfrm>
+            <a:off x="325223" y="1099217"/>
+            <a:ext cx="8979031" cy="2585323"/>
+          </a:xfrm>
+          <a:prstGeom prst="rect">
+            <a:avLst/>
+          </a:prstGeom>
+          <a:noFill/>
+        </p:spPr>
+        <p:txBody>
+          <a:bodyPr wrap="square">
+            <a:spAutoFit/>
+          </a:bodyPr>
+          <a:lstStyle/>
+          <a:p>
+            <a:r>
+              <a:rPr lang="en-US" dirty="0"/>
+              <a:t>The ICCR HQ will be able to view all reports on </a:t>
+            </a:r>
+            <a:r>
+              <a:rPr lang="en-US" dirty="0" err="1"/>
+              <a:t>realtime</a:t>
+            </a:r>
+            <a:r>
+              <a:rPr lang="en-US" dirty="0"/>
+              <a:t> basis and evaluate the reports, rate the working of Regional Office. ICCR HQ can Approve, Reject or ask RO to Resubmit the report. • Based on Evaluation Regional offices will be allotted 5-star ratings. Parameters for Rating of Regional Office includes: • No. of ICCR Driven Activities Conducted • No. of Self-Driven activities conducted • Feedback Received (International Students) • Feedback Received by Participants for events conducted • Rewards points will be provided for extra activities conducted more than prescribed limit. • As ICCR regional offices are directly associated with students, hence the students feedback is given due consideration in overall star rating in fifth star.</a:t>
+            </a:r>
+            <a:endParaRPr lang="en-IN" dirty="0"/>
+          </a:p>
+        </p:txBody>
+      </p:sp>
+    </p:spTree>
+    <p:extLst>
+      <p:ext uri="{BB962C8B-B14F-4D97-AF65-F5344CB8AC3E}">
+        <p14:creationId xmlns:p14="http://schemas.microsoft.com/office/powerpoint/2010/main" val="850078620"/>
+      </p:ext>
+    </p:extLst>
+  </p:cSld>
+  <p:clrMapOvr>
+    <a:masterClrMapping/>
+  </p:clrMapOvr>
+</p:sld>
+</file>
+
+<file path=ppt/slides/slide8.xml><?xml version="1.0" encoding="utf-8"?>
+<p:sld xmlns:a="http://schemas.openxmlformats.org/drawingml/2006/main" xmlns:r="http://schemas.openxmlformats.org/officeDocument/2006/relationships" xmlns:p="http://schemas.openxmlformats.org/presentationml/2006/main">
+  <p:cSld>
+    <p:spTree>
+      <p:nvGrpSpPr>
+        <p:cNvPr id="1" name=""/>
+        <p:cNvGrpSpPr/>
+        <p:nvPr/>
+      </p:nvGrpSpPr>
+      <p:grpSpPr>
+        <a:xfrm>
+          <a:off x="0" y="0"/>
+          <a:ext cx="0" cy="0"/>
+          <a:chOff x="0" y="0"/>
+          <a:chExt cx="0" cy="0"/>
+        </a:xfrm>
+      </p:grpSpPr>
+      <p:sp>
+        <p:nvSpPr>
+          <p:cNvPr id="2" name="Title 1"/>
+          <p:cNvSpPr>
+            <a:spLocks noGrp="1"/>
+          </p:cNvSpPr>
+          <p:nvPr>
+            <p:ph type="title"/>
+          </p:nvPr>
+        </p:nvSpPr>
         <p:spPr>
           <a:xfrm>
             <a:off x="0" y="91455"/>
@@ -8084,7 +8540,7 @@
           <a:p>
             <a:fld id="{1DEB9025-8623-43DC-835C-CC7482BE7300}" type="slidenum">
               <a:rPr lang="en-IN" smtClean="0"/>
-              <a:t>7</a:t>
+              <a:t>8</a:t>
             </a:fld>
             <a:endParaRPr lang="en-IN"/>
           </a:p>
@@ -8240,7 +8696,7 @@
 </p:sld>
 </file>
 
-<file path=ppt/slides/slide8.xml><?xml version="1.0" encoding="utf-8"?>
+<file path=ppt/slides/slide9.xml><?xml version="1.0" encoding="utf-8"?>
 <p:sld xmlns:a="http://schemas.openxmlformats.org/drawingml/2006/main" xmlns:r="http://schemas.openxmlformats.org/officeDocument/2006/relationships" xmlns:p="http://schemas.openxmlformats.org/presentationml/2006/main">
   <p:cSld>
     <p:spTree>
@@ -8309,7 +8765,7 @@
           <a:p>
             <a:fld id="{1DEB9025-8623-43DC-835C-CC7482BE7300}" type="slidenum">
               <a:rPr lang="en-IN" smtClean="0"/>
-              <a:t>8</a:t>
+              <a:t>9</a:t>
             </a:fld>
             <a:endParaRPr lang="en-IN"/>
           </a:p>
@@ -8519,339 +8975,6 @@
     <p:extLst>
       <p:ext uri="{BB962C8B-B14F-4D97-AF65-F5344CB8AC3E}">
         <p14:creationId xmlns:p14="http://schemas.microsoft.com/office/powerpoint/2010/main" val="1370028451"/>
-      </p:ext>
-    </p:extLst>
-  </p:cSld>
-  <p:clrMapOvr>
-    <a:masterClrMapping/>
-  </p:clrMapOvr>
-</p:sld>
-</file>
-
-<file path=ppt/slides/slide9.xml><?xml version="1.0" encoding="utf-8"?>
-<p:sld xmlns:a="http://schemas.openxmlformats.org/drawingml/2006/main" xmlns:r="http://schemas.openxmlformats.org/officeDocument/2006/relationships" xmlns:p="http://schemas.openxmlformats.org/presentationml/2006/main">
-  <p:cSld>
-    <p:spTree>
-      <p:nvGrpSpPr>
-        <p:cNvPr id="1" name=""/>
-        <p:cNvGrpSpPr/>
-        <p:nvPr/>
-      </p:nvGrpSpPr>
-      <p:grpSpPr>
-        <a:xfrm>
-          <a:off x="0" y="0"/>
-          <a:ext cx="0" cy="0"/>
-          <a:chOff x="0" y="0"/>
-          <a:chExt cx="0" cy="0"/>
-        </a:xfrm>
-      </p:grpSpPr>
-      <p:sp>
-        <p:nvSpPr>
-          <p:cNvPr id="2" name="Title 1"/>
-          <p:cNvSpPr>
-            <a:spLocks noGrp="1"/>
-          </p:cNvSpPr>
-          <p:nvPr>
-            <p:ph type="title"/>
-          </p:nvPr>
-        </p:nvSpPr>
-        <p:spPr/>
-        <p:txBody>
-          <a:bodyPr/>
-          <a:lstStyle/>
-          <a:p>
-            <a:r>
-              <a:rPr lang="en-IN" dirty="0"/>
-              <a:t> Technologies Used</a:t>
-            </a:r>
-          </a:p>
-        </p:txBody>
-      </p:sp>
-      <p:sp>
-        <p:nvSpPr>
-          <p:cNvPr id="6" name="Slide Number Placeholder 5"/>
-          <p:cNvSpPr>
-            <a:spLocks noGrp="1"/>
-          </p:cNvSpPr>
-          <p:nvPr>
-            <p:ph type="sldNum" sz="quarter" idx="12"/>
-          </p:nvPr>
-        </p:nvSpPr>
-        <p:spPr/>
-        <p:txBody>
-          <a:bodyPr/>
-          <a:lstStyle/>
-          <a:p>
-            <a:fld id="{1DEB9025-8623-43DC-835C-CC7482BE7300}" type="slidenum">
-              <a:rPr lang="en-IN" smtClean="0"/>
-              <a:t>9</a:t>
-            </a:fld>
-            <a:endParaRPr lang="en-IN"/>
-          </a:p>
-        </p:txBody>
-      </p:sp>
-      <p:pic>
-        <p:nvPicPr>
-          <p:cNvPr id="7" name="Picture 16" descr="Easiest way to setup a MERN Stack application | by Vaibhav Shukla | Dev  Genius">
-            <a:extLst>
-              <a:ext uri="{FF2B5EF4-FFF2-40B4-BE49-F238E27FC236}">
-                <a16:creationId xmlns:a16="http://schemas.microsoft.com/office/drawing/2014/main" id="{E4F48987-9187-6C48-FE28-F113DF18DAA0}"/>
-              </a:ext>
-            </a:extLst>
-          </p:cNvPr>
-          <p:cNvPicPr>
-            <a:picLocks noChangeAspect="1" noChangeArrowheads="1"/>
-          </p:cNvPicPr>
-          <p:nvPr/>
-        </p:nvPicPr>
-        <p:blipFill rotWithShape="1">
-          <a:blip r:embed="rId2">
-            <a:extLst>
-              <a:ext uri="{28A0092B-C50C-407E-A947-70E740481C1C}">
-                <a14:useLocalDpi xmlns:a14="http://schemas.microsoft.com/office/drawing/2010/main" val="0"/>
-              </a:ext>
-            </a:extLst>
-          </a:blip>
-          <a:srcRect l="49395" t="7491" r="28923" b="31122"/>
-          <a:stretch/>
-        </p:blipFill>
-        <p:spPr bwMode="auto">
-          <a:xfrm>
-            <a:off x="4963442" y="3657601"/>
-            <a:ext cx="2367256" cy="2102160"/>
-          </a:xfrm>
-          <a:prstGeom prst="rect">
-            <a:avLst/>
-          </a:prstGeom>
-          <a:noFill/>
-          <a:extLst>
-            <a:ext uri="{909E8E84-426E-40DD-AFC4-6F175D3DCCD1}">
-              <a14:hiddenFill xmlns:a14="http://schemas.microsoft.com/office/drawing/2010/main">
-                <a:solidFill>
-                  <a:srgbClr val="FFFFFF"/>
-                </a:solidFill>
-              </a14:hiddenFill>
-            </a:ext>
-          </a:extLst>
-        </p:spPr>
-      </p:pic>
-      <p:pic>
-        <p:nvPicPr>
-          <p:cNvPr id="1026" name="Picture 2" descr="HTML - Wikipedia">
-            <a:extLst>
-              <a:ext uri="{FF2B5EF4-FFF2-40B4-BE49-F238E27FC236}">
-                <a16:creationId xmlns:a16="http://schemas.microsoft.com/office/drawing/2014/main" id="{2AD5397F-7B51-F6EF-B3ED-2AB0612E6A90}"/>
-              </a:ext>
-            </a:extLst>
-          </p:cNvPr>
-          <p:cNvPicPr>
-            <a:picLocks noChangeAspect="1" noChangeArrowheads="1"/>
-          </p:cNvPicPr>
-          <p:nvPr/>
-        </p:nvPicPr>
-        <p:blipFill>
-          <a:blip r:embed="rId3">
-            <a:extLst>
-              <a:ext uri="{28A0092B-C50C-407E-A947-70E740481C1C}">
-                <a14:useLocalDpi xmlns:a14="http://schemas.microsoft.com/office/drawing/2010/main" val="0"/>
-              </a:ext>
-            </a:extLst>
-          </a:blip>
-          <a:srcRect/>
-          <a:stretch>
-            <a:fillRect/>
-          </a:stretch>
-        </p:blipFill>
-        <p:spPr bwMode="auto">
-          <a:xfrm>
-            <a:off x="3230472" y="1452156"/>
-            <a:ext cx="1541825" cy="1541825"/>
-          </a:xfrm>
-          <a:prstGeom prst="rect">
-            <a:avLst/>
-          </a:prstGeom>
-          <a:noFill/>
-          <a:extLst>
-            <a:ext uri="{909E8E84-426E-40DD-AFC4-6F175D3DCCD1}">
-              <a14:hiddenFill xmlns:a14="http://schemas.microsoft.com/office/drawing/2010/main">
-                <a:solidFill>
-                  <a:srgbClr val="FFFFFF"/>
-                </a:solidFill>
-              </a14:hiddenFill>
-            </a:ext>
-          </a:extLst>
-        </p:spPr>
-      </p:pic>
-      <p:pic>
-        <p:nvPicPr>
-          <p:cNvPr id="1028" name="Picture 4" descr="CSS - Wikipedia">
-            <a:extLst>
-              <a:ext uri="{FF2B5EF4-FFF2-40B4-BE49-F238E27FC236}">
-                <a16:creationId xmlns:a16="http://schemas.microsoft.com/office/drawing/2014/main" id="{02812350-A706-55AD-E637-3AAE98625CC9}"/>
-              </a:ext>
-            </a:extLst>
-          </p:cNvPr>
-          <p:cNvPicPr>
-            <a:picLocks noChangeAspect="1" noChangeArrowheads="1"/>
-          </p:cNvPicPr>
-          <p:nvPr/>
-        </p:nvPicPr>
-        <p:blipFill>
-          <a:blip r:embed="rId4">
-            <a:extLst>
-              <a:ext uri="{28A0092B-C50C-407E-A947-70E740481C1C}">
-                <a14:useLocalDpi xmlns:a14="http://schemas.microsoft.com/office/drawing/2010/main" val="0"/>
-              </a:ext>
-            </a:extLst>
-          </a:blip>
-          <a:srcRect/>
-          <a:stretch>
-            <a:fillRect/>
-          </a:stretch>
-        </p:blipFill>
-        <p:spPr bwMode="auto">
-          <a:xfrm>
-            <a:off x="5579065" y="1434603"/>
-            <a:ext cx="1222329" cy="1726782"/>
-          </a:xfrm>
-          <a:prstGeom prst="rect">
-            <a:avLst/>
-          </a:prstGeom>
-          <a:noFill/>
-          <a:extLst>
-            <a:ext uri="{909E8E84-426E-40DD-AFC4-6F175D3DCCD1}">
-              <a14:hiddenFill xmlns:a14="http://schemas.microsoft.com/office/drawing/2010/main">
-                <a:solidFill>
-                  <a:srgbClr val="FFFFFF"/>
-                </a:solidFill>
-              </a14:hiddenFill>
-            </a:ext>
-          </a:extLst>
-        </p:spPr>
-      </p:pic>
-      <p:pic>
-        <p:nvPicPr>
-          <p:cNvPr id="1030" name="Picture 6" descr="JavaScript logo and symbol, meaning, history, PNG">
-            <a:extLst>
-              <a:ext uri="{FF2B5EF4-FFF2-40B4-BE49-F238E27FC236}">
-                <a16:creationId xmlns:a16="http://schemas.microsoft.com/office/drawing/2014/main" id="{11031CDA-B4AB-4722-859B-D79F677AE96B}"/>
-              </a:ext>
-            </a:extLst>
-          </p:cNvPr>
-          <p:cNvPicPr>
-            <a:picLocks noChangeAspect="1" noChangeArrowheads="1"/>
-          </p:cNvPicPr>
-          <p:nvPr/>
-        </p:nvPicPr>
-        <p:blipFill>
-          <a:blip r:embed="rId5">
-            <a:extLst>
-              <a:ext uri="{28A0092B-C50C-407E-A947-70E740481C1C}">
-                <a14:useLocalDpi xmlns:a14="http://schemas.microsoft.com/office/drawing/2010/main" val="0"/>
-              </a:ext>
-            </a:extLst>
-          </a:blip>
-          <a:srcRect/>
-          <a:stretch>
-            <a:fillRect/>
-          </a:stretch>
-        </p:blipFill>
-        <p:spPr bwMode="auto">
-          <a:xfrm>
-            <a:off x="7373439" y="1401673"/>
-            <a:ext cx="2705100" cy="1685925"/>
-          </a:xfrm>
-          <a:prstGeom prst="rect">
-            <a:avLst/>
-          </a:prstGeom>
-          <a:noFill/>
-          <a:extLst>
-            <a:ext uri="{909E8E84-426E-40DD-AFC4-6F175D3DCCD1}">
-              <a14:hiddenFill xmlns:a14="http://schemas.microsoft.com/office/drawing/2010/main">
-                <a:solidFill>
-                  <a:srgbClr val="FFFFFF"/>
-                </a:solidFill>
-              </a14:hiddenFill>
-            </a:ext>
-          </a:extLst>
-        </p:spPr>
-      </p:pic>
-      <p:pic>
-        <p:nvPicPr>
-          <p:cNvPr id="8" name="Picture 7">
-            <a:extLst>
-              <a:ext uri="{FF2B5EF4-FFF2-40B4-BE49-F238E27FC236}">
-                <a16:creationId xmlns:a16="http://schemas.microsoft.com/office/drawing/2014/main" id="{BD3EB4D9-D7EC-2A27-F227-466B4932789E}"/>
-              </a:ext>
-            </a:extLst>
-          </p:cNvPr>
-          <p:cNvPicPr>
-            <a:picLocks noChangeAspect="1"/>
-          </p:cNvPicPr>
-          <p:nvPr/>
-        </p:nvPicPr>
-        <p:blipFill>
-          <a:blip r:embed="rId6">
-            <a:extLst>
-              <a:ext uri="{28A0092B-C50C-407E-A947-70E740481C1C}">
-                <a14:useLocalDpi xmlns:a14="http://schemas.microsoft.com/office/drawing/2010/main" val="0"/>
-              </a:ext>
-            </a:extLst>
-          </a:blip>
-          <a:stretch>
-            <a:fillRect/>
-          </a:stretch>
-        </p:blipFill>
-        <p:spPr>
-          <a:xfrm>
-            <a:off x="2157251" y="3705789"/>
-            <a:ext cx="2143125" cy="2143125"/>
-          </a:xfrm>
-          <a:prstGeom prst="rect">
-            <a:avLst/>
-          </a:prstGeom>
-        </p:spPr>
-      </p:pic>
-      <p:pic>
-        <p:nvPicPr>
-          <p:cNvPr id="12" name="Picture 11">
-            <a:extLst>
-              <a:ext uri="{FF2B5EF4-FFF2-40B4-BE49-F238E27FC236}">
-                <a16:creationId xmlns:a16="http://schemas.microsoft.com/office/drawing/2014/main" id="{D28938C6-4F51-A61E-FD4E-8AF5206CDEBA}"/>
-              </a:ext>
-            </a:extLst>
-          </p:cNvPr>
-          <p:cNvPicPr>
-            <a:picLocks noChangeAspect="1"/>
-          </p:cNvPicPr>
-          <p:nvPr/>
-        </p:nvPicPr>
-        <p:blipFill>
-          <a:blip r:embed="rId7" cstate="print">
-            <a:extLst>
-              <a:ext uri="{28A0092B-C50C-407E-A947-70E740481C1C}">
-                <a14:useLocalDpi xmlns:a14="http://schemas.microsoft.com/office/drawing/2010/main" val="0"/>
-              </a:ext>
-            </a:extLst>
-          </a:blip>
-          <a:stretch>
-            <a:fillRect/>
-          </a:stretch>
-        </p:blipFill>
-        <p:spPr>
-          <a:xfrm>
-            <a:off x="6989736" y="3726049"/>
-            <a:ext cx="4200041" cy="2100021"/>
-          </a:xfrm>
-          <a:prstGeom prst="rect">
-            <a:avLst/>
-          </a:prstGeom>
-        </p:spPr>
-      </p:pic>
-    </p:spTree>
-    <p:extLst>
-      <p:ext uri="{BB962C8B-B14F-4D97-AF65-F5344CB8AC3E}">
-        <p14:creationId xmlns:p14="http://schemas.microsoft.com/office/powerpoint/2010/main" val="3643434604"/>
       </p:ext>
     </p:extLst>
   </p:cSld>

--- a/Progress 1 submitted.pptx
+++ b/Progress 1 submitted.pptx
@@ -5,10 +5,10 @@
     <p:sldMasterId id="2147483648" r:id="rId1"/>
   </p:sldMasterIdLst>
   <p:notesMasterIdLst>
-    <p:notesMasterId r:id="rId16"/>
+    <p:notesMasterId r:id="rId18"/>
   </p:notesMasterIdLst>
   <p:handoutMasterIdLst>
-    <p:handoutMasterId r:id="rId17"/>
+    <p:handoutMasterId r:id="rId19"/>
   </p:handoutMasterIdLst>
   <p:sldIdLst>
     <p:sldId id="280" r:id="rId2"/>
@@ -17,14 +17,16 @@
     <p:sldId id="261" r:id="rId5"/>
     <p:sldId id="278" r:id="rId6"/>
     <p:sldId id="268" r:id="rId7"/>
-    <p:sldId id="285" r:id="rId8"/>
-    <p:sldId id="263" r:id="rId9"/>
-    <p:sldId id="283" r:id="rId10"/>
-    <p:sldId id="267" r:id="rId11"/>
-    <p:sldId id="276" r:id="rId12"/>
-    <p:sldId id="277" r:id="rId13"/>
-    <p:sldId id="266" r:id="rId14"/>
-    <p:sldId id="284" r:id="rId15"/>
+    <p:sldId id="290" r:id="rId8"/>
+    <p:sldId id="287" r:id="rId9"/>
+    <p:sldId id="286" r:id="rId10"/>
+    <p:sldId id="263" r:id="rId11"/>
+    <p:sldId id="283" r:id="rId12"/>
+    <p:sldId id="267" r:id="rId13"/>
+    <p:sldId id="276" r:id="rId14"/>
+    <p:sldId id="277" r:id="rId15"/>
+    <p:sldId id="266" r:id="rId16"/>
+    <p:sldId id="284" r:id="rId17"/>
   </p:sldIdLst>
   <p:sldSz cx="12192000" cy="6858000"/>
   <p:notesSz cx="6858000" cy="9144000"/>
@@ -227,7 +229,7 @@
           <a:p>
             <a:fld id="{EA356784-D59E-4D6A-B4FA-F36E59DD88B1}" type="datetimeFigureOut">
               <a:rPr lang="en-IN" smtClean="0"/>
-              <a:t>07-11-2022</a:t>
+              <a:t>08-11-2022</a:t>
             </a:fld>
             <a:endParaRPr lang="en-IN"/>
           </a:p>
@@ -392,7 +394,7 @@
           <a:p>
             <a:fld id="{02E02E51-5D16-47C7-947F-72F0C537B808}" type="datetimeFigureOut">
               <a:rPr lang="en-IN" smtClean="0"/>
-              <a:t>07-11-2022</a:t>
+              <a:t>08-11-2022</a:t>
             </a:fld>
             <a:endParaRPr lang="en-IN"/>
           </a:p>
@@ -660,6 +662,174 @@
 </p:notesMaster>
 </file>
 
+<file path=ppt/notesSlides/notesSlide1.xml><?xml version="1.0" encoding="utf-8"?>
+<p:notes xmlns:a="http://schemas.openxmlformats.org/drawingml/2006/main" xmlns:r="http://schemas.openxmlformats.org/officeDocument/2006/relationships" xmlns:p="http://schemas.openxmlformats.org/presentationml/2006/main">
+  <p:cSld>
+    <p:spTree>
+      <p:nvGrpSpPr>
+        <p:cNvPr id="1" name=""/>
+        <p:cNvGrpSpPr/>
+        <p:nvPr/>
+      </p:nvGrpSpPr>
+      <p:grpSpPr>
+        <a:xfrm>
+          <a:off x="0" y="0"/>
+          <a:ext cx="0" cy="0"/>
+          <a:chOff x="0" y="0"/>
+          <a:chExt cx="0" cy="0"/>
+        </a:xfrm>
+      </p:grpSpPr>
+      <p:sp>
+        <p:nvSpPr>
+          <p:cNvPr id="2" name="Slide Image Placeholder 1"/>
+          <p:cNvSpPr>
+            <a:spLocks noGrp="1" noRot="1" noChangeAspect="1"/>
+          </p:cNvSpPr>
+          <p:nvPr>
+            <p:ph type="sldImg"/>
+          </p:nvPr>
+        </p:nvSpPr>
+        <p:spPr/>
+      </p:sp>
+      <p:sp>
+        <p:nvSpPr>
+          <p:cNvPr id="3" name="Notes Placeholder 2"/>
+          <p:cNvSpPr>
+            <a:spLocks noGrp="1"/>
+          </p:cNvSpPr>
+          <p:nvPr>
+            <p:ph type="body" idx="1"/>
+          </p:nvPr>
+        </p:nvSpPr>
+        <p:spPr/>
+        <p:txBody>
+          <a:bodyPr/>
+          <a:lstStyle/>
+          <a:p>
+            <a:endParaRPr lang="en-IN" dirty="0"/>
+          </a:p>
+        </p:txBody>
+      </p:sp>
+      <p:sp>
+        <p:nvSpPr>
+          <p:cNvPr id="4" name="Slide Number Placeholder 3"/>
+          <p:cNvSpPr>
+            <a:spLocks noGrp="1"/>
+          </p:cNvSpPr>
+          <p:nvPr>
+            <p:ph type="sldNum" sz="quarter" idx="5"/>
+          </p:nvPr>
+        </p:nvSpPr>
+        <p:spPr/>
+        <p:txBody>
+          <a:bodyPr/>
+          <a:lstStyle/>
+          <a:p>
+            <a:fld id="{254A17E4-397F-4FD2-9B8D-D94B8353081C}" type="slidenum">
+              <a:rPr lang="en-IN" smtClean="0"/>
+              <a:t>7</a:t>
+            </a:fld>
+            <a:endParaRPr lang="en-IN"/>
+          </a:p>
+        </p:txBody>
+      </p:sp>
+    </p:spTree>
+    <p:extLst>
+      <p:ext uri="{BB962C8B-B14F-4D97-AF65-F5344CB8AC3E}">
+        <p14:creationId xmlns:p14="http://schemas.microsoft.com/office/powerpoint/2010/main" val="4249297740"/>
+      </p:ext>
+    </p:extLst>
+  </p:cSld>
+  <p:clrMapOvr>
+    <a:masterClrMapping/>
+  </p:clrMapOvr>
+</p:notes>
+</file>
+
+<file path=ppt/notesSlides/notesSlide2.xml><?xml version="1.0" encoding="utf-8"?>
+<p:notes xmlns:a="http://schemas.openxmlformats.org/drawingml/2006/main" xmlns:r="http://schemas.openxmlformats.org/officeDocument/2006/relationships" xmlns:p="http://schemas.openxmlformats.org/presentationml/2006/main">
+  <p:cSld>
+    <p:spTree>
+      <p:nvGrpSpPr>
+        <p:cNvPr id="1" name=""/>
+        <p:cNvGrpSpPr/>
+        <p:nvPr/>
+      </p:nvGrpSpPr>
+      <p:grpSpPr>
+        <a:xfrm>
+          <a:off x="0" y="0"/>
+          <a:ext cx="0" cy="0"/>
+          <a:chOff x="0" y="0"/>
+          <a:chExt cx="0" cy="0"/>
+        </a:xfrm>
+      </p:grpSpPr>
+      <p:sp>
+        <p:nvSpPr>
+          <p:cNvPr id="2" name="Slide Image Placeholder 1"/>
+          <p:cNvSpPr>
+            <a:spLocks noGrp="1" noRot="1" noChangeAspect="1"/>
+          </p:cNvSpPr>
+          <p:nvPr>
+            <p:ph type="sldImg"/>
+          </p:nvPr>
+        </p:nvSpPr>
+        <p:spPr/>
+      </p:sp>
+      <p:sp>
+        <p:nvSpPr>
+          <p:cNvPr id="3" name="Notes Placeholder 2"/>
+          <p:cNvSpPr>
+            <a:spLocks noGrp="1"/>
+          </p:cNvSpPr>
+          <p:nvPr>
+            <p:ph type="body" idx="1"/>
+          </p:nvPr>
+        </p:nvSpPr>
+        <p:spPr/>
+        <p:txBody>
+          <a:bodyPr/>
+          <a:lstStyle/>
+          <a:p>
+            <a:endParaRPr lang="en-IN" dirty="0"/>
+          </a:p>
+        </p:txBody>
+      </p:sp>
+      <p:sp>
+        <p:nvSpPr>
+          <p:cNvPr id="4" name="Slide Number Placeholder 3"/>
+          <p:cNvSpPr>
+            <a:spLocks noGrp="1"/>
+          </p:cNvSpPr>
+          <p:nvPr>
+            <p:ph type="sldNum" sz="quarter" idx="5"/>
+          </p:nvPr>
+        </p:nvSpPr>
+        <p:spPr/>
+        <p:txBody>
+          <a:bodyPr/>
+          <a:lstStyle/>
+          <a:p>
+            <a:fld id="{254A17E4-397F-4FD2-9B8D-D94B8353081C}" type="slidenum">
+              <a:rPr lang="en-IN" smtClean="0"/>
+              <a:t>8</a:t>
+            </a:fld>
+            <a:endParaRPr lang="en-IN"/>
+          </a:p>
+        </p:txBody>
+      </p:sp>
+    </p:spTree>
+    <p:extLst>
+      <p:ext uri="{BB962C8B-B14F-4D97-AF65-F5344CB8AC3E}">
+        <p14:creationId xmlns:p14="http://schemas.microsoft.com/office/powerpoint/2010/main" val="3571747439"/>
+      </p:ext>
+    </p:extLst>
+  </p:cSld>
+  <p:clrMapOvr>
+    <a:masterClrMapping/>
+  </p:clrMapOvr>
+</p:notes>
+</file>
+
 <file path=ppt/slideLayouts/slideLayout1.xml><?xml version="1.0" encoding="utf-8"?>
 <p:sldLayout xmlns:a="http://schemas.openxmlformats.org/drawingml/2006/main" xmlns:r="http://schemas.openxmlformats.org/officeDocument/2006/relationships" xmlns:p="http://schemas.openxmlformats.org/presentationml/2006/main" preserve="1" userDrawn="1">
   <p:cSld name="Custom Layout">
@@ -1234,7 +1404,7 @@
           <a:p>
             <a:fld id="{A26A2EF8-DE20-42F7-A9BD-EA2B260AC3A5}" type="datetime1">
               <a:rPr lang="en-IN" smtClean="0"/>
-              <a:t>07-11-2022</a:t>
+              <a:t>08-11-2022</a:t>
             </a:fld>
             <a:endParaRPr lang="en-IN"/>
           </a:p>
@@ -1459,7 +1629,7 @@
           <a:p>
             <a:fld id="{DD3E76D1-DCA2-4F32-AE81-9F0948AF8C53}" type="datetime1">
               <a:rPr lang="en-IN" smtClean="0"/>
-              <a:t>07-11-2022</a:t>
+              <a:t>08-11-2022</a:t>
             </a:fld>
             <a:endParaRPr lang="en-IN"/>
           </a:p>
@@ -1720,7 +1890,7 @@
           <a:p>
             <a:fld id="{04ADB005-2E3D-41BC-9D73-934276C3D2AB}" type="datetime1">
               <a:rPr lang="en-IN" smtClean="0"/>
-              <a:t>07-11-2022</a:t>
+              <a:t>08-11-2022</a:t>
             </a:fld>
             <a:endParaRPr lang="en-IN"/>
           </a:p>
@@ -1999,7 +2169,7 @@
           <a:p>
             <a:fld id="{234C39E7-B894-437B-8BC2-870DB2ED1B88}" type="datetime1">
               <a:rPr lang="en-IN" smtClean="0"/>
-              <a:t>07-11-2022</a:t>
+              <a:t>08-11-2022</a:t>
             </a:fld>
             <a:endParaRPr lang="en-IN"/>
           </a:p>
@@ -2241,7 +2411,7 @@
           <a:p>
             <a:fld id="{CDF5EC52-C720-4000-A582-47A37DCA43AA}" type="datetime1">
               <a:rPr lang="en-IN" smtClean="0"/>
-              <a:t>07-11-2022</a:t>
+              <a:t>08-11-2022</a:t>
             </a:fld>
             <a:endParaRPr lang="en-IN"/>
           </a:p>
@@ -2693,7 +2863,7 @@
           <a:p>
             <a:fld id="{EDCBBD27-F186-4941-B095-28418B72E876}" type="datetime1">
               <a:rPr lang="en-IN" smtClean="0"/>
-              <a:t>07-11-2022</a:t>
+              <a:t>08-11-2022</a:t>
             </a:fld>
             <a:endParaRPr lang="en-IN"/>
           </a:p>
@@ -2901,7 +3071,7 @@
           <a:p>
             <a:fld id="{1840DB68-5EB6-45CB-82F3-37E85B95C0AD}" type="datetime1">
               <a:rPr lang="en-IN" smtClean="0"/>
-              <a:t>07-11-2022</a:t>
+              <a:t>08-11-2022</a:t>
             </a:fld>
             <a:endParaRPr lang="en-IN"/>
           </a:p>
@@ -3109,7 +3279,7 @@
           <a:p>
             <a:fld id="{7A7C3D6F-9AA5-4546-BF28-226FCBFE08FF}" type="datetime1">
               <a:rPr lang="en-IN" smtClean="0"/>
-              <a:t>07-11-2022</a:t>
+              <a:t>08-11-2022</a:t>
             </a:fld>
             <a:endParaRPr lang="en-IN"/>
           </a:p>
@@ -3419,7 +3589,7 @@
           <a:p>
             <a:fld id="{7A5B77F8-8600-4DD3-BF26-CA11CA162D17}" type="datetime1">
               <a:rPr lang="en-IN" smtClean="0"/>
-              <a:t>07-11-2022</a:t>
+              <a:t>08-11-2022</a:t>
             </a:fld>
             <a:endParaRPr lang="en-IN"/>
           </a:p>
@@ -3668,7 +3838,7 @@
           <a:p>
             <a:fld id="{D3532BB8-FB68-4FD6-910E-036F28666962}" type="datetime1">
               <a:rPr lang="en-IN" smtClean="0"/>
-              <a:t>07-11-2022</a:t>
+              <a:t>08-11-2022</a:t>
             </a:fld>
             <a:endParaRPr lang="en-IN"/>
           </a:p>
@@ -4331,14 +4501,25 @@
             <p:ph type="title"/>
           </p:nvPr>
         </p:nvSpPr>
-        <p:spPr/>
+        <p:spPr>
+          <a:xfrm>
+            <a:off x="0" y="91455"/>
+            <a:ext cx="11204812" cy="885371"/>
+          </a:xfrm>
+        </p:spPr>
         <p:txBody>
-          <a:bodyPr/>
+          <a:bodyPr>
+            <a:normAutofit/>
+          </a:bodyPr>
           <a:lstStyle/>
           <a:p>
             <a:r>
+              <a:rPr lang="en-US" dirty="0"/>
+              <a:t>P</a:t>
+            </a:r>
+            <a:r>
               <a:rPr lang="en-IN" dirty="0"/>
-              <a:t> Technologies Used</a:t>
+              <a:t>rocess Flow</a:t>
             </a:r>
           </a:p>
         </p:txBody>
@@ -4361,6 +4542,506 @@
             <a:fld id="{1DEB9025-8623-43DC-835C-CC7482BE7300}" type="slidenum">
               <a:rPr lang="en-IN" smtClean="0"/>
               <a:t>10</a:t>
+            </a:fld>
+            <a:endParaRPr lang="en-IN"/>
+          </a:p>
+        </p:txBody>
+      </p:sp>
+      <p:pic>
+        <p:nvPicPr>
+          <p:cNvPr id="11" name="Picture 10">
+            <a:extLst>
+              <a:ext uri="{FF2B5EF4-FFF2-40B4-BE49-F238E27FC236}">
+                <a16:creationId xmlns:a16="http://schemas.microsoft.com/office/drawing/2014/main" id="{27781205-9522-A82A-C4AC-250EF6C458A1}"/>
+              </a:ext>
+            </a:extLst>
+          </p:cNvPr>
+          <p:cNvPicPr>
+            <a:picLocks noChangeAspect="1"/>
+          </p:cNvPicPr>
+          <p:nvPr/>
+        </p:nvPicPr>
+        <p:blipFill rotWithShape="1">
+          <a:blip r:embed="rId2"/>
+          <a:srcRect l="6825" t="11002" r="6603" b="11078"/>
+          <a:stretch/>
+        </p:blipFill>
+        <p:spPr>
+          <a:xfrm>
+            <a:off x="269966" y="1254035"/>
+            <a:ext cx="11704320" cy="4963886"/>
+          </a:xfrm>
+          <a:prstGeom prst="rect">
+            <a:avLst/>
+          </a:prstGeom>
+        </p:spPr>
+      </p:pic>
+      <p:sp>
+        <p:nvSpPr>
+          <p:cNvPr id="3" name="Rectangle 2">
+            <a:extLst>
+              <a:ext uri="{FF2B5EF4-FFF2-40B4-BE49-F238E27FC236}">
+                <a16:creationId xmlns:a16="http://schemas.microsoft.com/office/drawing/2014/main" id="{5227A7AB-234E-C9F6-BB0C-3BC2BD5BC46E}"/>
+              </a:ext>
+            </a:extLst>
+          </p:cNvPr>
+          <p:cNvSpPr/>
+          <p:nvPr/>
+        </p:nvSpPr>
+        <p:spPr>
+          <a:xfrm>
+            <a:off x="9056915" y="3396342"/>
+            <a:ext cx="296091" cy="87086"/>
+          </a:xfrm>
+          <a:prstGeom prst="rect">
+            <a:avLst/>
+          </a:prstGeom>
+          <a:solidFill>
+            <a:schemeClr val="bg1"/>
+          </a:solidFill>
+          <a:ln>
+            <a:solidFill>
+              <a:schemeClr val="bg1"/>
+            </a:solidFill>
+          </a:ln>
+        </p:spPr>
+        <p:style>
+          <a:lnRef idx="2">
+            <a:schemeClr val="accent1">
+              <a:shade val="50000"/>
+            </a:schemeClr>
+          </a:lnRef>
+          <a:fillRef idx="1">
+            <a:schemeClr val="accent1"/>
+          </a:fillRef>
+          <a:effectRef idx="0">
+            <a:schemeClr val="accent1"/>
+          </a:effectRef>
+          <a:fontRef idx="minor">
+            <a:schemeClr val="lt1"/>
+          </a:fontRef>
+        </p:style>
+        <p:txBody>
+          <a:bodyPr rtlCol="0" anchor="ctr"/>
+          <a:lstStyle/>
+          <a:p>
+            <a:pPr algn="ctr"/>
+            <a:endParaRPr lang="en-IN"/>
+          </a:p>
+        </p:txBody>
+      </p:sp>
+      <p:sp>
+        <p:nvSpPr>
+          <p:cNvPr id="7" name="Rectangle 6">
+            <a:extLst>
+              <a:ext uri="{FF2B5EF4-FFF2-40B4-BE49-F238E27FC236}">
+                <a16:creationId xmlns:a16="http://schemas.microsoft.com/office/drawing/2014/main" id="{274DAC30-648C-ACBB-CC57-181D7F0B0E44}"/>
+              </a:ext>
+            </a:extLst>
+          </p:cNvPr>
+          <p:cNvSpPr/>
+          <p:nvPr/>
+        </p:nvSpPr>
+        <p:spPr>
+          <a:xfrm>
+            <a:off x="6244046" y="4598126"/>
+            <a:ext cx="313508" cy="200297"/>
+          </a:xfrm>
+          <a:prstGeom prst="rect">
+            <a:avLst/>
+          </a:prstGeom>
+          <a:solidFill>
+            <a:schemeClr val="bg1"/>
+          </a:solidFill>
+          <a:ln>
+            <a:solidFill>
+              <a:schemeClr val="bg1"/>
+            </a:solidFill>
+          </a:ln>
+        </p:spPr>
+        <p:style>
+          <a:lnRef idx="2">
+            <a:schemeClr val="accent1">
+              <a:shade val="50000"/>
+            </a:schemeClr>
+          </a:lnRef>
+          <a:fillRef idx="1">
+            <a:schemeClr val="accent1"/>
+          </a:fillRef>
+          <a:effectRef idx="0">
+            <a:schemeClr val="accent1"/>
+          </a:effectRef>
+          <a:fontRef idx="minor">
+            <a:schemeClr val="lt1"/>
+          </a:fontRef>
+        </p:style>
+        <p:txBody>
+          <a:bodyPr rtlCol="0" anchor="ctr"/>
+          <a:lstStyle/>
+          <a:p>
+            <a:pPr algn="ctr"/>
+            <a:endParaRPr lang="en-IN"/>
+          </a:p>
+        </p:txBody>
+      </p:sp>
+    </p:spTree>
+    <p:extLst>
+      <p:ext uri="{BB962C8B-B14F-4D97-AF65-F5344CB8AC3E}">
+        <p14:creationId xmlns:p14="http://schemas.microsoft.com/office/powerpoint/2010/main" val="171034115"/>
+      </p:ext>
+    </p:extLst>
+  </p:cSld>
+  <p:clrMapOvr>
+    <a:masterClrMapping/>
+  </p:clrMapOvr>
+</p:sld>
+</file>
+
+<file path=ppt/slides/slide11.xml><?xml version="1.0" encoding="utf-8"?>
+<p:sld xmlns:a="http://schemas.openxmlformats.org/drawingml/2006/main" xmlns:r="http://schemas.openxmlformats.org/officeDocument/2006/relationships" xmlns:p="http://schemas.openxmlformats.org/presentationml/2006/main">
+  <p:cSld>
+    <p:spTree>
+      <p:nvGrpSpPr>
+        <p:cNvPr id="1" name=""/>
+        <p:cNvGrpSpPr/>
+        <p:nvPr/>
+      </p:nvGrpSpPr>
+      <p:grpSpPr>
+        <a:xfrm>
+          <a:off x="0" y="0"/>
+          <a:ext cx="0" cy="0"/>
+          <a:chOff x="0" y="0"/>
+          <a:chExt cx="0" cy="0"/>
+        </a:xfrm>
+      </p:grpSpPr>
+      <p:sp>
+        <p:nvSpPr>
+          <p:cNvPr id="2" name="Title 1">
+            <a:extLst>
+              <a:ext uri="{FF2B5EF4-FFF2-40B4-BE49-F238E27FC236}">
+                <a16:creationId xmlns:a16="http://schemas.microsoft.com/office/drawing/2014/main" id="{54044A18-A81C-5690-B867-D4E67268AA5D}"/>
+              </a:ext>
+            </a:extLst>
+          </p:cNvPr>
+          <p:cNvSpPr>
+            <a:spLocks noGrp="1"/>
+          </p:cNvSpPr>
+          <p:nvPr>
+            <p:ph type="title"/>
+          </p:nvPr>
+        </p:nvSpPr>
+        <p:spPr/>
+        <p:txBody>
+          <a:bodyPr/>
+          <a:lstStyle/>
+          <a:p>
+            <a:r>
+              <a:rPr lang="en-US" dirty="0"/>
+              <a:t>Snapshots</a:t>
+            </a:r>
+            <a:endParaRPr lang="en-IN" dirty="0"/>
+          </a:p>
+        </p:txBody>
+      </p:sp>
+      <p:sp>
+        <p:nvSpPr>
+          <p:cNvPr id="6" name="Slide Number Placeholder 5">
+            <a:extLst>
+              <a:ext uri="{FF2B5EF4-FFF2-40B4-BE49-F238E27FC236}">
+                <a16:creationId xmlns:a16="http://schemas.microsoft.com/office/drawing/2014/main" id="{CC1BA45A-D9FA-A1CE-4F07-EA667474B741}"/>
+              </a:ext>
+            </a:extLst>
+          </p:cNvPr>
+          <p:cNvSpPr>
+            <a:spLocks noGrp="1"/>
+          </p:cNvSpPr>
+          <p:nvPr>
+            <p:ph type="sldNum" sz="quarter" idx="12"/>
+          </p:nvPr>
+        </p:nvSpPr>
+        <p:spPr/>
+        <p:txBody>
+          <a:bodyPr/>
+          <a:lstStyle/>
+          <a:p>
+            <a:fld id="{1DEB9025-8623-43DC-835C-CC7482BE7300}" type="slidenum">
+              <a:rPr lang="en-IN" smtClean="0"/>
+              <a:t>11</a:t>
+            </a:fld>
+            <a:endParaRPr lang="en-IN"/>
+          </a:p>
+        </p:txBody>
+      </p:sp>
+      <p:pic>
+        <p:nvPicPr>
+          <p:cNvPr id="8" name="Picture 7">
+            <a:extLst>
+              <a:ext uri="{FF2B5EF4-FFF2-40B4-BE49-F238E27FC236}">
+                <a16:creationId xmlns:a16="http://schemas.microsoft.com/office/drawing/2014/main" id="{704A5713-5DE5-65BA-6D8F-FE48495004B9}"/>
+              </a:ext>
+            </a:extLst>
+          </p:cNvPr>
+          <p:cNvPicPr>
+            <a:picLocks noChangeAspect="1"/>
+          </p:cNvPicPr>
+          <p:nvPr/>
+        </p:nvPicPr>
+        <p:blipFill>
+          <a:blip r:embed="rId2" cstate="print">
+            <a:extLst>
+              <a:ext uri="{28A0092B-C50C-407E-A947-70E740481C1C}">
+                <a14:useLocalDpi xmlns:a14="http://schemas.microsoft.com/office/drawing/2010/main" val="0"/>
+              </a:ext>
+            </a:extLst>
+          </a:blip>
+          <a:stretch>
+            <a:fillRect/>
+          </a:stretch>
+        </p:blipFill>
+        <p:spPr>
+          <a:xfrm>
+            <a:off x="6222213" y="4297656"/>
+            <a:ext cx="4278639" cy="2407943"/>
+          </a:xfrm>
+          <a:prstGeom prst="rect">
+            <a:avLst/>
+          </a:prstGeom>
+          <a:ln w="38100" cap="sq">
+            <a:solidFill>
+              <a:srgbClr val="000000"/>
+            </a:solidFill>
+            <a:prstDash val="solid"/>
+            <a:miter lim="800000"/>
+          </a:ln>
+          <a:effectLst>
+            <a:outerShdw blurRad="50800" dist="38100" dir="2700000" algn="tl" rotWithShape="0">
+              <a:srgbClr val="000000">
+                <a:alpha val="43000"/>
+              </a:srgbClr>
+            </a:outerShdw>
+          </a:effectLst>
+        </p:spPr>
+      </p:pic>
+      <p:pic>
+        <p:nvPicPr>
+          <p:cNvPr id="10" name="Picture 9">
+            <a:extLst>
+              <a:ext uri="{FF2B5EF4-FFF2-40B4-BE49-F238E27FC236}">
+                <a16:creationId xmlns:a16="http://schemas.microsoft.com/office/drawing/2014/main" id="{0A55A95C-E0FE-598D-DCAD-D6A38AB789E5}"/>
+              </a:ext>
+            </a:extLst>
+          </p:cNvPr>
+          <p:cNvPicPr>
+            <a:picLocks noChangeAspect="1"/>
+          </p:cNvPicPr>
+          <p:nvPr/>
+        </p:nvPicPr>
+        <p:blipFill>
+          <a:blip r:embed="rId3" cstate="print">
+            <a:extLst>
+              <a:ext uri="{28A0092B-C50C-407E-A947-70E740481C1C}">
+                <a14:useLocalDpi xmlns:a14="http://schemas.microsoft.com/office/drawing/2010/main" val="0"/>
+              </a:ext>
+            </a:extLst>
+          </a:blip>
+          <a:stretch>
+            <a:fillRect/>
+          </a:stretch>
+        </p:blipFill>
+        <p:spPr>
+          <a:xfrm>
+            <a:off x="1202252" y="4306529"/>
+            <a:ext cx="4058006" cy="2408903"/>
+          </a:xfrm>
+          <a:prstGeom prst="rect">
+            <a:avLst/>
+          </a:prstGeom>
+          <a:ln w="38100" cap="sq">
+            <a:solidFill>
+              <a:srgbClr val="000000"/>
+            </a:solidFill>
+            <a:prstDash val="solid"/>
+            <a:miter lim="800000"/>
+          </a:ln>
+          <a:effectLst>
+            <a:outerShdw blurRad="50800" dist="38100" dir="2700000" algn="tl" rotWithShape="0">
+              <a:srgbClr val="000000">
+                <a:alpha val="43000"/>
+              </a:srgbClr>
+            </a:outerShdw>
+          </a:effectLst>
+        </p:spPr>
+      </p:pic>
+      <p:pic>
+        <p:nvPicPr>
+          <p:cNvPr id="12" name="Picture 11">
+            <a:extLst>
+              <a:ext uri="{FF2B5EF4-FFF2-40B4-BE49-F238E27FC236}">
+                <a16:creationId xmlns:a16="http://schemas.microsoft.com/office/drawing/2014/main" id="{57992E8B-CC5B-7774-0E72-7CABD7D54205}"/>
+              </a:ext>
+            </a:extLst>
+          </p:cNvPr>
+          <p:cNvPicPr>
+            <a:picLocks noChangeAspect="1"/>
+          </p:cNvPicPr>
+          <p:nvPr/>
+        </p:nvPicPr>
+        <p:blipFill>
+          <a:blip r:embed="rId4" cstate="print">
+            <a:extLst>
+              <a:ext uri="{28A0092B-C50C-407E-A947-70E740481C1C}">
+                <a14:useLocalDpi xmlns:a14="http://schemas.microsoft.com/office/drawing/2010/main" val="0"/>
+              </a:ext>
+            </a:extLst>
+          </a:blip>
+          <a:stretch>
+            <a:fillRect/>
+          </a:stretch>
+        </p:blipFill>
+        <p:spPr>
+          <a:xfrm>
+            <a:off x="1130710" y="1376516"/>
+            <a:ext cx="4160158" cy="2191503"/>
+          </a:xfrm>
+          <a:prstGeom prst="rect">
+            <a:avLst/>
+          </a:prstGeom>
+          <a:ln w="38100" cap="sq">
+            <a:solidFill>
+              <a:srgbClr val="000000"/>
+            </a:solidFill>
+            <a:prstDash val="solid"/>
+            <a:miter lim="800000"/>
+          </a:ln>
+          <a:effectLst>
+            <a:outerShdw blurRad="50800" dist="38100" dir="2700000" algn="tl" rotWithShape="0">
+              <a:srgbClr val="000000">
+                <a:alpha val="43000"/>
+              </a:srgbClr>
+            </a:outerShdw>
+          </a:effectLst>
+        </p:spPr>
+      </p:pic>
+      <p:pic>
+        <p:nvPicPr>
+          <p:cNvPr id="14" name="Picture 13">
+            <a:extLst>
+              <a:ext uri="{FF2B5EF4-FFF2-40B4-BE49-F238E27FC236}">
+                <a16:creationId xmlns:a16="http://schemas.microsoft.com/office/drawing/2014/main" id="{8ACA0BFB-C0EC-C431-8A18-47F815BE928D}"/>
+              </a:ext>
+            </a:extLst>
+          </p:cNvPr>
+          <p:cNvPicPr>
+            <a:picLocks noChangeAspect="1"/>
+          </p:cNvPicPr>
+          <p:nvPr/>
+        </p:nvPicPr>
+        <p:blipFill>
+          <a:blip r:embed="rId5" cstate="print">
+            <a:extLst>
+              <a:ext uri="{28A0092B-C50C-407E-A947-70E740481C1C}">
+                <a14:useLocalDpi xmlns:a14="http://schemas.microsoft.com/office/drawing/2010/main" val="0"/>
+              </a:ext>
+            </a:extLst>
+          </a:blip>
+          <a:stretch>
+            <a:fillRect/>
+          </a:stretch>
+        </p:blipFill>
+        <p:spPr>
+          <a:xfrm>
+            <a:off x="6210052" y="1384101"/>
+            <a:ext cx="4208207" cy="2271251"/>
+          </a:xfrm>
+          <a:prstGeom prst="rect">
+            <a:avLst/>
+          </a:prstGeom>
+          <a:ln w="38100" cap="sq">
+            <a:solidFill>
+              <a:srgbClr val="000000"/>
+            </a:solidFill>
+            <a:prstDash val="solid"/>
+            <a:miter lim="800000"/>
+          </a:ln>
+          <a:effectLst>
+            <a:outerShdw blurRad="50800" dist="38100" dir="2700000" algn="tl" rotWithShape="0">
+              <a:srgbClr val="000000">
+                <a:alpha val="43000"/>
+              </a:srgbClr>
+            </a:outerShdw>
+          </a:effectLst>
+        </p:spPr>
+      </p:pic>
+    </p:spTree>
+    <p:extLst>
+      <p:ext uri="{BB962C8B-B14F-4D97-AF65-F5344CB8AC3E}">
+        <p14:creationId xmlns:p14="http://schemas.microsoft.com/office/powerpoint/2010/main" val="1370028451"/>
+      </p:ext>
+    </p:extLst>
+  </p:cSld>
+  <p:clrMapOvr>
+    <a:masterClrMapping/>
+  </p:clrMapOvr>
+</p:sld>
+</file>
+
+<file path=ppt/slides/slide12.xml><?xml version="1.0" encoding="utf-8"?>
+<p:sld xmlns:a="http://schemas.openxmlformats.org/drawingml/2006/main" xmlns:r="http://schemas.openxmlformats.org/officeDocument/2006/relationships" xmlns:p="http://schemas.openxmlformats.org/presentationml/2006/main">
+  <p:cSld>
+    <p:spTree>
+      <p:nvGrpSpPr>
+        <p:cNvPr id="1" name=""/>
+        <p:cNvGrpSpPr/>
+        <p:nvPr/>
+      </p:nvGrpSpPr>
+      <p:grpSpPr>
+        <a:xfrm>
+          <a:off x="0" y="0"/>
+          <a:ext cx="0" cy="0"/>
+          <a:chOff x="0" y="0"/>
+          <a:chExt cx="0" cy="0"/>
+        </a:xfrm>
+      </p:grpSpPr>
+      <p:sp>
+        <p:nvSpPr>
+          <p:cNvPr id="2" name="Title 1"/>
+          <p:cNvSpPr>
+            <a:spLocks noGrp="1"/>
+          </p:cNvSpPr>
+          <p:nvPr>
+            <p:ph type="title"/>
+          </p:nvPr>
+        </p:nvSpPr>
+        <p:spPr/>
+        <p:txBody>
+          <a:bodyPr/>
+          <a:lstStyle/>
+          <a:p>
+            <a:r>
+              <a:rPr lang="en-IN" dirty="0"/>
+              <a:t> Technologies Used</a:t>
+            </a:r>
+          </a:p>
+        </p:txBody>
+      </p:sp>
+      <p:sp>
+        <p:nvSpPr>
+          <p:cNvPr id="6" name="Slide Number Placeholder 5"/>
+          <p:cNvSpPr>
+            <a:spLocks noGrp="1"/>
+          </p:cNvSpPr>
+          <p:nvPr>
+            <p:ph type="sldNum" sz="quarter" idx="12"/>
+          </p:nvPr>
+        </p:nvSpPr>
+        <p:spPr/>
+        <p:txBody>
+          <a:bodyPr/>
+          <a:lstStyle/>
+          <a:p>
+            <a:fld id="{1DEB9025-8623-43DC-835C-CC7482BE7300}" type="slidenum">
+              <a:rPr lang="en-IN" smtClean="0"/>
+              <a:t>12</a:t>
             </a:fld>
             <a:endParaRPr lang="en-IN"/>
           </a:p>
@@ -4637,7 +5318,7 @@
 </p:sld>
 </file>
 
-<file path=ppt/slides/slide11.xml><?xml version="1.0" encoding="utf-8"?>
+<file path=ppt/slides/slide13.xml><?xml version="1.0" encoding="utf-8"?>
 <p:sld xmlns:a="http://schemas.openxmlformats.org/drawingml/2006/main" xmlns:r="http://schemas.openxmlformats.org/officeDocument/2006/relationships" xmlns:p="http://schemas.openxmlformats.org/presentationml/2006/main">
   <p:cSld>
     <p:spTree>
@@ -4755,7 +5436,7 @@
           <a:p>
             <a:fld id="{1DEB9025-8623-43DC-835C-CC7482BE7300}" type="slidenum">
               <a:rPr lang="en-IN" smtClean="0"/>
-              <a:t>11</a:t>
+              <a:t>13</a:t>
             </a:fld>
             <a:endParaRPr lang="en-IN"/>
           </a:p>
@@ -4774,7 +5455,7 @@
 </p:sld>
 </file>
 
-<file path=ppt/slides/slide12.xml><?xml version="1.0" encoding="utf-8"?>
+<file path=ppt/slides/slide14.xml><?xml version="1.0" encoding="utf-8"?>
 <p:sld xmlns:a="http://schemas.openxmlformats.org/drawingml/2006/main" xmlns:r="http://schemas.openxmlformats.org/officeDocument/2006/relationships" xmlns:p="http://schemas.openxmlformats.org/presentationml/2006/main">
   <p:cSld>
     <p:spTree>
@@ -4808,7 +5489,7 @@
           <a:p>
             <a:r>
               <a:rPr lang="en-IN" dirty="0"/>
-              <a:t>10. References</a:t>
+              <a:t> References</a:t>
             </a:r>
             <a:endParaRPr lang="en-GB" dirty="0"/>
           </a:p>
@@ -4900,7 +5581,7 @@
           <a:p>
             <a:fld id="{1DEB9025-8623-43DC-835C-CC7482BE7300}" type="slidenum">
               <a:rPr lang="en-IN" smtClean="0"/>
-              <a:t>12</a:t>
+              <a:t>14</a:t>
             </a:fld>
             <a:endParaRPr lang="en-IN"/>
           </a:p>
@@ -4919,7 +5600,7 @@
 </p:sld>
 </file>
 
-<file path=ppt/slides/slide13.xml><?xml version="1.0" encoding="utf-8"?>
+<file path=ppt/slides/slide15.xml><?xml version="1.0" encoding="utf-8"?>
 <p:sld xmlns:a="http://schemas.openxmlformats.org/drawingml/2006/main" xmlns:r="http://schemas.openxmlformats.org/officeDocument/2006/relationships" xmlns:p="http://schemas.openxmlformats.org/presentationml/2006/main">
   <p:cSld>
     <p:spTree>
@@ -4983,7 +5664,7 @@
           <a:p>
             <a:fld id="{1DEB9025-8623-43DC-835C-CC7482BE7300}" type="slidenum">
               <a:rPr lang="en-IN" smtClean="0"/>
-              <a:t>13</a:t>
+              <a:t>15</a:t>
             </a:fld>
             <a:endParaRPr lang="en-IN"/>
           </a:p>
@@ -5002,7 +5683,7 @@
 </p:sld>
 </file>
 
-<file path=ppt/slides/slide14.xml><?xml version="1.0" encoding="utf-8"?>
+<file path=ppt/slides/slide16.xml><?xml version="1.0" encoding="utf-8"?>
 <p:sld xmlns:a="http://schemas.openxmlformats.org/drawingml/2006/main" xmlns:r="http://schemas.openxmlformats.org/officeDocument/2006/relationships" xmlns:p="http://schemas.openxmlformats.org/presentationml/2006/main">
   <p:cSld>
     <p:spTree>
@@ -5063,7 +5744,7 @@
           <a:p>
             <a:fld id="{04ADB005-2E3D-41BC-9D73-934276C3D2AB}" type="datetime1">
               <a:rPr lang="en-IN" smtClean="0"/>
-              <a:t>07-11-2022</a:t>
+              <a:t>08-11-2022</a:t>
             </a:fld>
             <a:endParaRPr lang="en-IN"/>
           </a:p>
@@ -5108,7 +5789,7 @@
           <a:p>
             <a:fld id="{1DEB9025-8623-43DC-835C-CC7482BE7300}" type="slidenum">
               <a:rPr lang="en-IN" smtClean="0"/>
-              <a:t>14</a:t>
+              <a:t>16</a:t>
             </a:fld>
             <a:endParaRPr lang="en-IN"/>
           </a:p>
@@ -8393,77 +9074,1799 @@
           </a:p>
         </p:txBody>
       </p:sp>
-      <p:sp>
-        <p:nvSpPr>
-          <p:cNvPr id="6" name="Slide Number Placeholder 5"/>
-          <p:cNvSpPr>
-            <a:spLocks noGrp="1"/>
-          </p:cNvSpPr>
-          <p:nvPr>
-            <p:ph type="sldNum" sz="quarter" idx="12"/>
-          </p:nvPr>
-        </p:nvSpPr>
-        <p:spPr/>
-        <p:txBody>
-          <a:bodyPr/>
-          <a:lstStyle/>
-          <a:p>
-            <a:fld id="{1DEB9025-8623-43DC-835C-CC7482BE7300}" type="slidenum">
-              <a:rPr lang="en-IN" smtClean="0"/>
-              <a:t>7</a:t>
-            </a:fld>
-            <a:endParaRPr lang="en-IN"/>
-          </a:p>
-        </p:txBody>
-      </p:sp>
-      <p:sp>
-        <p:nvSpPr>
-          <p:cNvPr id="4" name="TextBox 3">
+      <p:grpSp>
+        <p:nvGrpSpPr>
+          <p:cNvPr id="94" name="Group 93">
             <a:extLst>
               <a:ext uri="{FF2B5EF4-FFF2-40B4-BE49-F238E27FC236}">
-                <a16:creationId xmlns:a16="http://schemas.microsoft.com/office/drawing/2014/main" id="{5A805837-EEE4-6835-5AE2-FBB03DCB0050}"/>
+                <a16:creationId xmlns:a16="http://schemas.microsoft.com/office/drawing/2014/main" id="{985D4C6A-107C-1371-CDFB-3029EDF6EAFD}"/>
               </a:ext>
             </a:extLst>
           </p:cNvPr>
-          <p:cNvSpPr txBox="1"/>
+          <p:cNvGrpSpPr/>
           <p:nvPr/>
-        </p:nvSpPr>
-        <p:spPr>
+        </p:nvGrpSpPr>
+        <p:grpSpPr>
           <a:xfrm>
-            <a:off x="325223" y="1099217"/>
-            <a:ext cx="8979031" cy="2585323"/>
+            <a:off x="94605" y="1456246"/>
+            <a:ext cx="6649032" cy="3823261"/>
+            <a:chOff x="3022869" y="2219320"/>
+            <a:chExt cx="6127011" cy="2438611"/>
           </a:xfrm>
-          <a:prstGeom prst="rect">
-            <a:avLst/>
-          </a:prstGeom>
-          <a:noFill/>
-        </p:spPr>
-        <p:txBody>
-          <a:bodyPr wrap="square">
-            <a:spAutoFit/>
-          </a:bodyPr>
-          <a:lstStyle/>
-          <a:p>
-            <a:r>
-              <a:rPr lang="en-US" dirty="0"/>
-              <a:t>The ICCR HQ will be able to view all reports on </a:t>
-            </a:r>
-            <a:r>
-              <a:rPr lang="en-US" dirty="0" err="1"/>
-              <a:t>realtime</a:t>
-            </a:r>
-            <a:r>
-              <a:rPr lang="en-US" dirty="0"/>
-              <a:t> basis and evaluate the reports, rate the working of Regional Office. ICCR HQ can Approve, Reject or ask RO to Resubmit the report. • Based on Evaluation Regional offices will be allotted 5-star ratings. Parameters for Rating of Regional Office includes: • No. of ICCR Driven Activities Conducted • No. of Self-Driven activities conducted • Feedback Received (International Students) • Feedback Received by Participants for events conducted • Rewards points will be provided for extra activities conducted more than prescribed limit. • As ICCR regional offices are directly associated with students, hence the students feedback is given due consideration in overall star rating in fifth star.</a:t>
-            </a:r>
-            <a:endParaRPr lang="en-IN" dirty="0"/>
-          </a:p>
-        </p:txBody>
-      </p:sp>
+        </p:grpSpPr>
+        <p:pic>
+          <p:nvPicPr>
+            <p:cNvPr id="95" name="Picture 94">
+              <a:extLst>
+                <a:ext uri="{FF2B5EF4-FFF2-40B4-BE49-F238E27FC236}">
+                  <a16:creationId xmlns:a16="http://schemas.microsoft.com/office/drawing/2014/main" id="{E80E2520-68F8-087B-1FD5-C91B4A6C57B9}"/>
+                </a:ext>
+              </a:extLst>
+            </p:cNvPr>
+            <p:cNvPicPr>
+              <a:picLocks noChangeAspect="1"/>
+            </p:cNvPicPr>
+            <p:nvPr/>
+          </p:nvPicPr>
+          <p:blipFill>
+            <a:blip r:embed="rId3"/>
+            <a:stretch>
+              <a:fillRect/>
+            </a:stretch>
+          </p:blipFill>
+          <p:spPr>
+            <a:xfrm>
+              <a:off x="3056880" y="2279804"/>
+              <a:ext cx="6078239" cy="2298391"/>
+            </a:xfrm>
+            <a:prstGeom prst="rect">
+              <a:avLst/>
+            </a:prstGeom>
+          </p:spPr>
+        </p:pic>
+        <p:pic>
+          <p:nvPicPr>
+            <p:cNvPr id="96" name="Picture 95">
+              <a:extLst>
+                <a:ext uri="{FF2B5EF4-FFF2-40B4-BE49-F238E27FC236}">
+                  <a16:creationId xmlns:a16="http://schemas.microsoft.com/office/drawing/2014/main" id="{C75BAEAF-5B82-9E14-DBF2-4D1AF428CEF5}"/>
+                </a:ext>
+              </a:extLst>
+            </p:cNvPr>
+            <p:cNvPicPr>
+              <a:picLocks noChangeAspect="1"/>
+            </p:cNvPicPr>
+            <p:nvPr/>
+          </p:nvPicPr>
+          <p:blipFill>
+            <a:blip r:embed="rId4"/>
+            <a:stretch>
+              <a:fillRect/>
+            </a:stretch>
+          </p:blipFill>
+          <p:spPr>
+            <a:xfrm>
+              <a:off x="3022869" y="2219320"/>
+              <a:ext cx="6127011" cy="2438611"/>
+            </a:xfrm>
+            <a:prstGeom prst="rect">
+              <a:avLst/>
+            </a:prstGeom>
+          </p:spPr>
+        </p:pic>
+      </p:grpSp>
+      <p:grpSp>
+        <p:nvGrpSpPr>
+          <p:cNvPr id="11" name="Group 10">
+            <a:extLst>
+              <a:ext uri="{FF2B5EF4-FFF2-40B4-BE49-F238E27FC236}">
+                <a16:creationId xmlns:a16="http://schemas.microsoft.com/office/drawing/2014/main" id="{FA956447-8108-7DC3-EA2C-21FD505F0D46}"/>
+              </a:ext>
+            </a:extLst>
+          </p:cNvPr>
+          <p:cNvGrpSpPr/>
+          <p:nvPr/>
+        </p:nvGrpSpPr>
+        <p:grpSpPr>
+          <a:xfrm>
+            <a:off x="6873274" y="1573293"/>
+            <a:ext cx="5079913" cy="3517182"/>
+            <a:chOff x="6873274" y="1573293"/>
+            <a:chExt cx="5079913" cy="3517182"/>
+          </a:xfrm>
+        </p:grpSpPr>
+        <p:grpSp>
+          <p:nvGrpSpPr>
+            <p:cNvPr id="88" name="Group 87">
+              <a:extLst>
+                <a:ext uri="{FF2B5EF4-FFF2-40B4-BE49-F238E27FC236}">
+                  <a16:creationId xmlns:a16="http://schemas.microsoft.com/office/drawing/2014/main" id="{3F3A9AEF-FBE6-346F-1719-9EC2AB0CC290}"/>
+                </a:ext>
+              </a:extLst>
+            </p:cNvPr>
+            <p:cNvGrpSpPr/>
+            <p:nvPr/>
+          </p:nvGrpSpPr>
+          <p:grpSpPr>
+            <a:xfrm>
+              <a:off x="6873274" y="1573293"/>
+              <a:ext cx="5079913" cy="3517182"/>
+              <a:chOff x="7316335" y="1394184"/>
+              <a:chExt cx="3609340" cy="2348824"/>
+            </a:xfrm>
+          </p:grpSpPr>
+          <p:grpSp>
+            <p:nvGrpSpPr>
+              <p:cNvPr id="5" name="object 57">
+                <a:extLst>
+                  <a:ext uri="{FF2B5EF4-FFF2-40B4-BE49-F238E27FC236}">
+                    <a16:creationId xmlns:a16="http://schemas.microsoft.com/office/drawing/2014/main" id="{3F7230EF-F772-7874-4DF6-8227598E2445}"/>
+                  </a:ext>
+                </a:extLst>
+              </p:cNvPr>
+              <p:cNvGrpSpPr/>
+              <p:nvPr/>
+            </p:nvGrpSpPr>
+            <p:grpSpPr>
+              <a:xfrm>
+                <a:off x="7316335" y="1394184"/>
+                <a:ext cx="3609340" cy="2348230"/>
+                <a:chOff x="6279388" y="4468240"/>
+                <a:chExt cx="3609340" cy="2348230"/>
+              </a:xfrm>
+            </p:grpSpPr>
+            <p:sp>
+              <p:nvSpPr>
+                <p:cNvPr id="7" name="object 58">
+                  <a:extLst>
+                    <a:ext uri="{FF2B5EF4-FFF2-40B4-BE49-F238E27FC236}">
+                      <a16:creationId xmlns:a16="http://schemas.microsoft.com/office/drawing/2014/main" id="{682EEFCD-846B-0724-B3D5-C49B75076DB7}"/>
+                    </a:ext>
+                  </a:extLst>
+                </p:cNvPr>
+                <p:cNvSpPr/>
+                <p:nvPr/>
+              </p:nvSpPr>
+              <p:spPr>
+                <a:xfrm>
+                  <a:off x="6292088" y="4480940"/>
+                  <a:ext cx="3583940" cy="253365"/>
+                </a:xfrm>
+                <a:custGeom>
+                  <a:avLst/>
+                  <a:gdLst/>
+                  <a:ahLst/>
+                  <a:cxnLst/>
+                  <a:rect l="l" t="t" r="r" b="b"/>
+                  <a:pathLst>
+                    <a:path w="3583940" h="253364">
+                      <a:moveTo>
+                        <a:pt x="3583940" y="0"/>
+                      </a:moveTo>
+                      <a:lnTo>
+                        <a:pt x="0" y="0"/>
+                      </a:lnTo>
+                      <a:lnTo>
+                        <a:pt x="0" y="253364"/>
+                      </a:lnTo>
+                      <a:lnTo>
+                        <a:pt x="3583940" y="253364"/>
+                      </a:lnTo>
+                      <a:lnTo>
+                        <a:pt x="3583940" y="0"/>
+                      </a:lnTo>
+                      <a:close/>
+                    </a:path>
+                  </a:pathLst>
+                </a:custGeom>
+                <a:solidFill>
+                  <a:srgbClr val="FFF1CC"/>
+                </a:solidFill>
+              </p:spPr>
+              <p:txBody>
+                <a:bodyPr wrap="square" lIns="0" tIns="0" rIns="0" bIns="0" rtlCol="0"/>
+                <a:lstStyle/>
+                <a:p>
+                  <a:endParaRPr/>
+                </a:p>
+              </p:txBody>
+            </p:sp>
+            <p:sp>
+              <p:nvSpPr>
+                <p:cNvPr id="8" name="object 59">
+                  <a:extLst>
+                    <a:ext uri="{FF2B5EF4-FFF2-40B4-BE49-F238E27FC236}">
+                      <a16:creationId xmlns:a16="http://schemas.microsoft.com/office/drawing/2014/main" id="{A0D85C4E-DDFF-FE39-A460-1188AA70B39F}"/>
+                    </a:ext>
+                  </a:extLst>
+                </p:cNvPr>
+                <p:cNvSpPr/>
+                <p:nvPr/>
+              </p:nvSpPr>
+              <p:spPr>
+                <a:xfrm>
+                  <a:off x="6292088" y="4734305"/>
+                  <a:ext cx="3583940" cy="2069464"/>
+                </a:xfrm>
+                <a:custGeom>
+                  <a:avLst/>
+                  <a:gdLst/>
+                  <a:ahLst/>
+                  <a:cxnLst/>
+                  <a:rect l="l" t="t" r="r" b="b"/>
+                  <a:pathLst>
+                    <a:path w="3583940" h="2069465">
+                      <a:moveTo>
+                        <a:pt x="3583940" y="375310"/>
+                      </a:moveTo>
+                      <a:lnTo>
+                        <a:pt x="2857500" y="375310"/>
+                      </a:lnTo>
+                      <a:lnTo>
+                        <a:pt x="549567" y="375310"/>
+                      </a:lnTo>
+                      <a:lnTo>
+                        <a:pt x="0" y="375310"/>
+                      </a:lnTo>
+                      <a:lnTo>
+                        <a:pt x="0" y="933475"/>
+                      </a:lnTo>
+                      <a:lnTo>
+                        <a:pt x="0" y="1125880"/>
+                      </a:lnTo>
+                      <a:lnTo>
+                        <a:pt x="0" y="1501165"/>
+                      </a:lnTo>
+                      <a:lnTo>
+                        <a:pt x="0" y="1876450"/>
+                      </a:lnTo>
+                      <a:lnTo>
+                        <a:pt x="0" y="2068855"/>
+                      </a:lnTo>
+                      <a:lnTo>
+                        <a:pt x="549529" y="2068855"/>
+                      </a:lnTo>
+                      <a:lnTo>
+                        <a:pt x="2857500" y="2068855"/>
+                      </a:lnTo>
+                      <a:lnTo>
+                        <a:pt x="3583940" y="2068855"/>
+                      </a:lnTo>
+                      <a:lnTo>
+                        <a:pt x="3583940" y="1876450"/>
+                      </a:lnTo>
+                      <a:lnTo>
+                        <a:pt x="3583940" y="1501165"/>
+                      </a:lnTo>
+                      <a:lnTo>
+                        <a:pt x="3583940" y="1125880"/>
+                      </a:lnTo>
+                      <a:lnTo>
+                        <a:pt x="3583940" y="933475"/>
+                      </a:lnTo>
+                      <a:lnTo>
+                        <a:pt x="3583940" y="375310"/>
+                      </a:lnTo>
+                      <a:close/>
+                    </a:path>
+                    <a:path w="3583940" h="2069465">
+                      <a:moveTo>
+                        <a:pt x="3583940" y="0"/>
+                      </a:moveTo>
+                      <a:lnTo>
+                        <a:pt x="2857500" y="0"/>
+                      </a:lnTo>
+                      <a:lnTo>
+                        <a:pt x="549567" y="0"/>
+                      </a:lnTo>
+                      <a:lnTo>
+                        <a:pt x="0" y="0"/>
+                      </a:lnTo>
+                      <a:lnTo>
+                        <a:pt x="0" y="375285"/>
+                      </a:lnTo>
+                      <a:lnTo>
+                        <a:pt x="549529" y="375285"/>
+                      </a:lnTo>
+                      <a:lnTo>
+                        <a:pt x="2857500" y="375285"/>
+                      </a:lnTo>
+                      <a:lnTo>
+                        <a:pt x="3583940" y="375285"/>
+                      </a:lnTo>
+                      <a:lnTo>
+                        <a:pt x="3583940" y="0"/>
+                      </a:lnTo>
+                      <a:close/>
+                    </a:path>
+                  </a:pathLst>
+                </a:custGeom>
+                <a:solidFill>
+                  <a:srgbClr val="EAEEF7"/>
+                </a:solidFill>
+              </p:spPr>
+              <p:txBody>
+                <a:bodyPr wrap="square" lIns="0" tIns="0" rIns="0" bIns="0" rtlCol="0"/>
+                <a:lstStyle/>
+                <a:p>
+                  <a:endParaRPr dirty="0"/>
+                </a:p>
+              </p:txBody>
+            </p:sp>
+            <p:sp>
+              <p:nvSpPr>
+                <p:cNvPr id="9" name="object 60">
+                  <a:extLst>
+                    <a:ext uri="{FF2B5EF4-FFF2-40B4-BE49-F238E27FC236}">
+                      <a16:creationId xmlns:a16="http://schemas.microsoft.com/office/drawing/2014/main" id="{58CED412-E169-2353-A8A9-2F08F3ECCB8F}"/>
+                    </a:ext>
+                  </a:extLst>
+                </p:cNvPr>
+                <p:cNvSpPr/>
+                <p:nvPr/>
+              </p:nvSpPr>
+              <p:spPr>
+                <a:xfrm>
+                  <a:off x="6285738" y="4474590"/>
+                  <a:ext cx="3596640" cy="2335530"/>
+                </a:xfrm>
+                <a:custGeom>
+                  <a:avLst/>
+                  <a:gdLst/>
+                  <a:ahLst/>
+                  <a:cxnLst/>
+                  <a:rect l="l" t="t" r="r" b="b"/>
+                  <a:pathLst>
+                    <a:path w="3596640" h="2335529">
+                      <a:moveTo>
+                        <a:pt x="555879" y="253364"/>
+                      </a:moveTo>
+                      <a:lnTo>
+                        <a:pt x="555879" y="2334916"/>
+                      </a:lnTo>
+                    </a:path>
+                    <a:path w="3596640" h="2335529">
+                      <a:moveTo>
+                        <a:pt x="2863850" y="253364"/>
+                      </a:moveTo>
+                      <a:lnTo>
+                        <a:pt x="2863850" y="2334916"/>
+                      </a:lnTo>
+                    </a:path>
+                    <a:path w="3596640" h="2335529">
+                      <a:moveTo>
+                        <a:pt x="0" y="259714"/>
+                      </a:moveTo>
+                      <a:lnTo>
+                        <a:pt x="3596640" y="259714"/>
+                      </a:lnTo>
+                    </a:path>
+                    <a:path w="3596640" h="2335529">
+                      <a:moveTo>
+                        <a:pt x="0" y="634999"/>
+                      </a:moveTo>
+                      <a:lnTo>
+                        <a:pt x="3596640" y="634999"/>
+                      </a:lnTo>
+                    </a:path>
+                    <a:path w="3596640" h="2335529">
+                      <a:moveTo>
+                        <a:pt x="0" y="1193190"/>
+                      </a:moveTo>
+                      <a:lnTo>
+                        <a:pt x="3596640" y="1193190"/>
+                      </a:lnTo>
+                    </a:path>
+                    <a:path w="3596640" h="2335529">
+                      <a:moveTo>
+                        <a:pt x="0" y="1385595"/>
+                      </a:moveTo>
+                      <a:lnTo>
+                        <a:pt x="3596640" y="1385595"/>
+                      </a:lnTo>
+                    </a:path>
+                    <a:path w="3596640" h="2335529">
+                      <a:moveTo>
+                        <a:pt x="0" y="1760880"/>
+                      </a:moveTo>
+                      <a:lnTo>
+                        <a:pt x="3596640" y="1760880"/>
+                      </a:lnTo>
+                    </a:path>
+                    <a:path w="3596640" h="2335529">
+                      <a:moveTo>
+                        <a:pt x="0" y="2136165"/>
+                      </a:moveTo>
+                      <a:lnTo>
+                        <a:pt x="3596640" y="2136165"/>
+                      </a:lnTo>
+                    </a:path>
+                    <a:path w="3596640" h="2335529">
+                      <a:moveTo>
+                        <a:pt x="6350" y="0"/>
+                      </a:moveTo>
+                      <a:lnTo>
+                        <a:pt x="6350" y="2334916"/>
+                      </a:lnTo>
+                    </a:path>
+                    <a:path w="3596640" h="2335529">
+                      <a:moveTo>
+                        <a:pt x="3590290" y="0"/>
+                      </a:moveTo>
+                      <a:lnTo>
+                        <a:pt x="3590290" y="2334916"/>
+                      </a:lnTo>
+                    </a:path>
+                    <a:path w="3596640" h="2335529">
+                      <a:moveTo>
+                        <a:pt x="0" y="6349"/>
+                      </a:moveTo>
+                      <a:lnTo>
+                        <a:pt x="3596640" y="6349"/>
+                      </a:lnTo>
+                    </a:path>
+                    <a:path w="3596640" h="2335529">
+                      <a:moveTo>
+                        <a:pt x="0" y="2328566"/>
+                      </a:moveTo>
+                      <a:lnTo>
+                        <a:pt x="3596640" y="2328566"/>
+                      </a:lnTo>
+                    </a:path>
+                  </a:pathLst>
+                </a:custGeom>
+                <a:ln w="12700">
+                  <a:solidFill>
+                    <a:srgbClr val="000000"/>
+                  </a:solidFill>
+                </a:ln>
+              </p:spPr>
+              <p:txBody>
+                <a:bodyPr wrap="square" lIns="0" tIns="0" rIns="0" bIns="0" rtlCol="0"/>
+                <a:lstStyle/>
+                <a:p>
+                  <a:endParaRPr/>
+                </a:p>
+              </p:txBody>
+            </p:sp>
+          </p:grpSp>
+          <p:sp>
+            <p:nvSpPr>
+              <p:cNvPr id="10" name="object 61">
+                <a:extLst>
+                  <a:ext uri="{FF2B5EF4-FFF2-40B4-BE49-F238E27FC236}">
+                    <a16:creationId xmlns:a16="http://schemas.microsoft.com/office/drawing/2014/main" id="{A3614DD2-A791-5630-7E21-1CEAF50893F2}"/>
+                  </a:ext>
+                </a:extLst>
+              </p:cNvPr>
+              <p:cNvSpPr txBox="1"/>
+              <p:nvPr/>
+            </p:nvSpPr>
+            <p:spPr>
+              <a:xfrm>
+                <a:off x="7942041" y="1421733"/>
+                <a:ext cx="2094230" cy="269240"/>
+              </a:xfrm>
+              <a:prstGeom prst="rect">
+                <a:avLst/>
+              </a:prstGeom>
+            </p:spPr>
+            <p:txBody>
+              <a:bodyPr vert="horz" wrap="square" lIns="0" tIns="12065" rIns="0" bIns="0" rtlCol="0">
+                <a:spAutoFit/>
+              </a:bodyPr>
+              <a:lstStyle/>
+              <a:p>
+                <a:pPr marL="12700">
+                  <a:lnSpc>
+                    <a:spcPct val="100000"/>
+                  </a:lnSpc>
+                  <a:spcBef>
+                    <a:spcPts val="95"/>
+                  </a:spcBef>
+                </a:pPr>
+                <a:r>
+                  <a:rPr sz="1600" b="1" spc="-5" dirty="0">
+                    <a:latin typeface="Times New Roman"/>
+                    <a:cs typeface="Times New Roman"/>
+                  </a:rPr>
+                  <a:t>Parameters</a:t>
+                </a:r>
+                <a:r>
+                  <a:rPr sz="1600" b="1" spc="30" dirty="0">
+                    <a:latin typeface="Times New Roman"/>
+                    <a:cs typeface="Times New Roman"/>
+                  </a:rPr>
+                  <a:t> </a:t>
+                </a:r>
+                <a:r>
+                  <a:rPr sz="1600" b="1" spc="-5" dirty="0">
+                    <a:latin typeface="Times New Roman"/>
+                    <a:cs typeface="Times New Roman"/>
+                  </a:rPr>
+                  <a:t>for</a:t>
+                </a:r>
+                <a:r>
+                  <a:rPr sz="1600" b="1" spc="-40" dirty="0">
+                    <a:latin typeface="Times New Roman"/>
+                    <a:cs typeface="Times New Roman"/>
+                  </a:rPr>
+                  <a:t> </a:t>
+                </a:r>
+                <a:r>
+                  <a:rPr sz="1600" b="1" spc="-5" dirty="0">
+                    <a:latin typeface="Times New Roman"/>
+                    <a:cs typeface="Times New Roman"/>
+                  </a:rPr>
+                  <a:t>5th</a:t>
+                </a:r>
+                <a:r>
+                  <a:rPr sz="1600" b="1" spc="-15" dirty="0">
+                    <a:latin typeface="Times New Roman"/>
+                    <a:cs typeface="Times New Roman"/>
+                  </a:rPr>
+                  <a:t> </a:t>
+                </a:r>
+                <a:r>
+                  <a:rPr sz="1600" b="1" spc="-5" dirty="0">
+                    <a:latin typeface="Times New Roman"/>
+                    <a:cs typeface="Times New Roman"/>
+                  </a:rPr>
+                  <a:t>Star</a:t>
+                </a:r>
+                <a:endParaRPr sz="1600" dirty="0">
+                  <a:latin typeface="Times New Roman"/>
+                  <a:cs typeface="Times New Roman"/>
+                </a:endParaRPr>
+              </a:p>
+            </p:txBody>
+          </p:sp>
+          <p:sp>
+            <p:nvSpPr>
+              <p:cNvPr id="12" name="object 62">
+                <a:extLst>
+                  <a:ext uri="{FF2B5EF4-FFF2-40B4-BE49-F238E27FC236}">
+                    <a16:creationId xmlns:a16="http://schemas.microsoft.com/office/drawing/2014/main" id="{5F34EC33-A1D8-4A40-A879-52858C080A94}"/>
+                  </a:ext>
+                </a:extLst>
+              </p:cNvPr>
+              <p:cNvSpPr txBox="1"/>
+              <p:nvPr/>
+            </p:nvSpPr>
+            <p:spPr>
+              <a:xfrm>
+                <a:off x="7460421" y="1676622"/>
+                <a:ext cx="250190" cy="391160"/>
+              </a:xfrm>
+              <a:prstGeom prst="rect">
+                <a:avLst/>
+              </a:prstGeom>
+            </p:spPr>
+            <p:txBody>
+              <a:bodyPr vert="horz" wrap="square" lIns="0" tIns="12700" rIns="0" bIns="0" rtlCol="0">
+                <a:spAutoFit/>
+              </a:bodyPr>
+              <a:lstStyle/>
+              <a:p>
+                <a:pPr marL="36830">
+                  <a:lnSpc>
+                    <a:spcPct val="100000"/>
+                  </a:lnSpc>
+                  <a:spcBef>
+                    <a:spcPts val="100"/>
+                  </a:spcBef>
+                </a:pPr>
+                <a:r>
+                  <a:rPr sz="1200" b="1" spc="-40" dirty="0">
+                    <a:latin typeface="Times New Roman"/>
+                    <a:cs typeface="Times New Roman"/>
+                  </a:rPr>
+                  <a:t>Sr.</a:t>
+                </a:r>
+                <a:endParaRPr sz="1200" dirty="0">
+                  <a:latin typeface="Times New Roman"/>
+                  <a:cs typeface="Times New Roman"/>
+                </a:endParaRPr>
+              </a:p>
+              <a:p>
+                <a:pPr marL="12700">
+                  <a:lnSpc>
+                    <a:spcPct val="100000"/>
+                  </a:lnSpc>
+                </a:pPr>
+                <a:r>
+                  <a:rPr sz="1200" b="1" spc="-5" dirty="0">
+                    <a:latin typeface="Times New Roman"/>
+                    <a:cs typeface="Times New Roman"/>
+                  </a:rPr>
+                  <a:t>No.</a:t>
+                </a:r>
+                <a:endParaRPr sz="1200" dirty="0">
+                  <a:latin typeface="Times New Roman"/>
+                  <a:cs typeface="Times New Roman"/>
+                </a:endParaRPr>
+              </a:p>
+            </p:txBody>
+          </p:sp>
+          <p:sp>
+            <p:nvSpPr>
+              <p:cNvPr id="13" name="object 63">
+                <a:extLst>
+                  <a:ext uri="{FF2B5EF4-FFF2-40B4-BE49-F238E27FC236}">
+                    <a16:creationId xmlns:a16="http://schemas.microsoft.com/office/drawing/2014/main" id="{834B67D2-DCF7-77D0-6276-FC0F584574F3}"/>
+                  </a:ext>
+                </a:extLst>
+              </p:cNvPr>
+              <p:cNvSpPr txBox="1"/>
+              <p:nvPr/>
+            </p:nvSpPr>
+            <p:spPr>
+              <a:xfrm>
+                <a:off x="8637907" y="1739781"/>
+                <a:ext cx="715010" cy="208279"/>
+              </a:xfrm>
+              <a:prstGeom prst="rect">
+                <a:avLst/>
+              </a:prstGeom>
+            </p:spPr>
+            <p:txBody>
+              <a:bodyPr vert="horz" wrap="square" lIns="0" tIns="12700" rIns="0" bIns="0" rtlCol="0">
+                <a:spAutoFit/>
+              </a:bodyPr>
+              <a:lstStyle/>
+              <a:p>
+                <a:pPr marL="12700">
+                  <a:lnSpc>
+                    <a:spcPct val="100000"/>
+                  </a:lnSpc>
+                  <a:spcBef>
+                    <a:spcPts val="100"/>
+                  </a:spcBef>
+                </a:pPr>
+                <a:r>
+                  <a:rPr sz="1200" b="1" spc="-15" dirty="0">
+                    <a:latin typeface="Times New Roman"/>
+                    <a:cs typeface="Times New Roman"/>
+                  </a:rPr>
+                  <a:t>P</a:t>
+                </a:r>
+                <a:r>
+                  <a:rPr sz="1200" b="1" dirty="0">
+                    <a:latin typeface="Times New Roman"/>
+                    <a:cs typeface="Times New Roman"/>
+                  </a:rPr>
+                  <a:t>a</a:t>
+                </a:r>
+                <a:r>
+                  <a:rPr sz="1200" b="1" spc="-5" dirty="0">
+                    <a:latin typeface="Times New Roman"/>
+                    <a:cs typeface="Times New Roman"/>
+                  </a:rPr>
+                  <a:t>r</a:t>
+                </a:r>
+                <a:r>
+                  <a:rPr sz="1200" b="1" dirty="0">
+                    <a:latin typeface="Times New Roman"/>
+                    <a:cs typeface="Times New Roman"/>
+                  </a:rPr>
+                  <a:t>a</a:t>
+                </a:r>
+                <a:r>
+                  <a:rPr sz="1200" b="1" spc="-20" dirty="0">
+                    <a:latin typeface="Times New Roman"/>
+                    <a:cs typeface="Times New Roman"/>
+                  </a:rPr>
+                  <a:t>m</a:t>
+                </a:r>
+                <a:r>
+                  <a:rPr sz="1200" b="1" spc="-5" dirty="0">
+                    <a:latin typeface="Times New Roman"/>
+                    <a:cs typeface="Times New Roman"/>
+                  </a:rPr>
+                  <a:t>e</a:t>
+                </a:r>
+                <a:r>
+                  <a:rPr sz="1200" b="1" dirty="0">
+                    <a:latin typeface="Times New Roman"/>
+                    <a:cs typeface="Times New Roman"/>
+                  </a:rPr>
+                  <a:t>ter</a:t>
+                </a:r>
+                <a:endParaRPr sz="1200" dirty="0">
+                  <a:latin typeface="Times New Roman"/>
+                  <a:cs typeface="Times New Roman"/>
+                </a:endParaRPr>
+              </a:p>
+            </p:txBody>
+          </p:sp>
+          <p:sp>
+            <p:nvSpPr>
+              <p:cNvPr id="14" name="object 64">
+                <a:extLst>
+                  <a:ext uri="{FF2B5EF4-FFF2-40B4-BE49-F238E27FC236}">
+                    <a16:creationId xmlns:a16="http://schemas.microsoft.com/office/drawing/2014/main" id="{5A28EAE6-CCDC-940B-99E9-1A93D85496BC}"/>
+                  </a:ext>
+                </a:extLst>
+              </p:cNvPr>
+              <p:cNvSpPr txBox="1"/>
+              <p:nvPr/>
+            </p:nvSpPr>
+            <p:spPr>
+              <a:xfrm>
+                <a:off x="10176824" y="1758635"/>
+                <a:ext cx="712470" cy="208279"/>
+              </a:xfrm>
+              <a:prstGeom prst="rect">
+                <a:avLst/>
+              </a:prstGeom>
+            </p:spPr>
+            <p:txBody>
+              <a:bodyPr vert="horz" wrap="square" lIns="0" tIns="12700" rIns="0" bIns="0" rtlCol="0">
+                <a:spAutoFit/>
+              </a:bodyPr>
+              <a:lstStyle/>
+              <a:p>
+                <a:pPr marL="12700">
+                  <a:lnSpc>
+                    <a:spcPct val="100000"/>
+                  </a:lnSpc>
+                  <a:spcBef>
+                    <a:spcPts val="100"/>
+                  </a:spcBef>
+                </a:pPr>
+                <a:r>
+                  <a:rPr sz="1200" b="1" spc="-60" dirty="0">
+                    <a:latin typeface="Times New Roman"/>
+                    <a:cs typeface="Times New Roman"/>
+                  </a:rPr>
+                  <a:t>W</a:t>
+                </a:r>
+                <a:r>
+                  <a:rPr sz="1200" b="1" spc="-5" dirty="0">
+                    <a:latin typeface="Times New Roman"/>
+                    <a:cs typeface="Times New Roman"/>
+                  </a:rPr>
+                  <a:t>eig</a:t>
+                </a:r>
+                <a:r>
+                  <a:rPr sz="1200" b="1" dirty="0">
+                    <a:latin typeface="Times New Roman"/>
+                    <a:cs typeface="Times New Roman"/>
+                  </a:rPr>
+                  <a:t>htage</a:t>
+                </a:r>
+                <a:endParaRPr sz="1200" dirty="0">
+                  <a:latin typeface="Times New Roman"/>
+                  <a:cs typeface="Times New Roman"/>
+                </a:endParaRPr>
+              </a:p>
+            </p:txBody>
+          </p:sp>
+          <p:sp>
+            <p:nvSpPr>
+              <p:cNvPr id="15" name="object 69">
+                <a:extLst>
+                  <a:ext uri="{FF2B5EF4-FFF2-40B4-BE49-F238E27FC236}">
+                    <a16:creationId xmlns:a16="http://schemas.microsoft.com/office/drawing/2014/main" id="{E876B3FC-55B2-E428-3908-8BBA771F6CBE}"/>
+                  </a:ext>
+                </a:extLst>
+              </p:cNvPr>
+              <p:cNvSpPr txBox="1"/>
+              <p:nvPr/>
+            </p:nvSpPr>
+            <p:spPr>
+              <a:xfrm>
+                <a:off x="7582233" y="2884845"/>
+                <a:ext cx="101600" cy="208279"/>
+              </a:xfrm>
+              <a:prstGeom prst="rect">
+                <a:avLst/>
+              </a:prstGeom>
+            </p:spPr>
+            <p:txBody>
+              <a:bodyPr vert="horz" wrap="square" lIns="0" tIns="12700" rIns="0" bIns="0" rtlCol="0">
+                <a:spAutoFit/>
+              </a:bodyPr>
+              <a:lstStyle/>
+              <a:p>
+                <a:pPr marL="12700">
+                  <a:lnSpc>
+                    <a:spcPct val="100000"/>
+                  </a:lnSpc>
+                  <a:spcBef>
+                    <a:spcPts val="100"/>
+                  </a:spcBef>
+                </a:pPr>
+                <a:r>
+                  <a:rPr sz="1200" dirty="0">
+                    <a:latin typeface="Times New Roman"/>
+                    <a:cs typeface="Times New Roman"/>
+                  </a:rPr>
+                  <a:t>3</a:t>
+                </a:r>
+              </a:p>
+            </p:txBody>
+          </p:sp>
+          <p:sp>
+            <p:nvSpPr>
+              <p:cNvPr id="16" name="object 70">
+                <a:extLst>
+                  <a:ext uri="{FF2B5EF4-FFF2-40B4-BE49-F238E27FC236}">
+                    <a16:creationId xmlns:a16="http://schemas.microsoft.com/office/drawing/2014/main" id="{24C583CF-A6AE-07F1-2F9F-57F02DC0690B}"/>
+                  </a:ext>
+                </a:extLst>
+              </p:cNvPr>
+              <p:cNvSpPr txBox="1"/>
+              <p:nvPr/>
+            </p:nvSpPr>
+            <p:spPr>
+              <a:xfrm>
+                <a:off x="7895005" y="2783368"/>
+                <a:ext cx="2161540" cy="391795"/>
+              </a:xfrm>
+              <a:prstGeom prst="rect">
+                <a:avLst/>
+              </a:prstGeom>
+            </p:spPr>
+            <p:txBody>
+              <a:bodyPr vert="horz" wrap="square" lIns="0" tIns="12700" rIns="0" bIns="0" rtlCol="0">
+                <a:spAutoFit/>
+              </a:bodyPr>
+              <a:lstStyle/>
+              <a:p>
+                <a:pPr marL="12700">
+                  <a:lnSpc>
+                    <a:spcPct val="100000"/>
+                  </a:lnSpc>
+                  <a:spcBef>
+                    <a:spcPts val="100"/>
+                  </a:spcBef>
+                </a:pPr>
+                <a:r>
+                  <a:rPr sz="1200" dirty="0">
+                    <a:latin typeface="Times New Roman"/>
+                    <a:cs typeface="Times New Roman"/>
+                  </a:rPr>
+                  <a:t>Contribution</a:t>
+                </a:r>
+                <a:r>
+                  <a:rPr sz="1200" spc="-15" dirty="0">
+                    <a:latin typeface="Times New Roman"/>
+                    <a:cs typeface="Times New Roman"/>
+                  </a:rPr>
+                  <a:t> </a:t>
+                </a:r>
+                <a:r>
+                  <a:rPr sz="1200" dirty="0">
+                    <a:latin typeface="Times New Roman"/>
+                    <a:cs typeface="Times New Roman"/>
+                  </a:rPr>
+                  <a:t>in</a:t>
+                </a:r>
+                <a:r>
+                  <a:rPr sz="1200" spc="-5" dirty="0">
+                    <a:latin typeface="Times New Roman"/>
+                    <a:cs typeface="Times New Roman"/>
+                  </a:rPr>
+                  <a:t> </a:t>
+                </a:r>
+                <a:r>
+                  <a:rPr sz="1200" dirty="0">
+                    <a:latin typeface="Times New Roman"/>
+                    <a:cs typeface="Times New Roman"/>
+                  </a:rPr>
+                  <a:t>Monthly</a:t>
+                </a:r>
+                <a:r>
+                  <a:rPr sz="1200" spc="-35" dirty="0">
+                    <a:latin typeface="Times New Roman"/>
+                    <a:cs typeface="Times New Roman"/>
+                  </a:rPr>
+                  <a:t> </a:t>
+                </a:r>
+                <a:r>
+                  <a:rPr sz="1200" dirty="0">
+                    <a:latin typeface="Times New Roman"/>
+                    <a:cs typeface="Times New Roman"/>
+                  </a:rPr>
+                  <a:t>&amp;</a:t>
+                </a:r>
+                <a:r>
+                  <a:rPr sz="1200" spc="-70" dirty="0">
+                    <a:latin typeface="Times New Roman"/>
+                    <a:cs typeface="Times New Roman"/>
+                  </a:rPr>
+                  <a:t> </a:t>
+                </a:r>
+                <a:r>
+                  <a:rPr sz="1200" spc="-5" dirty="0">
+                    <a:latin typeface="Times New Roman"/>
+                    <a:cs typeface="Times New Roman"/>
+                  </a:rPr>
+                  <a:t>Annual</a:t>
+                </a:r>
+                <a:endParaRPr sz="1200" dirty="0">
+                  <a:latin typeface="Times New Roman"/>
+                  <a:cs typeface="Times New Roman"/>
+                </a:endParaRPr>
+              </a:p>
+              <a:p>
+                <a:pPr marL="12700">
+                  <a:lnSpc>
+                    <a:spcPct val="100000"/>
+                  </a:lnSpc>
+                  <a:spcBef>
+                    <a:spcPts val="5"/>
+                  </a:spcBef>
+                </a:pPr>
+                <a:r>
+                  <a:rPr sz="1200" spc="-5" dirty="0">
+                    <a:latin typeface="Times New Roman"/>
+                    <a:cs typeface="Times New Roman"/>
+                  </a:rPr>
+                  <a:t>Magazines </a:t>
+                </a:r>
+                <a:r>
+                  <a:rPr sz="1200" dirty="0">
+                    <a:latin typeface="Times New Roman"/>
+                    <a:cs typeface="Times New Roman"/>
+                  </a:rPr>
+                  <a:t>of</a:t>
+                </a:r>
+                <a:r>
+                  <a:rPr sz="1200" spc="-10" dirty="0">
+                    <a:latin typeface="Times New Roman"/>
+                    <a:cs typeface="Times New Roman"/>
+                  </a:rPr>
+                  <a:t> ICCR</a:t>
+                </a:r>
+                <a:endParaRPr sz="1200" dirty="0">
+                  <a:latin typeface="Times New Roman"/>
+                  <a:cs typeface="Times New Roman"/>
+                </a:endParaRPr>
+              </a:p>
+            </p:txBody>
+          </p:sp>
+          <p:sp>
+            <p:nvSpPr>
+              <p:cNvPr id="17" name="object 71">
+                <a:extLst>
+                  <a:ext uri="{FF2B5EF4-FFF2-40B4-BE49-F238E27FC236}">
+                    <a16:creationId xmlns:a16="http://schemas.microsoft.com/office/drawing/2014/main" id="{B7101A32-4C32-66A5-24D3-E93E84CE17C6}"/>
+                  </a:ext>
+                </a:extLst>
+              </p:cNvPr>
+              <p:cNvSpPr txBox="1"/>
+              <p:nvPr/>
+            </p:nvSpPr>
+            <p:spPr>
+              <a:xfrm>
+                <a:off x="10452952" y="2865991"/>
+                <a:ext cx="177800" cy="208279"/>
+              </a:xfrm>
+              <a:prstGeom prst="rect">
+                <a:avLst/>
+              </a:prstGeom>
+            </p:spPr>
+            <p:txBody>
+              <a:bodyPr vert="horz" wrap="square" lIns="0" tIns="12700" rIns="0" bIns="0" rtlCol="0">
+                <a:spAutoFit/>
+              </a:bodyPr>
+              <a:lstStyle/>
+              <a:p>
+                <a:pPr marL="12700">
+                  <a:lnSpc>
+                    <a:spcPct val="100000"/>
+                  </a:lnSpc>
+                  <a:spcBef>
+                    <a:spcPts val="100"/>
+                  </a:spcBef>
+                </a:pPr>
+                <a:r>
+                  <a:rPr sz="1200" dirty="0">
+                    <a:latin typeface="Times New Roman"/>
+                    <a:cs typeface="Times New Roman"/>
+                  </a:rPr>
+                  <a:t>15</a:t>
+                </a:r>
+                <a:endParaRPr sz="1200">
+                  <a:latin typeface="Times New Roman"/>
+                  <a:cs typeface="Times New Roman"/>
+                </a:endParaRPr>
+              </a:p>
+            </p:txBody>
+          </p:sp>
+          <p:sp>
+            <p:nvSpPr>
+              <p:cNvPr id="18" name="object 72">
+                <a:extLst>
+                  <a:ext uri="{FF2B5EF4-FFF2-40B4-BE49-F238E27FC236}">
+                    <a16:creationId xmlns:a16="http://schemas.microsoft.com/office/drawing/2014/main" id="{00DDBB1C-7796-50A5-232E-1D7D86C9B724}"/>
+                  </a:ext>
+                </a:extLst>
+              </p:cNvPr>
+              <p:cNvSpPr txBox="1"/>
+              <p:nvPr/>
+            </p:nvSpPr>
+            <p:spPr>
+              <a:xfrm>
+                <a:off x="7582233" y="3269480"/>
+                <a:ext cx="101600" cy="208279"/>
+              </a:xfrm>
+              <a:prstGeom prst="rect">
+                <a:avLst/>
+              </a:prstGeom>
+            </p:spPr>
+            <p:txBody>
+              <a:bodyPr vert="horz" wrap="square" lIns="0" tIns="12700" rIns="0" bIns="0" rtlCol="0">
+                <a:spAutoFit/>
+              </a:bodyPr>
+              <a:lstStyle/>
+              <a:p>
+                <a:pPr marL="12700">
+                  <a:lnSpc>
+                    <a:spcPct val="100000"/>
+                  </a:lnSpc>
+                  <a:spcBef>
+                    <a:spcPts val="100"/>
+                  </a:spcBef>
+                </a:pPr>
+                <a:r>
+                  <a:rPr sz="1200" dirty="0">
+                    <a:latin typeface="Times New Roman"/>
+                    <a:cs typeface="Times New Roman"/>
+                  </a:rPr>
+                  <a:t>4</a:t>
+                </a:r>
+              </a:p>
+            </p:txBody>
+          </p:sp>
+          <p:sp>
+            <p:nvSpPr>
+              <p:cNvPr id="19" name="object 73">
+                <a:extLst>
+                  <a:ext uri="{FF2B5EF4-FFF2-40B4-BE49-F238E27FC236}">
+                    <a16:creationId xmlns:a16="http://schemas.microsoft.com/office/drawing/2014/main" id="{42C0F118-6742-42D0-18AC-55E56B31181A}"/>
+                  </a:ext>
+                </a:extLst>
+              </p:cNvPr>
+              <p:cNvSpPr txBox="1"/>
+              <p:nvPr/>
+            </p:nvSpPr>
+            <p:spPr>
+              <a:xfrm>
+                <a:off x="7913860" y="3149760"/>
+                <a:ext cx="1998980" cy="391160"/>
+              </a:xfrm>
+              <a:prstGeom prst="rect">
+                <a:avLst/>
+              </a:prstGeom>
+            </p:spPr>
+            <p:txBody>
+              <a:bodyPr vert="horz" wrap="square" lIns="0" tIns="12700" rIns="0" bIns="0" rtlCol="0">
+                <a:spAutoFit/>
+              </a:bodyPr>
+              <a:lstStyle/>
+              <a:p>
+                <a:pPr marL="12700" marR="5080">
+                  <a:lnSpc>
+                    <a:spcPct val="100000"/>
+                  </a:lnSpc>
+                  <a:spcBef>
+                    <a:spcPts val="100"/>
+                  </a:spcBef>
+                </a:pPr>
+                <a:r>
+                  <a:rPr sz="1200" spc="-5" dirty="0">
+                    <a:latin typeface="Times New Roman"/>
+                    <a:cs typeface="Times New Roman"/>
+                  </a:rPr>
+                  <a:t>Submission</a:t>
+                </a:r>
+                <a:r>
+                  <a:rPr sz="1200" spc="-15" dirty="0">
+                    <a:latin typeface="Times New Roman"/>
+                    <a:cs typeface="Times New Roman"/>
+                  </a:rPr>
+                  <a:t> </a:t>
+                </a:r>
+                <a:r>
+                  <a:rPr sz="1200" dirty="0">
+                    <a:latin typeface="Times New Roman"/>
+                    <a:cs typeface="Times New Roman"/>
+                  </a:rPr>
+                  <a:t>of</a:t>
+                </a:r>
+                <a:r>
+                  <a:rPr sz="1200" spc="-80" dirty="0">
+                    <a:latin typeface="Times New Roman"/>
+                    <a:cs typeface="Times New Roman"/>
+                  </a:rPr>
+                  <a:t> </a:t>
+                </a:r>
+                <a:r>
+                  <a:rPr sz="1200" dirty="0">
+                    <a:latin typeface="Times New Roman"/>
+                    <a:cs typeface="Times New Roman"/>
+                  </a:rPr>
+                  <a:t>Annu</a:t>
+                </a:r>
+                <a:r>
+                  <a:rPr sz="1200" spc="-10" dirty="0">
+                    <a:latin typeface="Times New Roman"/>
+                    <a:cs typeface="Times New Roman"/>
+                  </a:rPr>
+                  <a:t>a</a:t>
+                </a:r>
+                <a:r>
+                  <a:rPr sz="1200" dirty="0">
+                    <a:latin typeface="Times New Roman"/>
+                    <a:cs typeface="Times New Roman"/>
+                  </a:rPr>
+                  <a:t>l</a:t>
+                </a:r>
+                <a:r>
+                  <a:rPr sz="1200" spc="10" dirty="0">
+                    <a:latin typeface="Times New Roman"/>
+                    <a:cs typeface="Times New Roman"/>
+                  </a:rPr>
+                  <a:t> </a:t>
+                </a:r>
+                <a:r>
+                  <a:rPr sz="1200" dirty="0">
+                    <a:latin typeface="Times New Roman"/>
+                    <a:cs typeface="Times New Roman"/>
+                  </a:rPr>
+                  <a:t>R</a:t>
+                </a:r>
+                <a:r>
+                  <a:rPr sz="1200" spc="-5" dirty="0">
+                    <a:latin typeface="Times New Roman"/>
+                    <a:cs typeface="Times New Roman"/>
+                  </a:rPr>
+                  <a:t>e</a:t>
+                </a:r>
+                <a:r>
+                  <a:rPr sz="1200" dirty="0">
+                    <a:latin typeface="Times New Roman"/>
+                    <a:cs typeface="Times New Roman"/>
+                  </a:rPr>
+                  <a:t>port</a:t>
+                </a:r>
+                <a:r>
+                  <a:rPr sz="1200" spc="5" dirty="0">
+                    <a:latin typeface="Times New Roman"/>
+                    <a:cs typeface="Times New Roman"/>
+                  </a:rPr>
+                  <a:t> </a:t>
+                </a:r>
+                <a:r>
+                  <a:rPr sz="1200" dirty="0">
+                    <a:latin typeface="Times New Roman"/>
+                    <a:cs typeface="Times New Roman"/>
+                  </a:rPr>
+                  <a:t>of  </a:t>
+                </a:r>
+                <a:r>
+                  <a:rPr sz="1200" spc="-5" dirty="0">
+                    <a:latin typeface="Times New Roman"/>
+                    <a:cs typeface="Times New Roman"/>
+                  </a:rPr>
+                  <a:t>Regional</a:t>
+                </a:r>
+                <a:r>
+                  <a:rPr sz="1200" spc="15" dirty="0">
+                    <a:latin typeface="Times New Roman"/>
+                    <a:cs typeface="Times New Roman"/>
+                  </a:rPr>
+                  <a:t> </a:t>
+                </a:r>
+                <a:r>
+                  <a:rPr sz="1200" spc="-10" dirty="0">
+                    <a:latin typeface="Times New Roman"/>
+                    <a:cs typeface="Times New Roman"/>
+                  </a:rPr>
+                  <a:t>Office</a:t>
+                </a:r>
+                <a:endParaRPr sz="1200" dirty="0">
+                  <a:latin typeface="Times New Roman"/>
+                  <a:cs typeface="Times New Roman"/>
+                </a:endParaRPr>
+              </a:p>
+            </p:txBody>
+          </p:sp>
+          <p:sp>
+            <p:nvSpPr>
+              <p:cNvPr id="20" name="object 74">
+                <a:extLst>
+                  <a:ext uri="{FF2B5EF4-FFF2-40B4-BE49-F238E27FC236}">
+                    <a16:creationId xmlns:a16="http://schemas.microsoft.com/office/drawing/2014/main" id="{BADA4367-AB55-7DBB-2373-043AFD841ED8}"/>
+                  </a:ext>
+                </a:extLst>
+              </p:cNvPr>
+              <p:cNvSpPr txBox="1"/>
+              <p:nvPr/>
+            </p:nvSpPr>
+            <p:spPr>
+              <a:xfrm>
+                <a:off x="10452952" y="3241200"/>
+                <a:ext cx="177800" cy="208279"/>
+              </a:xfrm>
+              <a:prstGeom prst="rect">
+                <a:avLst/>
+              </a:prstGeom>
+            </p:spPr>
+            <p:txBody>
+              <a:bodyPr vert="horz" wrap="square" lIns="0" tIns="12700" rIns="0" bIns="0" rtlCol="0">
+                <a:spAutoFit/>
+              </a:bodyPr>
+              <a:lstStyle/>
+              <a:p>
+                <a:pPr marL="12700">
+                  <a:lnSpc>
+                    <a:spcPct val="100000"/>
+                  </a:lnSpc>
+                  <a:spcBef>
+                    <a:spcPts val="100"/>
+                  </a:spcBef>
+                </a:pPr>
+                <a:r>
+                  <a:rPr sz="1200" dirty="0">
+                    <a:latin typeface="Times New Roman"/>
+                    <a:cs typeface="Times New Roman"/>
+                  </a:rPr>
+                  <a:t>15</a:t>
+                </a:r>
+                <a:endParaRPr sz="1200">
+                  <a:latin typeface="Times New Roman"/>
+                  <a:cs typeface="Times New Roman"/>
+                </a:endParaRPr>
+              </a:p>
+            </p:txBody>
+          </p:sp>
+          <p:sp>
+            <p:nvSpPr>
+              <p:cNvPr id="21" name="object 75">
+                <a:extLst>
+                  <a:ext uri="{FF2B5EF4-FFF2-40B4-BE49-F238E27FC236}">
+                    <a16:creationId xmlns:a16="http://schemas.microsoft.com/office/drawing/2014/main" id="{B776D3D2-AA56-7ECD-C7B6-F58413ADDFEA}"/>
+                  </a:ext>
+                </a:extLst>
+              </p:cNvPr>
+              <p:cNvSpPr txBox="1"/>
+              <p:nvPr/>
+            </p:nvSpPr>
+            <p:spPr>
+              <a:xfrm>
+                <a:off x="8855165" y="3534093"/>
+                <a:ext cx="336550" cy="208915"/>
+              </a:xfrm>
+              <a:prstGeom prst="rect">
+                <a:avLst/>
+              </a:prstGeom>
+            </p:spPr>
+            <p:txBody>
+              <a:bodyPr vert="horz" wrap="square" lIns="0" tIns="12700" rIns="0" bIns="0" rtlCol="0">
+                <a:spAutoFit/>
+              </a:bodyPr>
+              <a:lstStyle/>
+              <a:p>
+                <a:pPr marL="12700">
+                  <a:lnSpc>
+                    <a:spcPct val="100000"/>
+                  </a:lnSpc>
+                  <a:spcBef>
+                    <a:spcPts val="100"/>
+                  </a:spcBef>
+                </a:pPr>
+                <a:r>
+                  <a:rPr sz="1200" spc="-90" dirty="0">
+                    <a:latin typeface="Times New Roman"/>
+                    <a:cs typeface="Times New Roman"/>
+                  </a:rPr>
+                  <a:t>T</a:t>
+                </a:r>
+                <a:r>
+                  <a:rPr sz="1200" dirty="0">
+                    <a:latin typeface="Times New Roman"/>
+                    <a:cs typeface="Times New Roman"/>
+                  </a:rPr>
+                  <a:t>ot</a:t>
+                </a:r>
+                <a:r>
+                  <a:rPr sz="1200" spc="-5" dirty="0">
+                    <a:latin typeface="Times New Roman"/>
+                    <a:cs typeface="Times New Roman"/>
+                  </a:rPr>
+                  <a:t>a</a:t>
+                </a:r>
+                <a:r>
+                  <a:rPr sz="1200" dirty="0">
+                    <a:latin typeface="Times New Roman"/>
+                    <a:cs typeface="Times New Roman"/>
+                  </a:rPr>
+                  <a:t>l</a:t>
+                </a:r>
+                <a:endParaRPr sz="1200">
+                  <a:latin typeface="Times New Roman"/>
+                  <a:cs typeface="Times New Roman"/>
+                </a:endParaRPr>
+              </a:p>
+            </p:txBody>
+          </p:sp>
+          <p:sp>
+            <p:nvSpPr>
+              <p:cNvPr id="22" name="object 76">
+                <a:extLst>
+                  <a:ext uri="{FF2B5EF4-FFF2-40B4-BE49-F238E27FC236}">
+                    <a16:creationId xmlns:a16="http://schemas.microsoft.com/office/drawing/2014/main" id="{0EB4B244-C80A-8BDE-3CE7-A62E6AC5A86F}"/>
+                  </a:ext>
+                </a:extLst>
+              </p:cNvPr>
+              <p:cNvSpPr txBox="1"/>
+              <p:nvPr/>
+            </p:nvSpPr>
+            <p:spPr>
+              <a:xfrm>
+                <a:off x="10414852" y="3534093"/>
+                <a:ext cx="254000" cy="208915"/>
+              </a:xfrm>
+              <a:prstGeom prst="rect">
+                <a:avLst/>
+              </a:prstGeom>
+            </p:spPr>
+            <p:txBody>
+              <a:bodyPr vert="horz" wrap="square" lIns="0" tIns="12700" rIns="0" bIns="0" rtlCol="0">
+                <a:spAutoFit/>
+              </a:bodyPr>
+              <a:lstStyle/>
+              <a:p>
+                <a:pPr marL="12700">
+                  <a:lnSpc>
+                    <a:spcPct val="100000"/>
+                  </a:lnSpc>
+                  <a:spcBef>
+                    <a:spcPts val="100"/>
+                  </a:spcBef>
+                </a:pPr>
+                <a:r>
+                  <a:rPr sz="1200" spc="-5" dirty="0">
+                    <a:latin typeface="Times New Roman"/>
+                    <a:cs typeface="Times New Roman"/>
+                  </a:rPr>
+                  <a:t>100</a:t>
+                </a:r>
+                <a:endParaRPr sz="1200" dirty="0">
+                  <a:latin typeface="Times New Roman"/>
+                  <a:cs typeface="Times New Roman"/>
+                </a:endParaRPr>
+              </a:p>
+            </p:txBody>
+          </p:sp>
+          <p:sp>
+            <p:nvSpPr>
+              <p:cNvPr id="23" name="object 65">
+                <a:extLst>
+                  <a:ext uri="{FF2B5EF4-FFF2-40B4-BE49-F238E27FC236}">
+                    <a16:creationId xmlns:a16="http://schemas.microsoft.com/office/drawing/2014/main" id="{CF563412-0176-84C5-BF91-906556014EC0}"/>
+                  </a:ext>
+                </a:extLst>
+              </p:cNvPr>
+              <p:cNvSpPr txBox="1"/>
+              <p:nvPr/>
+            </p:nvSpPr>
+            <p:spPr>
+              <a:xfrm>
+                <a:off x="7764286" y="2076854"/>
+                <a:ext cx="2111844" cy="380245"/>
+              </a:xfrm>
+              <a:prstGeom prst="rect">
+                <a:avLst/>
+              </a:prstGeom>
+            </p:spPr>
+            <p:txBody>
+              <a:bodyPr vert="horz" wrap="square" lIns="0" tIns="12700" rIns="0" bIns="0" rtlCol="0">
+                <a:spAutoFit/>
+              </a:bodyPr>
+              <a:lstStyle/>
+              <a:p>
+                <a:pPr marL="334645">
+                  <a:lnSpc>
+                    <a:spcPct val="100000"/>
+                  </a:lnSpc>
+                  <a:spcBef>
+                    <a:spcPts val="100"/>
+                  </a:spcBef>
+                </a:pPr>
+                <a:r>
+                  <a:rPr sz="1200" spc="-5" dirty="0">
+                    <a:latin typeface="Times New Roman"/>
+                    <a:cs typeface="Times New Roman"/>
+                  </a:rPr>
+                  <a:t>Student's </a:t>
+                </a:r>
+                <a:r>
+                  <a:rPr sz="1200" spc="-10" dirty="0">
+                    <a:latin typeface="Times New Roman"/>
+                    <a:cs typeface="Times New Roman"/>
+                  </a:rPr>
+                  <a:t>Feedback</a:t>
+                </a:r>
+                <a:r>
+                  <a:rPr sz="1200" spc="40" dirty="0">
+                    <a:latin typeface="Times New Roman"/>
+                    <a:cs typeface="Times New Roman"/>
+                  </a:rPr>
+                  <a:t> </a:t>
+                </a:r>
+                <a:r>
+                  <a:rPr sz="1200" spc="-5" dirty="0">
+                    <a:latin typeface="Times New Roman"/>
+                    <a:cs typeface="Times New Roman"/>
+                  </a:rPr>
+                  <a:t>Regarding</a:t>
+                </a:r>
+                <a:endParaRPr sz="1200" dirty="0">
+                  <a:latin typeface="Times New Roman"/>
+                  <a:cs typeface="Times New Roman"/>
+                </a:endParaRPr>
+              </a:p>
+              <a:p>
+                <a:pPr marL="334645" marR="5080" indent="-322580">
+                  <a:lnSpc>
+                    <a:spcPts val="1390"/>
+                  </a:lnSpc>
+                  <a:spcBef>
+                    <a:spcPts val="140"/>
+                  </a:spcBef>
+                  <a:tabLst>
+                    <a:tab pos="334645" algn="l"/>
+                  </a:tabLst>
+                </a:pPr>
+                <a:r>
+                  <a:rPr sz="1200" dirty="0">
+                    <a:latin typeface="Times New Roman"/>
+                    <a:cs typeface="Times New Roman"/>
+                  </a:rPr>
+                  <a:t>	</a:t>
+                </a:r>
+                <a:r>
+                  <a:rPr sz="1800" spc="-7" baseline="2314" dirty="0">
+                    <a:latin typeface="Times New Roman"/>
+                    <a:cs typeface="Times New Roman"/>
+                  </a:rPr>
+                  <a:t>Services/</a:t>
+                </a:r>
+                <a:r>
+                  <a:rPr sz="1800" spc="22" baseline="2314" dirty="0">
+                    <a:latin typeface="Times New Roman"/>
+                    <a:cs typeface="Times New Roman"/>
+                  </a:rPr>
+                  <a:t> </a:t>
+                </a:r>
+                <a:r>
+                  <a:rPr sz="1800" spc="-7" baseline="2314" dirty="0">
+                    <a:latin typeface="Times New Roman"/>
+                    <a:cs typeface="Times New Roman"/>
+                  </a:rPr>
+                  <a:t>Facilities</a:t>
+                </a:r>
+                <a:r>
+                  <a:rPr sz="1800" spc="22" baseline="2314" dirty="0">
+                    <a:latin typeface="Times New Roman"/>
+                    <a:cs typeface="Times New Roman"/>
+                  </a:rPr>
+                  <a:t> </a:t>
+                </a:r>
+                <a:r>
+                  <a:rPr sz="1800" spc="-7" baseline="2314" dirty="0">
+                    <a:latin typeface="Times New Roman"/>
+                    <a:cs typeface="Times New Roman"/>
+                  </a:rPr>
+                  <a:t>provided</a:t>
+                </a:r>
+                <a:r>
+                  <a:rPr sz="1800" spc="22" baseline="2314" dirty="0">
+                    <a:latin typeface="Times New Roman"/>
+                    <a:cs typeface="Times New Roman"/>
+                  </a:rPr>
+                  <a:t> </a:t>
+                </a:r>
+                <a:r>
+                  <a:rPr sz="1800" baseline="2314" dirty="0">
+                    <a:latin typeface="Times New Roman"/>
+                    <a:cs typeface="Times New Roman"/>
+                  </a:rPr>
+                  <a:t>by </a:t>
+                </a:r>
+                <a:r>
+                  <a:rPr sz="1800" spc="-427" baseline="2314" dirty="0">
+                    <a:latin typeface="Times New Roman"/>
+                    <a:cs typeface="Times New Roman"/>
+                  </a:rPr>
+                  <a:t> </a:t>
+                </a:r>
+                <a:r>
+                  <a:rPr sz="1200" spc="-5" dirty="0">
+                    <a:latin typeface="Times New Roman"/>
+                    <a:cs typeface="Times New Roman"/>
+                  </a:rPr>
+                  <a:t>Regional</a:t>
+                </a:r>
+                <a:r>
+                  <a:rPr sz="1200" spc="15" dirty="0">
+                    <a:latin typeface="Times New Roman"/>
+                    <a:cs typeface="Times New Roman"/>
+                  </a:rPr>
+                  <a:t> </a:t>
+                </a:r>
+                <a:r>
+                  <a:rPr sz="1200" spc="-10" dirty="0">
+                    <a:latin typeface="Times New Roman"/>
+                    <a:cs typeface="Times New Roman"/>
+                  </a:rPr>
+                  <a:t>Office</a:t>
+                </a:r>
+                <a:endParaRPr sz="1200" dirty="0">
+                  <a:latin typeface="Times New Roman"/>
+                  <a:cs typeface="Times New Roman"/>
+                </a:endParaRPr>
+              </a:p>
+            </p:txBody>
+          </p:sp>
+          <p:sp>
+            <p:nvSpPr>
+              <p:cNvPr id="24" name="object 66">
+                <a:extLst>
+                  <a:ext uri="{FF2B5EF4-FFF2-40B4-BE49-F238E27FC236}">
+                    <a16:creationId xmlns:a16="http://schemas.microsoft.com/office/drawing/2014/main" id="{EE3C2FD3-4D31-7346-E75D-A82C5CF6F445}"/>
+                  </a:ext>
+                </a:extLst>
+              </p:cNvPr>
+              <p:cNvSpPr txBox="1"/>
+              <p:nvPr/>
+            </p:nvSpPr>
+            <p:spPr>
+              <a:xfrm>
+                <a:off x="10471802" y="2253891"/>
+                <a:ext cx="177800" cy="208279"/>
+              </a:xfrm>
+              <a:prstGeom prst="rect">
+                <a:avLst/>
+              </a:prstGeom>
+            </p:spPr>
+            <p:txBody>
+              <a:bodyPr vert="horz" wrap="square" lIns="0" tIns="12700" rIns="0" bIns="0" rtlCol="0">
+                <a:spAutoFit/>
+              </a:bodyPr>
+              <a:lstStyle/>
+              <a:p>
+                <a:pPr marL="12700">
+                  <a:lnSpc>
+                    <a:spcPct val="100000"/>
+                  </a:lnSpc>
+                  <a:spcBef>
+                    <a:spcPts val="100"/>
+                  </a:spcBef>
+                </a:pPr>
+                <a:r>
+                  <a:rPr sz="1200" dirty="0">
+                    <a:latin typeface="Times New Roman"/>
+                    <a:cs typeface="Times New Roman"/>
+                  </a:rPr>
+                  <a:t>50</a:t>
+                </a:r>
+              </a:p>
+            </p:txBody>
+          </p:sp>
+          <p:sp>
+            <p:nvSpPr>
+              <p:cNvPr id="25" name="object 67">
+                <a:extLst>
+                  <a:ext uri="{FF2B5EF4-FFF2-40B4-BE49-F238E27FC236}">
+                    <a16:creationId xmlns:a16="http://schemas.microsoft.com/office/drawing/2014/main" id="{EC3B6F69-57CF-59F1-7D30-ED51AA72C9EE}"/>
+                  </a:ext>
+                </a:extLst>
+              </p:cNvPr>
+              <p:cNvSpPr txBox="1"/>
+              <p:nvPr/>
+            </p:nvSpPr>
+            <p:spPr>
+              <a:xfrm>
+                <a:off x="7805988" y="2610196"/>
+                <a:ext cx="1708150" cy="131887"/>
+              </a:xfrm>
+              <a:prstGeom prst="rect">
+                <a:avLst/>
+              </a:prstGeom>
+            </p:spPr>
+            <p:txBody>
+              <a:bodyPr vert="horz" wrap="square" lIns="0" tIns="12700" rIns="0" bIns="0" rtlCol="0">
+                <a:spAutoFit/>
+              </a:bodyPr>
+              <a:lstStyle/>
+              <a:p>
+                <a:pPr marL="12700">
+                  <a:lnSpc>
+                    <a:spcPct val="100000"/>
+                  </a:lnSpc>
+                  <a:spcBef>
+                    <a:spcPts val="100"/>
+                  </a:spcBef>
+                  <a:tabLst>
+                    <a:tab pos="334645" algn="l"/>
+                  </a:tabLst>
+                </a:pPr>
+                <a:r>
+                  <a:rPr lang="en-IN" sz="1200" dirty="0">
+                    <a:latin typeface="Times New Roman"/>
+                    <a:cs typeface="Times New Roman"/>
+                  </a:rPr>
+                  <a:t>    </a:t>
+                </a:r>
+                <a:r>
+                  <a:rPr sz="1200" spc="-5" dirty="0">
+                    <a:latin typeface="Times New Roman"/>
+                    <a:cs typeface="Times New Roman"/>
+                  </a:rPr>
+                  <a:t>Reward</a:t>
+                </a:r>
+                <a:r>
+                  <a:rPr sz="1200" spc="-15" dirty="0">
+                    <a:latin typeface="Times New Roman"/>
+                    <a:cs typeface="Times New Roman"/>
+                  </a:rPr>
+                  <a:t> </a:t>
+                </a:r>
+                <a:r>
+                  <a:rPr sz="1200" spc="-5" dirty="0">
+                    <a:latin typeface="Times New Roman"/>
+                    <a:cs typeface="Times New Roman"/>
+                  </a:rPr>
+                  <a:t>Points</a:t>
+                </a:r>
+                <a:r>
+                  <a:rPr sz="1200" spc="-35" dirty="0">
+                    <a:latin typeface="Times New Roman"/>
+                    <a:cs typeface="Times New Roman"/>
+                  </a:rPr>
+                  <a:t> </a:t>
+                </a:r>
+                <a:r>
+                  <a:rPr sz="1200" spc="-5" dirty="0">
+                    <a:latin typeface="Times New Roman"/>
+                    <a:cs typeface="Times New Roman"/>
+                  </a:rPr>
+                  <a:t>Earned</a:t>
+                </a:r>
+                <a:endParaRPr sz="1200" dirty="0">
+                  <a:latin typeface="Times New Roman"/>
+                  <a:cs typeface="Times New Roman"/>
+                </a:endParaRPr>
+              </a:p>
+            </p:txBody>
+          </p:sp>
+          <p:sp>
+            <p:nvSpPr>
+              <p:cNvPr id="26" name="object 68">
+                <a:extLst>
+                  <a:ext uri="{FF2B5EF4-FFF2-40B4-BE49-F238E27FC236}">
+                    <a16:creationId xmlns:a16="http://schemas.microsoft.com/office/drawing/2014/main" id="{E68A81FD-C402-DE22-2E5F-F3255AD74B0C}"/>
+                  </a:ext>
+                </a:extLst>
+              </p:cNvPr>
+              <p:cNvSpPr txBox="1"/>
+              <p:nvPr/>
+            </p:nvSpPr>
+            <p:spPr>
+              <a:xfrm>
+                <a:off x="10452949" y="2619623"/>
+                <a:ext cx="177800" cy="208279"/>
+              </a:xfrm>
+              <a:prstGeom prst="rect">
+                <a:avLst/>
+              </a:prstGeom>
+            </p:spPr>
+            <p:txBody>
+              <a:bodyPr vert="horz" wrap="square" lIns="0" tIns="12700" rIns="0" bIns="0" rtlCol="0">
+                <a:spAutoFit/>
+              </a:bodyPr>
+              <a:lstStyle/>
+              <a:p>
+                <a:pPr marL="12700">
+                  <a:lnSpc>
+                    <a:spcPct val="100000"/>
+                  </a:lnSpc>
+                  <a:spcBef>
+                    <a:spcPts val="100"/>
+                  </a:spcBef>
+                </a:pPr>
+                <a:r>
+                  <a:rPr sz="1200" dirty="0">
+                    <a:latin typeface="Times New Roman"/>
+                    <a:cs typeface="Times New Roman"/>
+                  </a:rPr>
+                  <a:t>20</a:t>
+                </a:r>
+              </a:p>
+            </p:txBody>
+          </p:sp>
+        </p:grpSp>
+        <p:sp>
+          <p:nvSpPr>
+            <p:cNvPr id="4" name="TextBox 3">
+              <a:extLst>
+                <a:ext uri="{FF2B5EF4-FFF2-40B4-BE49-F238E27FC236}">
+                  <a16:creationId xmlns:a16="http://schemas.microsoft.com/office/drawing/2014/main" id="{EE4B2F4C-2A62-597A-A0D9-9C88DDD262C2}"/>
+                </a:ext>
+              </a:extLst>
+            </p:cNvPr>
+            <p:cNvSpPr txBox="1"/>
+            <p:nvPr/>
+          </p:nvSpPr>
+          <p:spPr>
+            <a:xfrm>
+              <a:off x="7136089" y="2667786"/>
+              <a:ext cx="348791" cy="307777"/>
+            </a:xfrm>
+            <a:prstGeom prst="rect">
+              <a:avLst/>
+            </a:prstGeom>
+            <a:noFill/>
+          </p:spPr>
+          <p:txBody>
+            <a:bodyPr wrap="square" rtlCol="0">
+              <a:spAutoFit/>
+            </a:bodyPr>
+            <a:lstStyle/>
+            <a:p>
+              <a:r>
+                <a:rPr lang="en-IN" sz="1400" dirty="0"/>
+                <a:t>1</a:t>
+              </a:r>
+            </a:p>
+          </p:txBody>
+        </p:sp>
+        <p:sp>
+          <p:nvSpPr>
+            <p:cNvPr id="6" name="TextBox 5">
+              <a:extLst>
+                <a:ext uri="{FF2B5EF4-FFF2-40B4-BE49-F238E27FC236}">
+                  <a16:creationId xmlns:a16="http://schemas.microsoft.com/office/drawing/2014/main" id="{0A83194F-432E-C01B-C971-07F5FAABBC6E}"/>
+                </a:ext>
+              </a:extLst>
+            </p:cNvPr>
+            <p:cNvSpPr txBox="1"/>
+            <p:nvPr/>
+          </p:nvSpPr>
+          <p:spPr>
+            <a:xfrm>
+              <a:off x="7156515" y="3348087"/>
+              <a:ext cx="348791" cy="307777"/>
+            </a:xfrm>
+            <a:prstGeom prst="rect">
+              <a:avLst/>
+            </a:prstGeom>
+            <a:noFill/>
+          </p:spPr>
+          <p:txBody>
+            <a:bodyPr wrap="square" rtlCol="0">
+              <a:spAutoFit/>
+            </a:bodyPr>
+            <a:lstStyle/>
+            <a:p>
+              <a:r>
+                <a:rPr lang="en-IN" sz="1400" dirty="0"/>
+                <a:t>2</a:t>
+              </a:r>
+            </a:p>
+          </p:txBody>
+        </p:sp>
+      </p:grpSp>
     </p:spTree>
     <p:extLst>
       <p:ext uri="{BB962C8B-B14F-4D97-AF65-F5344CB8AC3E}">
-        <p14:creationId xmlns:p14="http://schemas.microsoft.com/office/powerpoint/2010/main" val="850078620"/>
+        <p14:creationId xmlns:p14="http://schemas.microsoft.com/office/powerpoint/2010/main" val="4193597212"/>
       </p:ext>
     </p:extLst>
   </p:cSld>
@@ -8500,12 +10903,7 @@
             <p:ph type="title"/>
           </p:nvPr>
         </p:nvSpPr>
-        <p:spPr>
-          <a:xfrm>
-            <a:off x="0" y="91455"/>
-            <a:ext cx="11204812" cy="885371"/>
-          </a:xfrm>
-        </p:spPr>
+        <p:spPr/>
         <p:txBody>
           <a:bodyPr>
             <a:normAutofit/>
@@ -8514,44 +10912,46 @@
           <a:p>
             <a:r>
               <a:rPr lang="en-US" dirty="0"/>
-              <a:t>P</a:t>
-            </a:r>
-            <a:r>
-              <a:rPr lang="en-IN" dirty="0"/>
-              <a:t>rocess Flow</a:t>
-            </a:r>
-          </a:p>
-        </p:txBody>
-      </p:sp>
-      <p:sp>
-        <p:nvSpPr>
-          <p:cNvPr id="6" name="Slide Number Placeholder 5"/>
-          <p:cNvSpPr>
-            <a:spLocks noGrp="1"/>
-          </p:cNvSpPr>
-          <p:nvPr>
-            <p:ph type="sldNum" sz="quarter" idx="12"/>
-          </p:nvPr>
-        </p:nvSpPr>
-        <p:spPr/>
-        <p:txBody>
-          <a:bodyPr/>
-          <a:lstStyle/>
-          <a:p>
-            <a:fld id="{1DEB9025-8623-43DC-835C-CC7482BE7300}" type="slidenum">
-              <a:rPr lang="en-IN" smtClean="0"/>
-              <a:t>8</a:t>
-            </a:fld>
-            <a:endParaRPr lang="en-IN"/>
+              <a:t>Online Performance and Evaluation System</a:t>
+            </a:r>
+            <a:endParaRPr lang="en-IN" dirty="0"/>
           </a:p>
         </p:txBody>
       </p:sp>
       <p:pic>
         <p:nvPicPr>
-          <p:cNvPr id="11" name="Picture 10">
+          <p:cNvPr id="3" name="object 90">
             <a:extLst>
               <a:ext uri="{FF2B5EF4-FFF2-40B4-BE49-F238E27FC236}">
-                <a16:creationId xmlns:a16="http://schemas.microsoft.com/office/drawing/2014/main" id="{27781205-9522-A82A-C4AC-250EF6C458A1}"/>
+                <a16:creationId xmlns:a16="http://schemas.microsoft.com/office/drawing/2014/main" id="{E9121074-04C4-479B-BF43-DD5ABE007875}"/>
+              </a:ext>
+            </a:extLst>
+          </p:cNvPr>
+          <p:cNvPicPr/>
+          <p:nvPr/>
+        </p:nvPicPr>
+        <p:blipFill>
+          <a:blip r:embed="rId3" cstate="print"/>
+          <a:stretch>
+            <a:fillRect/>
+          </a:stretch>
+        </p:blipFill>
+        <p:spPr>
+          <a:xfrm>
+            <a:off x="347783" y="1517149"/>
+            <a:ext cx="4261924" cy="3611031"/>
+          </a:xfrm>
+          <a:prstGeom prst="rect">
+            <a:avLst/>
+          </a:prstGeom>
+        </p:spPr>
+      </p:pic>
+      <p:pic>
+        <p:nvPicPr>
+          <p:cNvPr id="93" name="Picture 92">
+            <a:extLst>
+              <a:ext uri="{FF2B5EF4-FFF2-40B4-BE49-F238E27FC236}">
+                <a16:creationId xmlns:a16="http://schemas.microsoft.com/office/drawing/2014/main" id="{C7BB2BC3-966F-4D68-EA0A-689B13E5F248}"/>
               </a:ext>
             </a:extLst>
           </p:cNvPr>
@@ -8560,133 +10960,56 @@
           </p:cNvPicPr>
           <p:nvPr/>
         </p:nvPicPr>
-        <p:blipFill rotWithShape="1">
-          <a:blip r:embed="rId2"/>
-          <a:srcRect l="6825" t="11002" r="6603" b="11078"/>
-          <a:stretch/>
+        <p:blipFill>
+          <a:blip r:embed="rId4"/>
+          <a:stretch>
+            <a:fillRect/>
+          </a:stretch>
         </p:blipFill>
         <p:spPr>
           <a:xfrm>
-            <a:off x="269966" y="1254035"/>
-            <a:ext cx="11704320" cy="4963886"/>
+            <a:off x="5059888" y="3294623"/>
+            <a:ext cx="5352752" cy="2493480"/>
           </a:xfrm>
           <a:prstGeom prst="rect">
             <a:avLst/>
           </a:prstGeom>
         </p:spPr>
       </p:pic>
-      <p:sp>
-        <p:nvSpPr>
-          <p:cNvPr id="3" name="Rectangle 2">
+      <p:pic>
+        <p:nvPicPr>
+          <p:cNvPr id="97" name="Picture 96">
             <a:extLst>
               <a:ext uri="{FF2B5EF4-FFF2-40B4-BE49-F238E27FC236}">
-                <a16:creationId xmlns:a16="http://schemas.microsoft.com/office/drawing/2014/main" id="{5227A7AB-234E-C9F6-BB0C-3BC2BD5BC46E}"/>
+                <a16:creationId xmlns:a16="http://schemas.microsoft.com/office/drawing/2014/main" id="{B98B860C-E1B2-C8F7-4C8F-3DE6CC229AD7}"/>
               </a:ext>
             </a:extLst>
           </p:cNvPr>
-          <p:cNvSpPr/>
+          <p:cNvPicPr>
+            <a:picLocks noChangeAspect="1"/>
+          </p:cNvPicPr>
           <p:nvPr/>
-        </p:nvSpPr>
+        </p:nvPicPr>
+        <p:blipFill>
+          <a:blip r:embed="rId5"/>
+          <a:stretch>
+            <a:fillRect/>
+          </a:stretch>
+        </p:blipFill>
         <p:spPr>
           <a:xfrm>
-            <a:off x="9056915" y="3396342"/>
-            <a:ext cx="296091" cy="87086"/>
+            <a:off x="5856010" y="1353963"/>
+            <a:ext cx="7638610" cy="2001980"/>
           </a:xfrm>
           <a:prstGeom prst="rect">
             <a:avLst/>
           </a:prstGeom>
-          <a:solidFill>
-            <a:schemeClr val="bg1"/>
-          </a:solidFill>
-          <a:ln>
-            <a:solidFill>
-              <a:schemeClr val="bg1"/>
-            </a:solidFill>
-          </a:ln>
         </p:spPr>
-        <p:style>
-          <a:lnRef idx="2">
-            <a:schemeClr val="accent1">
-              <a:shade val="50000"/>
-            </a:schemeClr>
-          </a:lnRef>
-          <a:fillRef idx="1">
-            <a:schemeClr val="accent1"/>
-          </a:fillRef>
-          <a:effectRef idx="0">
-            <a:schemeClr val="accent1"/>
-          </a:effectRef>
-          <a:fontRef idx="minor">
-            <a:schemeClr val="lt1"/>
-          </a:fontRef>
-        </p:style>
-        <p:txBody>
-          <a:bodyPr rtlCol="0" anchor="ctr"/>
-          <a:lstStyle/>
-          <a:p>
-            <a:pPr algn="ctr"/>
-            <a:endParaRPr lang="en-IN"/>
-          </a:p>
-        </p:txBody>
-      </p:sp>
-      <p:sp>
-        <p:nvSpPr>
-          <p:cNvPr id="7" name="Rectangle 6">
-            <a:extLst>
-              <a:ext uri="{FF2B5EF4-FFF2-40B4-BE49-F238E27FC236}">
-                <a16:creationId xmlns:a16="http://schemas.microsoft.com/office/drawing/2014/main" id="{274DAC30-648C-ACBB-CC57-181D7F0B0E44}"/>
-              </a:ext>
-            </a:extLst>
-          </p:cNvPr>
-          <p:cNvSpPr/>
-          <p:nvPr/>
-        </p:nvSpPr>
-        <p:spPr>
-          <a:xfrm>
-            <a:off x="6244046" y="4598126"/>
-            <a:ext cx="313508" cy="200297"/>
-          </a:xfrm>
-          <a:prstGeom prst="rect">
-            <a:avLst/>
-          </a:prstGeom>
-          <a:solidFill>
-            <a:schemeClr val="bg1"/>
-          </a:solidFill>
-          <a:ln>
-            <a:solidFill>
-              <a:schemeClr val="bg1"/>
-            </a:solidFill>
-          </a:ln>
-        </p:spPr>
-        <p:style>
-          <a:lnRef idx="2">
-            <a:schemeClr val="accent1">
-              <a:shade val="50000"/>
-            </a:schemeClr>
-          </a:lnRef>
-          <a:fillRef idx="1">
-            <a:schemeClr val="accent1"/>
-          </a:fillRef>
-          <a:effectRef idx="0">
-            <a:schemeClr val="accent1"/>
-          </a:effectRef>
-          <a:fontRef idx="minor">
-            <a:schemeClr val="lt1"/>
-          </a:fontRef>
-        </p:style>
-        <p:txBody>
-          <a:bodyPr rtlCol="0" anchor="ctr"/>
-          <a:lstStyle/>
-          <a:p>
-            <a:pPr algn="ctr"/>
-            <a:endParaRPr lang="en-IN"/>
-          </a:p>
-        </p:txBody>
-      </p:sp>
+      </p:pic>
     </p:spTree>
     <p:extLst>
       <p:ext uri="{BB962C8B-B14F-4D97-AF65-F5344CB8AC3E}">
-        <p14:creationId xmlns:p14="http://schemas.microsoft.com/office/powerpoint/2010/main" val="171034115"/>
+        <p14:creationId xmlns:p14="http://schemas.microsoft.com/office/powerpoint/2010/main" val="690241045"/>
       </p:ext>
     </p:extLst>
   </p:cSld>
@@ -8715,10 +11038,96 @@
       </p:grpSpPr>
       <p:sp>
         <p:nvSpPr>
-          <p:cNvPr id="2" name="Title 1">
+          <p:cNvPr id="2" name="Date Placeholder 1">
             <a:extLst>
               <a:ext uri="{FF2B5EF4-FFF2-40B4-BE49-F238E27FC236}">
-                <a16:creationId xmlns:a16="http://schemas.microsoft.com/office/drawing/2014/main" id="{54044A18-A81C-5690-B867-D4E67268AA5D}"/>
+                <a16:creationId xmlns:a16="http://schemas.microsoft.com/office/drawing/2014/main" id="{2BB40CEF-8556-5B76-08EA-8EE19A420827}"/>
+              </a:ext>
+            </a:extLst>
+          </p:cNvPr>
+          <p:cNvSpPr>
+            <a:spLocks noGrp="1"/>
+          </p:cNvSpPr>
+          <p:nvPr>
+            <p:ph type="dt" sz="half" idx="10"/>
+          </p:nvPr>
+        </p:nvSpPr>
+        <p:spPr/>
+        <p:txBody>
+          <a:bodyPr/>
+          <a:lstStyle/>
+          <a:p>
+            <a:fld id="{1840DB68-5EB6-45CB-82F3-37E85B95C0AD}" type="datetime1">
+              <a:rPr lang="en-IN" smtClean="0"/>
+              <a:t>08-11-2022</a:t>
+            </a:fld>
+            <a:endParaRPr lang="en-IN"/>
+          </a:p>
+        </p:txBody>
+      </p:sp>
+      <p:sp>
+        <p:nvSpPr>
+          <p:cNvPr id="3" name="Footer Placeholder 2">
+            <a:extLst>
+              <a:ext uri="{FF2B5EF4-FFF2-40B4-BE49-F238E27FC236}">
+                <a16:creationId xmlns:a16="http://schemas.microsoft.com/office/drawing/2014/main" id="{1B232803-D60A-40B8-890D-CCECADECBEA6}"/>
+              </a:ext>
+            </a:extLst>
+          </p:cNvPr>
+          <p:cNvSpPr>
+            <a:spLocks noGrp="1"/>
+          </p:cNvSpPr>
+          <p:nvPr>
+            <p:ph type="ftr" sz="quarter" idx="11"/>
+          </p:nvPr>
+        </p:nvSpPr>
+        <p:spPr/>
+        <p:txBody>
+          <a:bodyPr/>
+          <a:lstStyle/>
+          <a:p>
+            <a:r>
+              <a:rPr lang="en-IN"/>
+              <a:t>Project Name</a:t>
+            </a:r>
+          </a:p>
+        </p:txBody>
+      </p:sp>
+      <p:sp>
+        <p:nvSpPr>
+          <p:cNvPr id="4" name="Slide Number Placeholder 3">
+            <a:extLst>
+              <a:ext uri="{FF2B5EF4-FFF2-40B4-BE49-F238E27FC236}">
+                <a16:creationId xmlns:a16="http://schemas.microsoft.com/office/drawing/2014/main" id="{AE90C0D5-7F3E-AD5A-9A9C-1F98FE32EA55}"/>
+              </a:ext>
+            </a:extLst>
+          </p:cNvPr>
+          <p:cNvSpPr>
+            <a:spLocks noGrp="1"/>
+          </p:cNvSpPr>
+          <p:nvPr>
+            <p:ph type="sldNum" sz="quarter" idx="12"/>
+          </p:nvPr>
+        </p:nvSpPr>
+        <p:spPr/>
+        <p:txBody>
+          <a:bodyPr/>
+          <a:lstStyle/>
+          <a:p>
+            <a:fld id="{1DEB9025-8623-43DC-835C-CC7482BE7300}" type="slidenum">
+              <a:rPr lang="en-IN" smtClean="0"/>
+              <a:t>9</a:t>
+            </a:fld>
+            <a:endParaRPr lang="en-IN"/>
+          </a:p>
+        </p:txBody>
+      </p:sp>
+      <p:sp>
+        <p:nvSpPr>
+          <p:cNvPr id="5" name="Title 4">
+            <a:extLst>
+              <a:ext uri="{FF2B5EF4-FFF2-40B4-BE49-F238E27FC236}">
+                <a16:creationId xmlns:a16="http://schemas.microsoft.com/office/drawing/2014/main" id="{2CF19A4B-F2E7-B0DA-C969-DAB94F63F960}"/>
               </a:ext>
             </a:extLst>
           </p:cNvPr>
@@ -8736,7 +11145,7 @@
           <a:p>
             <a:r>
               <a:rPr lang="en-US" dirty="0"/>
-              <a:t>Snapshots</a:t>
+              <a:t>ICCR Activities</a:t>
             </a:r>
             <a:endParaRPr lang="en-IN" dirty="0"/>
           </a:p>
@@ -8744,237 +11153,956 @@
       </p:sp>
       <p:sp>
         <p:nvSpPr>
-          <p:cNvPr id="6" name="Slide Number Placeholder 5">
+          <p:cNvPr id="7" name="TextBox 6">
             <a:extLst>
               <a:ext uri="{FF2B5EF4-FFF2-40B4-BE49-F238E27FC236}">
-                <a16:creationId xmlns:a16="http://schemas.microsoft.com/office/drawing/2014/main" id="{CC1BA45A-D9FA-A1CE-4F07-EA667474B741}"/>
+                <a16:creationId xmlns:a16="http://schemas.microsoft.com/office/drawing/2014/main" id="{80EB7874-1D7A-DB7D-8C95-3A338D8A2C4E}"/>
               </a:ext>
             </a:extLst>
           </p:cNvPr>
-          <p:cNvSpPr>
-            <a:spLocks noGrp="1"/>
-          </p:cNvSpPr>
-          <p:nvPr>
-            <p:ph type="sldNum" sz="quarter" idx="12"/>
-          </p:nvPr>
+          <p:cNvSpPr txBox="1"/>
+          <p:nvPr/>
         </p:nvSpPr>
-        <p:spPr/>
-        <p:txBody>
-          <a:bodyPr/>
-          <a:lstStyle/>
-          <a:p>
-            <a:fld id="{1DEB9025-8623-43DC-835C-CC7482BE7300}" type="slidenum">
-              <a:rPr lang="en-IN" smtClean="0"/>
-              <a:t>9</a:t>
-            </a:fld>
-            <a:endParaRPr lang="en-IN"/>
-          </a:p>
-        </p:txBody>
-      </p:sp>
-      <p:pic>
-        <p:nvPicPr>
-          <p:cNvPr id="8" name="Picture 7">
-            <a:extLst>
-              <a:ext uri="{FF2B5EF4-FFF2-40B4-BE49-F238E27FC236}">
-                <a16:creationId xmlns:a16="http://schemas.microsoft.com/office/drawing/2014/main" id="{704A5713-5DE5-65BA-6D8F-FE48495004B9}"/>
-              </a:ext>
-            </a:extLst>
-          </p:cNvPr>
-          <p:cNvPicPr>
-            <a:picLocks noChangeAspect="1"/>
-          </p:cNvPicPr>
-          <p:nvPr/>
-        </p:nvPicPr>
-        <p:blipFill>
-          <a:blip r:embed="rId2" cstate="print">
-            <a:extLst>
-              <a:ext uri="{28A0092B-C50C-407E-A947-70E740481C1C}">
-                <a14:useLocalDpi xmlns:a14="http://schemas.microsoft.com/office/drawing/2010/main" val="0"/>
-              </a:ext>
-            </a:extLst>
-          </a:blip>
-          <a:stretch>
-            <a:fillRect/>
-          </a:stretch>
-        </p:blipFill>
         <p:spPr>
           <a:xfrm>
-            <a:off x="6222213" y="4297656"/>
-            <a:ext cx="4278639" cy="2407943"/>
+            <a:off x="273377" y="1212872"/>
+            <a:ext cx="10906813" cy="3682290"/>
           </a:xfrm>
           <a:prstGeom prst="rect">
             <a:avLst/>
           </a:prstGeom>
-          <a:ln w="38100" cap="sq">
-            <a:solidFill>
-              <a:srgbClr val="000000"/>
-            </a:solidFill>
-            <a:prstDash val="solid"/>
-            <a:miter lim="800000"/>
-          </a:ln>
-          <a:effectLst>
-            <a:outerShdw blurRad="50800" dist="38100" dir="2700000" algn="tl" rotWithShape="0">
-              <a:srgbClr val="000000">
-                <a:alpha val="43000"/>
-              </a:srgbClr>
-            </a:outerShdw>
-          </a:effectLst>
+          <a:noFill/>
         </p:spPr>
-      </p:pic>
-      <p:pic>
-        <p:nvPicPr>
-          <p:cNvPr id="10" name="Picture 9">
-            <a:extLst>
-              <a:ext uri="{FF2B5EF4-FFF2-40B4-BE49-F238E27FC236}">
-                <a16:creationId xmlns:a16="http://schemas.microsoft.com/office/drawing/2014/main" id="{0A55A95C-E0FE-598D-DCAD-D6A38AB789E5}"/>
-              </a:ext>
-            </a:extLst>
-          </p:cNvPr>
-          <p:cNvPicPr>
-            <a:picLocks noChangeAspect="1"/>
-          </p:cNvPicPr>
-          <p:nvPr/>
-        </p:nvPicPr>
-        <p:blipFill>
-          <a:blip r:embed="rId3" cstate="print">
-            <a:extLst>
-              <a:ext uri="{28A0092B-C50C-407E-A947-70E740481C1C}">
-                <a14:useLocalDpi xmlns:a14="http://schemas.microsoft.com/office/drawing/2010/main" val="0"/>
-              </a:ext>
-            </a:extLst>
-          </a:blip>
-          <a:stretch>
-            <a:fillRect/>
-          </a:stretch>
-        </p:blipFill>
-        <p:spPr>
-          <a:xfrm>
-            <a:off x="1202252" y="4306529"/>
-            <a:ext cx="4058006" cy="2408903"/>
-          </a:xfrm>
-          <a:prstGeom prst="rect">
-            <a:avLst/>
-          </a:prstGeom>
-          <a:ln w="38100" cap="sq">
-            <a:solidFill>
-              <a:srgbClr val="000000"/>
-            </a:solidFill>
-            <a:prstDash val="solid"/>
-            <a:miter lim="800000"/>
-          </a:ln>
-          <a:effectLst>
-            <a:outerShdw blurRad="50800" dist="38100" dir="2700000" algn="tl" rotWithShape="0">
-              <a:srgbClr val="000000">
-                <a:alpha val="43000"/>
-              </a:srgbClr>
-            </a:outerShdw>
-          </a:effectLst>
-        </p:spPr>
-      </p:pic>
-      <p:pic>
-        <p:nvPicPr>
-          <p:cNvPr id="12" name="Picture 11">
-            <a:extLst>
-              <a:ext uri="{FF2B5EF4-FFF2-40B4-BE49-F238E27FC236}">
-                <a16:creationId xmlns:a16="http://schemas.microsoft.com/office/drawing/2014/main" id="{57992E8B-CC5B-7774-0E72-7CABD7D54205}"/>
-              </a:ext>
-            </a:extLst>
-          </p:cNvPr>
-          <p:cNvPicPr>
-            <a:picLocks noChangeAspect="1"/>
-          </p:cNvPicPr>
-          <p:nvPr/>
-        </p:nvPicPr>
-        <p:blipFill>
-          <a:blip r:embed="rId4" cstate="print">
-            <a:extLst>
-              <a:ext uri="{28A0092B-C50C-407E-A947-70E740481C1C}">
-                <a14:useLocalDpi xmlns:a14="http://schemas.microsoft.com/office/drawing/2010/main" val="0"/>
-              </a:ext>
-            </a:extLst>
-          </a:blip>
-          <a:stretch>
-            <a:fillRect/>
-          </a:stretch>
-        </p:blipFill>
-        <p:spPr>
-          <a:xfrm>
-            <a:off x="1130710" y="1376516"/>
-            <a:ext cx="4160158" cy="2191503"/>
-          </a:xfrm>
-          <a:prstGeom prst="rect">
-            <a:avLst/>
-          </a:prstGeom>
-          <a:ln w="38100" cap="sq">
-            <a:solidFill>
-              <a:srgbClr val="000000"/>
-            </a:solidFill>
-            <a:prstDash val="solid"/>
-            <a:miter lim="800000"/>
-          </a:ln>
-          <a:effectLst>
-            <a:outerShdw blurRad="50800" dist="38100" dir="2700000" algn="tl" rotWithShape="0">
-              <a:srgbClr val="000000">
-                <a:alpha val="43000"/>
-              </a:srgbClr>
-            </a:outerShdw>
-          </a:effectLst>
-        </p:spPr>
-      </p:pic>
-      <p:pic>
-        <p:nvPicPr>
-          <p:cNvPr id="14" name="Picture 13">
-            <a:extLst>
-              <a:ext uri="{FF2B5EF4-FFF2-40B4-BE49-F238E27FC236}">
-                <a16:creationId xmlns:a16="http://schemas.microsoft.com/office/drawing/2014/main" id="{8ACA0BFB-C0EC-C431-8A18-47F815BE928D}"/>
-              </a:ext>
-            </a:extLst>
-          </p:cNvPr>
-          <p:cNvPicPr>
-            <a:picLocks noChangeAspect="1"/>
-          </p:cNvPicPr>
-          <p:nvPr/>
-        </p:nvPicPr>
-        <p:blipFill>
-          <a:blip r:embed="rId5" cstate="print">
-            <a:extLst>
-              <a:ext uri="{28A0092B-C50C-407E-A947-70E740481C1C}">
-                <a14:useLocalDpi xmlns:a14="http://schemas.microsoft.com/office/drawing/2010/main" val="0"/>
-              </a:ext>
-            </a:extLst>
-          </a:blip>
-          <a:stretch>
-            <a:fillRect/>
-          </a:stretch>
-        </p:blipFill>
-        <p:spPr>
-          <a:xfrm>
-            <a:off x="6210052" y="1384101"/>
-            <a:ext cx="4208207" cy="2271251"/>
-          </a:xfrm>
-          <a:prstGeom prst="rect">
-            <a:avLst/>
-          </a:prstGeom>
-          <a:ln w="38100" cap="sq">
-            <a:solidFill>
-              <a:srgbClr val="000000"/>
-            </a:solidFill>
-            <a:prstDash val="solid"/>
-            <a:miter lim="800000"/>
-          </a:ln>
-          <a:effectLst>
-            <a:outerShdw blurRad="50800" dist="38100" dir="2700000" algn="tl" rotWithShape="0">
-              <a:srgbClr val="000000">
-                <a:alpha val="43000"/>
-              </a:srgbClr>
-            </a:outerShdw>
-          </a:effectLst>
-        </p:spPr>
-      </p:pic>
+        <p:txBody>
+          <a:bodyPr wrap="square">
+            <a:spAutoFit/>
+          </a:bodyPr>
+          <a:lstStyle/>
+          <a:p>
+            <a:pPr marL="61594" marR="111760" algn="just">
+              <a:lnSpc>
+                <a:spcPct val="100000"/>
+              </a:lnSpc>
+              <a:spcBef>
+                <a:spcPts val="434"/>
+              </a:spcBef>
+              <a:tabLst>
+                <a:tab pos="243840" algn="l"/>
+              </a:tabLst>
+            </a:pPr>
+            <a:r>
+              <a:rPr lang="en-US" dirty="0">
+                <a:cs typeface="Times New Roman"/>
+              </a:rPr>
+              <a:t>The</a:t>
+            </a:r>
+            <a:r>
+              <a:rPr lang="en-US" spc="5" dirty="0">
+                <a:cs typeface="Times New Roman"/>
+              </a:rPr>
+              <a:t> </a:t>
+            </a:r>
+            <a:r>
+              <a:rPr lang="en-US" dirty="0">
+                <a:cs typeface="Times New Roman"/>
+              </a:rPr>
+              <a:t>ICCR</a:t>
+            </a:r>
+            <a:r>
+              <a:rPr lang="en-US" spc="5" dirty="0">
+                <a:cs typeface="Times New Roman"/>
+              </a:rPr>
+              <a:t> </a:t>
+            </a:r>
+            <a:r>
+              <a:rPr lang="en-US" spc="-5" dirty="0">
+                <a:cs typeface="Times New Roman"/>
+              </a:rPr>
+              <a:t>will</a:t>
+            </a:r>
+            <a:r>
+              <a:rPr lang="en-US" dirty="0">
+                <a:cs typeface="Times New Roman"/>
+              </a:rPr>
+              <a:t> prescribed</a:t>
+            </a:r>
+            <a:r>
+              <a:rPr lang="en-US" spc="5" dirty="0">
+                <a:cs typeface="Times New Roman"/>
+              </a:rPr>
+              <a:t> </a:t>
+            </a:r>
+            <a:r>
+              <a:rPr lang="en-US" spc="-5" dirty="0">
+                <a:cs typeface="Times New Roman"/>
+              </a:rPr>
+              <a:t>an</a:t>
+            </a:r>
+            <a:r>
+              <a:rPr lang="en-US" dirty="0">
+                <a:cs typeface="Times New Roman"/>
+              </a:rPr>
+              <a:t> </a:t>
+            </a:r>
+            <a:r>
+              <a:rPr lang="en-US" b="1" dirty="0">
+                <a:cs typeface="Times New Roman"/>
+              </a:rPr>
+              <a:t>Annual</a:t>
+            </a:r>
+            <a:r>
+              <a:rPr lang="en-US" b="1" spc="5" dirty="0">
+                <a:cs typeface="Times New Roman"/>
+              </a:rPr>
+              <a:t> </a:t>
+            </a:r>
+            <a:r>
+              <a:rPr lang="en-US" b="1" spc="-5" dirty="0">
+                <a:cs typeface="Times New Roman"/>
+              </a:rPr>
+              <a:t>Calendar</a:t>
+            </a:r>
+            <a:r>
+              <a:rPr lang="en-US" b="1" dirty="0">
+                <a:cs typeface="Times New Roman"/>
+              </a:rPr>
+              <a:t> </a:t>
+            </a:r>
+            <a:r>
+              <a:rPr lang="en-US" b="1" spc="-10" dirty="0">
+                <a:cs typeface="Times New Roman"/>
+              </a:rPr>
+              <a:t>(Quarter-wise </a:t>
+            </a:r>
+            <a:r>
+              <a:rPr lang="en-US" b="1" spc="-5" dirty="0">
+                <a:cs typeface="Times New Roman"/>
+              </a:rPr>
+              <a:t> </a:t>
+            </a:r>
+            <a:r>
+              <a:rPr lang="en-US" b="1" dirty="0">
+                <a:cs typeface="Times New Roman"/>
+              </a:rPr>
+              <a:t>Schedule)</a:t>
+            </a:r>
+            <a:r>
+              <a:rPr lang="en-US" b="1" spc="-25" dirty="0">
+                <a:cs typeface="Times New Roman"/>
+              </a:rPr>
+              <a:t> </a:t>
+            </a:r>
+            <a:r>
+              <a:rPr lang="en-US" spc="5" dirty="0">
+                <a:cs typeface="Times New Roman"/>
+              </a:rPr>
+              <a:t>of</a:t>
+            </a:r>
+            <a:r>
+              <a:rPr lang="en-US" spc="-10" dirty="0">
+                <a:cs typeface="Times New Roman"/>
+              </a:rPr>
+              <a:t> </a:t>
+            </a:r>
+            <a:r>
+              <a:rPr lang="en-US" spc="-5" dirty="0">
+                <a:cs typeface="Times New Roman"/>
+              </a:rPr>
+              <a:t>activities</a:t>
+            </a:r>
+            <a:r>
+              <a:rPr lang="en-US" dirty="0">
+                <a:cs typeface="Times New Roman"/>
+              </a:rPr>
+              <a:t> </a:t>
+            </a:r>
+            <a:r>
+              <a:rPr lang="en-US" spc="-5" dirty="0">
+                <a:cs typeface="Times New Roman"/>
+              </a:rPr>
+              <a:t>for</a:t>
+            </a:r>
+            <a:r>
+              <a:rPr lang="en-US" spc="5" dirty="0">
+                <a:cs typeface="Times New Roman"/>
+              </a:rPr>
+              <a:t> </a:t>
+            </a:r>
+            <a:r>
+              <a:rPr lang="en-US" dirty="0">
+                <a:cs typeface="Times New Roman"/>
+              </a:rPr>
+              <a:t>regional</a:t>
+            </a:r>
+            <a:r>
+              <a:rPr lang="en-US" spc="-40" dirty="0">
+                <a:cs typeface="Times New Roman"/>
+              </a:rPr>
+              <a:t> </a:t>
+            </a:r>
+            <a:r>
+              <a:rPr lang="en-US" spc="-10" dirty="0">
+                <a:cs typeface="Times New Roman"/>
+              </a:rPr>
+              <a:t>office.</a:t>
+            </a:r>
+            <a:endParaRPr lang="en-US" dirty="0">
+              <a:cs typeface="Times New Roman"/>
+            </a:endParaRPr>
+          </a:p>
+          <a:p>
+            <a:pPr marL="243204" marR="112395" indent="-181610" algn="just">
+              <a:lnSpc>
+                <a:spcPct val="98900"/>
+              </a:lnSpc>
+              <a:spcBef>
+                <a:spcPts val="20"/>
+              </a:spcBef>
+              <a:buFont typeface="Arial MT"/>
+              <a:buChar char="•"/>
+              <a:tabLst>
+                <a:tab pos="243840" algn="l"/>
+              </a:tabLst>
+            </a:pPr>
+            <a:r>
+              <a:rPr lang="en-US" spc="-50" dirty="0">
+                <a:cs typeface="Times New Roman"/>
+              </a:rPr>
+              <a:t>To </a:t>
+            </a:r>
+            <a:r>
+              <a:rPr lang="en-US" dirty="0">
+                <a:cs typeface="Times New Roman"/>
+              </a:rPr>
+              <a:t>Create </a:t>
+            </a:r>
+            <a:r>
+              <a:rPr lang="en-US" spc="-5" dirty="0">
+                <a:cs typeface="Times New Roman"/>
+              </a:rPr>
+              <a:t>the Online Monitoring and Evaluation </a:t>
+            </a:r>
+            <a:r>
+              <a:rPr lang="en-US" dirty="0">
+                <a:cs typeface="Times New Roman"/>
+              </a:rPr>
+              <a:t>System </a:t>
+            </a:r>
+            <a:r>
+              <a:rPr lang="en-US" spc="-5" dirty="0">
+                <a:cs typeface="Times New Roman"/>
+              </a:rPr>
+              <a:t>for </a:t>
+            </a:r>
+            <a:r>
+              <a:rPr lang="en-US" spc="-15" dirty="0">
+                <a:cs typeface="Times New Roman"/>
+              </a:rPr>
+              <a:t>ICCR’s </a:t>
+            </a:r>
+            <a:r>
+              <a:rPr lang="en-US" spc="-10" dirty="0">
+                <a:cs typeface="Times New Roman"/>
+              </a:rPr>
+              <a:t> </a:t>
+            </a:r>
+            <a:r>
+              <a:rPr lang="en-US" dirty="0">
+                <a:cs typeface="Times New Roman"/>
+              </a:rPr>
+              <a:t>Regional </a:t>
+            </a:r>
+            <a:r>
+              <a:rPr lang="en-US" spc="-5" dirty="0">
+                <a:cs typeface="Times New Roman"/>
+              </a:rPr>
+              <a:t>Offices(ROs), the </a:t>
+            </a:r>
+            <a:r>
+              <a:rPr lang="en-US" spc="-10" dirty="0">
+                <a:cs typeface="Times New Roman"/>
+              </a:rPr>
+              <a:t>solution </a:t>
+            </a:r>
+            <a:r>
+              <a:rPr lang="en-US" dirty="0">
+                <a:cs typeface="Times New Roman"/>
+              </a:rPr>
+              <a:t>proposes </a:t>
+            </a:r>
+            <a:r>
+              <a:rPr lang="en-US" spc="-5" dirty="0">
+                <a:cs typeface="Times New Roman"/>
+              </a:rPr>
+              <a:t>to divide the activities in </a:t>
+            </a:r>
+            <a:r>
+              <a:rPr lang="en-US" dirty="0">
+                <a:cs typeface="Times New Roman"/>
+              </a:rPr>
+              <a:t> </a:t>
+            </a:r>
+            <a:r>
+              <a:rPr lang="en-US" b="1" spc="-5" dirty="0">
+                <a:cs typeface="Times New Roman"/>
+              </a:rPr>
+              <a:t>three</a:t>
+            </a:r>
+            <a:r>
+              <a:rPr lang="en-US" b="1" spc="-15" dirty="0">
+                <a:cs typeface="Times New Roman"/>
+              </a:rPr>
+              <a:t> </a:t>
+            </a:r>
+            <a:r>
+              <a:rPr lang="en-US" b="1" spc="-5" dirty="0">
+                <a:cs typeface="Times New Roman"/>
+              </a:rPr>
+              <a:t>different</a:t>
+            </a:r>
+            <a:r>
+              <a:rPr lang="en-US" b="1" spc="-20" dirty="0">
+                <a:cs typeface="Times New Roman"/>
+              </a:rPr>
+              <a:t> </a:t>
+            </a:r>
+            <a:r>
+              <a:rPr lang="en-US" b="1" dirty="0">
+                <a:cs typeface="Times New Roman"/>
+              </a:rPr>
+              <a:t>types.</a:t>
+            </a:r>
+            <a:r>
+              <a:rPr lang="en-US" b="1" spc="-30" dirty="0">
+                <a:cs typeface="Times New Roman"/>
+              </a:rPr>
+              <a:t> </a:t>
+            </a:r>
+            <a:r>
+              <a:rPr lang="en-US" dirty="0">
+                <a:cs typeface="Times New Roman"/>
+              </a:rPr>
+              <a:t>The</a:t>
+            </a:r>
+            <a:r>
+              <a:rPr lang="en-US" spc="-15" dirty="0">
+                <a:cs typeface="Times New Roman"/>
+              </a:rPr>
+              <a:t> </a:t>
+            </a:r>
+            <a:r>
+              <a:rPr lang="en-US" spc="-5" dirty="0">
+                <a:cs typeface="Times New Roman"/>
+              </a:rPr>
+              <a:t>activities</a:t>
+            </a:r>
+            <a:r>
+              <a:rPr lang="en-US" spc="10" dirty="0">
+                <a:cs typeface="Times New Roman"/>
+              </a:rPr>
+              <a:t> </a:t>
+            </a:r>
+            <a:r>
+              <a:rPr lang="en-US" dirty="0">
+                <a:cs typeface="Times New Roman"/>
+              </a:rPr>
+              <a:t>are</a:t>
+            </a:r>
+            <a:r>
+              <a:rPr lang="en-US" spc="-10" dirty="0">
+                <a:cs typeface="Times New Roman"/>
+              </a:rPr>
+              <a:t> </a:t>
+            </a:r>
+            <a:r>
+              <a:rPr lang="en-US" spc="-5" dirty="0">
+                <a:cs typeface="Times New Roman"/>
+              </a:rPr>
+              <a:t>classified</a:t>
+            </a:r>
+            <a:r>
+              <a:rPr lang="en-US" dirty="0">
+                <a:cs typeface="Times New Roman"/>
+              </a:rPr>
+              <a:t> </a:t>
+            </a:r>
+            <a:r>
+              <a:rPr lang="en-US" spc="-5" dirty="0">
+                <a:cs typeface="Times New Roman"/>
+              </a:rPr>
+              <a:t>as:</a:t>
+            </a:r>
+          </a:p>
+          <a:p>
+            <a:pPr marL="61594" marR="112395" algn="just">
+              <a:lnSpc>
+                <a:spcPct val="98900"/>
+              </a:lnSpc>
+              <a:spcBef>
+                <a:spcPts val="20"/>
+              </a:spcBef>
+              <a:tabLst>
+                <a:tab pos="243840" algn="l"/>
+              </a:tabLst>
+            </a:pPr>
+            <a:endParaRPr lang="en-US" spc="-5" dirty="0">
+              <a:cs typeface="Times New Roman"/>
+            </a:endParaRPr>
+          </a:p>
+          <a:p>
+            <a:pPr marL="243204" marR="112395" indent="-181610" algn="just">
+              <a:lnSpc>
+                <a:spcPct val="98900"/>
+              </a:lnSpc>
+              <a:spcBef>
+                <a:spcPts val="20"/>
+              </a:spcBef>
+              <a:buFont typeface="Arial MT"/>
+              <a:buChar char="•"/>
+              <a:tabLst>
+                <a:tab pos="243840" algn="l"/>
+              </a:tabLst>
+            </a:pPr>
+            <a:endParaRPr lang="en-US" dirty="0">
+              <a:cs typeface="Times New Roman"/>
+            </a:endParaRPr>
+          </a:p>
+          <a:p>
+            <a:pPr marL="319405" marR="111760" lvl="1" algn="just">
+              <a:lnSpc>
+                <a:spcPct val="100000"/>
+              </a:lnSpc>
+              <a:spcBef>
+                <a:spcPts val="35"/>
+              </a:spcBef>
+              <a:tabLst>
+                <a:tab pos="510540" algn="l"/>
+              </a:tabLst>
+            </a:pPr>
+            <a:r>
+              <a:rPr lang="en-US" b="1" dirty="0">
+                <a:cs typeface="Times New Roman"/>
+              </a:rPr>
+              <a:t>1.</a:t>
+            </a:r>
+            <a:r>
+              <a:rPr lang="en-US" b="1" u="sng" dirty="0">
+                <a:cs typeface="Times New Roman"/>
+              </a:rPr>
+              <a:t>ICCR Annual </a:t>
+            </a:r>
+            <a:r>
+              <a:rPr lang="en-US" b="1" u="sng" spc="-5" dirty="0">
+                <a:cs typeface="Times New Roman"/>
+              </a:rPr>
+              <a:t>Calendar Activity: </a:t>
+            </a:r>
+            <a:r>
+              <a:rPr lang="en-US" spc="-5" dirty="0">
+                <a:cs typeface="Times New Roman"/>
+              </a:rPr>
+              <a:t>Regional Office </a:t>
+            </a:r>
+            <a:r>
+              <a:rPr lang="en-US" dirty="0">
+                <a:cs typeface="Times New Roman"/>
+              </a:rPr>
+              <a:t>have </a:t>
+            </a:r>
+            <a:r>
+              <a:rPr lang="en-US" spc="-5" dirty="0">
+                <a:cs typeface="Times New Roman"/>
+              </a:rPr>
+              <a:t>to </a:t>
+            </a:r>
+            <a:r>
+              <a:rPr lang="en-US" b="1" spc="-5" dirty="0">
+                <a:cs typeface="Times New Roman"/>
+              </a:rPr>
+              <a:t>select </a:t>
+            </a:r>
+            <a:r>
+              <a:rPr lang="en-US" b="1" dirty="0">
+                <a:cs typeface="Times New Roman"/>
+              </a:rPr>
+              <a:t> </a:t>
+            </a:r>
+            <a:r>
+              <a:rPr lang="en-US" b="1" spc="-5" dirty="0">
+                <a:cs typeface="Times New Roman"/>
+              </a:rPr>
+              <a:t>minimum</a:t>
+            </a:r>
+            <a:r>
+              <a:rPr lang="en-US" b="1" dirty="0">
+                <a:cs typeface="Times New Roman"/>
+              </a:rPr>
+              <a:t> number</a:t>
+            </a:r>
+            <a:r>
+              <a:rPr lang="en-US" b="1" spc="5" dirty="0">
+                <a:cs typeface="Times New Roman"/>
+              </a:rPr>
+              <a:t> of</a:t>
+            </a:r>
+            <a:r>
+              <a:rPr lang="en-US" b="1" spc="350" dirty="0">
+                <a:cs typeface="Times New Roman"/>
+              </a:rPr>
+              <a:t> </a:t>
+            </a:r>
+            <a:r>
+              <a:rPr lang="en-US" b="1" spc="-5" dirty="0">
+                <a:cs typeface="Times New Roman"/>
+              </a:rPr>
+              <a:t>prescribed</a:t>
+            </a:r>
+            <a:r>
+              <a:rPr lang="en-US" b="1" dirty="0">
+                <a:cs typeface="Times New Roman"/>
+              </a:rPr>
+              <a:t> </a:t>
+            </a:r>
+            <a:r>
+              <a:rPr lang="en-US" b="1" spc="-5" dirty="0">
+                <a:cs typeface="Times New Roman"/>
+              </a:rPr>
+              <a:t>activities</a:t>
+            </a:r>
+            <a:r>
+              <a:rPr lang="en-US" b="1" dirty="0">
+                <a:cs typeface="Times New Roman"/>
+              </a:rPr>
+              <a:t> </a:t>
+            </a:r>
+            <a:r>
+              <a:rPr lang="en-US" b="1" spc="-10" dirty="0">
+                <a:cs typeface="Times New Roman"/>
+              </a:rPr>
+              <a:t>from</a:t>
+            </a:r>
+            <a:r>
+              <a:rPr lang="en-US" b="1" spc="-5" dirty="0">
+                <a:cs typeface="Times New Roman"/>
+              </a:rPr>
+              <a:t> annual </a:t>
+            </a:r>
+            <a:r>
+              <a:rPr lang="en-US" b="1" dirty="0">
+                <a:cs typeface="Times New Roman"/>
+              </a:rPr>
+              <a:t> </a:t>
+            </a:r>
+            <a:r>
+              <a:rPr lang="en-US" b="1" spc="-15" dirty="0">
+                <a:cs typeface="Times New Roman"/>
+              </a:rPr>
+              <a:t>calendar,</a:t>
+            </a:r>
+            <a:r>
+              <a:rPr lang="en-US" b="1" spc="-35" dirty="0">
+                <a:cs typeface="Times New Roman"/>
+              </a:rPr>
+              <a:t> </a:t>
+            </a:r>
+            <a:r>
+              <a:rPr lang="en-US" dirty="0">
+                <a:cs typeface="Times New Roman"/>
+              </a:rPr>
+              <a:t>conduct</a:t>
+            </a:r>
+            <a:r>
+              <a:rPr lang="en-US" spc="-40" dirty="0">
+                <a:cs typeface="Times New Roman"/>
+              </a:rPr>
+              <a:t> </a:t>
+            </a:r>
+            <a:r>
+              <a:rPr lang="en-US" dirty="0">
+                <a:cs typeface="Times New Roman"/>
+              </a:rPr>
+              <a:t>them</a:t>
+            </a:r>
+            <a:r>
+              <a:rPr lang="en-US" spc="-15" dirty="0">
+                <a:cs typeface="Times New Roman"/>
+              </a:rPr>
+              <a:t> </a:t>
+            </a:r>
+            <a:r>
+              <a:rPr lang="en-US" dirty="0">
+                <a:cs typeface="Times New Roman"/>
+              </a:rPr>
+              <a:t>and</a:t>
+            </a:r>
+            <a:r>
+              <a:rPr lang="en-US" spc="-5" dirty="0">
+                <a:cs typeface="Times New Roman"/>
+              </a:rPr>
+              <a:t> </a:t>
+            </a:r>
+            <a:r>
+              <a:rPr lang="en-US" dirty="0">
+                <a:cs typeface="Times New Roman"/>
+              </a:rPr>
+              <a:t>upload</a:t>
+            </a:r>
+            <a:r>
+              <a:rPr lang="en-US" spc="-30" dirty="0">
+                <a:cs typeface="Times New Roman"/>
+              </a:rPr>
+              <a:t> </a:t>
+            </a:r>
+            <a:r>
+              <a:rPr lang="en-US" spc="-5" dirty="0">
+                <a:cs typeface="Times New Roman"/>
+              </a:rPr>
+              <a:t>their</a:t>
+            </a:r>
+            <a:r>
+              <a:rPr lang="en-US" spc="5" dirty="0">
+                <a:cs typeface="Times New Roman"/>
+              </a:rPr>
+              <a:t> </a:t>
+            </a:r>
+            <a:r>
+              <a:rPr lang="en-US" dirty="0">
+                <a:cs typeface="Times New Roman"/>
+              </a:rPr>
+              <a:t>report.</a:t>
+            </a:r>
+          </a:p>
+          <a:p>
+            <a:pPr marL="319405" marR="111760" lvl="1" algn="just">
+              <a:lnSpc>
+                <a:spcPct val="100000"/>
+              </a:lnSpc>
+              <a:spcBef>
+                <a:spcPts val="35"/>
+              </a:spcBef>
+              <a:tabLst>
+                <a:tab pos="510540" algn="l"/>
+              </a:tabLst>
+            </a:pPr>
+            <a:endParaRPr lang="en-US" dirty="0">
+              <a:cs typeface="Times New Roman"/>
+            </a:endParaRPr>
+          </a:p>
+          <a:p>
+            <a:pPr marL="319405" marR="113030" lvl="1" algn="just">
+              <a:lnSpc>
+                <a:spcPct val="100000"/>
+              </a:lnSpc>
+              <a:tabLst>
+                <a:tab pos="510540" algn="l"/>
+              </a:tabLst>
+            </a:pPr>
+            <a:r>
+              <a:rPr lang="en-US" b="1" spc="-5" dirty="0">
+                <a:cs typeface="Times New Roman"/>
+              </a:rPr>
+              <a:t>2.</a:t>
+            </a:r>
+            <a:r>
+              <a:rPr lang="en-US" b="1" u="sng" spc="-5" dirty="0">
+                <a:cs typeface="Times New Roman"/>
+              </a:rPr>
+              <a:t>Self-Driven Activities:  </a:t>
+            </a:r>
+            <a:r>
+              <a:rPr lang="en-US" dirty="0">
+                <a:cs typeface="Times New Roman"/>
+              </a:rPr>
+              <a:t>Regional </a:t>
+            </a:r>
+            <a:r>
+              <a:rPr lang="en-US" spc="-5" dirty="0">
+                <a:cs typeface="Times New Roman"/>
+              </a:rPr>
+              <a:t>Offices </a:t>
+            </a:r>
+            <a:r>
+              <a:rPr lang="en-US" dirty="0">
+                <a:cs typeface="Times New Roman"/>
+              </a:rPr>
+              <a:t>are </a:t>
+            </a:r>
+            <a:r>
+              <a:rPr lang="en-US" spc="-5" dirty="0">
+                <a:cs typeface="Times New Roman"/>
+              </a:rPr>
+              <a:t>situated in states with </a:t>
+            </a:r>
+            <a:r>
+              <a:rPr lang="en-US" dirty="0">
+                <a:cs typeface="Times New Roman"/>
+              </a:rPr>
+              <a:t> diverse cultures, </a:t>
+            </a:r>
+            <a:r>
+              <a:rPr lang="en-US" spc="-5" dirty="0">
+                <a:cs typeface="Times New Roman"/>
+              </a:rPr>
+              <a:t>thus </a:t>
+            </a:r>
+            <a:r>
+              <a:rPr lang="en-US" dirty="0">
+                <a:cs typeface="Times New Roman"/>
+              </a:rPr>
+              <a:t>regional </a:t>
+            </a:r>
+            <a:r>
+              <a:rPr lang="en-US" spc="-10" dirty="0">
+                <a:cs typeface="Times New Roman"/>
+              </a:rPr>
+              <a:t>offices </a:t>
+            </a:r>
+            <a:r>
+              <a:rPr lang="en-US" dirty="0">
+                <a:cs typeface="Times New Roman"/>
+              </a:rPr>
+              <a:t>are </a:t>
+            </a:r>
+            <a:r>
+              <a:rPr lang="en-US" spc="-5" dirty="0">
+                <a:cs typeface="Times New Roman"/>
+              </a:rPr>
+              <a:t>encouraged to conduct </a:t>
+            </a:r>
+            <a:r>
+              <a:rPr lang="en-US" dirty="0">
+                <a:cs typeface="Times New Roman"/>
+              </a:rPr>
+              <a:t> self-driven</a:t>
+            </a:r>
+            <a:r>
+              <a:rPr lang="en-US" spc="-25" dirty="0">
+                <a:cs typeface="Times New Roman"/>
+              </a:rPr>
+              <a:t> </a:t>
+            </a:r>
+            <a:r>
+              <a:rPr lang="en-US" spc="-5" dirty="0">
+                <a:cs typeface="Times New Roman"/>
+              </a:rPr>
+              <a:t>activities</a:t>
+            </a:r>
+            <a:r>
+              <a:rPr lang="en-US" dirty="0">
+                <a:cs typeface="Times New Roman"/>
+              </a:rPr>
+              <a:t> </a:t>
+            </a:r>
+            <a:r>
+              <a:rPr lang="en-US" spc="-5" dirty="0">
+                <a:cs typeface="Times New Roman"/>
+              </a:rPr>
+              <a:t>promoting</a:t>
+            </a:r>
+            <a:r>
+              <a:rPr lang="en-US" spc="-25" dirty="0">
+                <a:cs typeface="Times New Roman"/>
+              </a:rPr>
+              <a:t> </a:t>
+            </a:r>
+            <a:r>
+              <a:rPr lang="en-US" dirty="0">
+                <a:cs typeface="Times New Roman"/>
+              </a:rPr>
+              <a:t>regional</a:t>
+            </a:r>
+            <a:r>
+              <a:rPr lang="en-US" spc="-30" dirty="0">
+                <a:cs typeface="Times New Roman"/>
+              </a:rPr>
+              <a:t> </a:t>
+            </a:r>
+            <a:r>
+              <a:rPr lang="en-US" dirty="0">
+                <a:cs typeface="Times New Roman"/>
+              </a:rPr>
+              <a:t>culture.</a:t>
+            </a:r>
+          </a:p>
+          <a:p>
+            <a:pPr marL="319405" marR="113030" lvl="1" algn="just">
+              <a:lnSpc>
+                <a:spcPct val="100000"/>
+              </a:lnSpc>
+              <a:tabLst>
+                <a:tab pos="510540" algn="l"/>
+              </a:tabLst>
+            </a:pPr>
+            <a:endParaRPr lang="en-US" dirty="0">
+              <a:cs typeface="Times New Roman"/>
+            </a:endParaRPr>
+          </a:p>
+          <a:p>
+            <a:pPr marL="319405" marR="111760" lvl="1" algn="just">
+              <a:lnSpc>
+                <a:spcPct val="100000"/>
+              </a:lnSpc>
+              <a:tabLst>
+                <a:tab pos="510540" algn="l"/>
+              </a:tabLst>
+            </a:pPr>
+            <a:r>
+              <a:rPr lang="en-US" b="1" dirty="0">
+                <a:cs typeface="Times New Roman"/>
+              </a:rPr>
+              <a:t>3.</a:t>
+            </a:r>
+            <a:r>
+              <a:rPr lang="en-US" b="1" u="sng" dirty="0">
+                <a:cs typeface="Times New Roman"/>
+              </a:rPr>
+              <a:t>ICCR HQ </a:t>
+            </a:r>
+            <a:r>
+              <a:rPr lang="en-US" b="1" u="sng" spc="-5" dirty="0">
+                <a:cs typeface="Times New Roman"/>
+              </a:rPr>
+              <a:t>Driven Activities:  </a:t>
+            </a:r>
+            <a:r>
+              <a:rPr lang="en-US" dirty="0">
+                <a:cs typeface="Times New Roman"/>
+              </a:rPr>
+              <a:t>The ICCR </a:t>
+            </a:r>
+            <a:r>
+              <a:rPr lang="en-US" spc="-5" dirty="0">
+                <a:cs typeface="Times New Roman"/>
+              </a:rPr>
+              <a:t>HQ at national </a:t>
+            </a:r>
+            <a:r>
+              <a:rPr lang="en-US" dirty="0">
+                <a:cs typeface="Times New Roman"/>
+              </a:rPr>
+              <a:t>level </a:t>
+            </a:r>
+            <a:r>
+              <a:rPr lang="en-US" spc="-5" dirty="0">
+                <a:cs typeface="Times New Roman"/>
+              </a:rPr>
+              <a:t>may </a:t>
+            </a:r>
+            <a:r>
+              <a:rPr lang="en-US" dirty="0">
+                <a:cs typeface="Times New Roman"/>
+              </a:rPr>
+              <a:t> also </a:t>
+            </a:r>
+            <a:r>
+              <a:rPr lang="en-US" spc="-5" dirty="0">
+                <a:cs typeface="Times New Roman"/>
+              </a:rPr>
+              <a:t>conduct activities different from Annual </a:t>
+            </a:r>
+            <a:r>
+              <a:rPr lang="en-US" spc="-10" dirty="0">
+                <a:cs typeface="Times New Roman"/>
+              </a:rPr>
+              <a:t>Calendar, </a:t>
+            </a:r>
+            <a:r>
+              <a:rPr lang="en-US" spc="-25" dirty="0">
+                <a:cs typeface="Times New Roman"/>
+              </a:rPr>
+              <a:t>RO’s </a:t>
+            </a:r>
+            <a:r>
+              <a:rPr lang="en-US" spc="-5" dirty="0">
+                <a:cs typeface="Times New Roman"/>
+              </a:rPr>
+              <a:t>will </a:t>
+            </a:r>
+            <a:r>
+              <a:rPr lang="en-US" dirty="0">
+                <a:cs typeface="Times New Roman"/>
+              </a:rPr>
+              <a:t> participate</a:t>
+            </a:r>
+            <a:r>
+              <a:rPr lang="en-US" spc="-25" dirty="0">
+                <a:cs typeface="Times New Roman"/>
+              </a:rPr>
+              <a:t> </a:t>
+            </a:r>
+            <a:r>
+              <a:rPr lang="en-US" spc="-5" dirty="0">
+                <a:cs typeface="Times New Roman"/>
+              </a:rPr>
+              <a:t>in</a:t>
+            </a:r>
+            <a:r>
+              <a:rPr lang="en-US" dirty="0">
+                <a:cs typeface="Times New Roman"/>
+              </a:rPr>
+              <a:t> those</a:t>
+            </a:r>
+            <a:r>
+              <a:rPr lang="en-US" spc="-30" dirty="0">
+                <a:cs typeface="Times New Roman"/>
+              </a:rPr>
+              <a:t> </a:t>
+            </a:r>
+            <a:r>
+              <a:rPr lang="en-US" spc="-5" dirty="0">
+                <a:cs typeface="Times New Roman"/>
+              </a:rPr>
+              <a:t>activities</a:t>
+            </a:r>
+            <a:r>
+              <a:rPr lang="en-US" spc="5" dirty="0">
+                <a:cs typeface="Times New Roman"/>
+              </a:rPr>
+              <a:t> </a:t>
+            </a:r>
+            <a:r>
+              <a:rPr lang="en-US" dirty="0">
+                <a:cs typeface="Times New Roman"/>
+              </a:rPr>
+              <a:t>and</a:t>
+            </a:r>
+            <a:r>
+              <a:rPr lang="en-US" spc="-20" dirty="0">
+                <a:cs typeface="Times New Roman"/>
+              </a:rPr>
+              <a:t> </a:t>
+            </a:r>
+            <a:r>
+              <a:rPr lang="en-US" dirty="0">
+                <a:cs typeface="Times New Roman"/>
+              </a:rPr>
+              <a:t>upload</a:t>
+            </a:r>
+            <a:r>
+              <a:rPr lang="en-US" spc="-25" dirty="0">
+                <a:cs typeface="Times New Roman"/>
+              </a:rPr>
+              <a:t> </a:t>
+            </a:r>
+            <a:r>
+              <a:rPr lang="en-US" spc="-5" dirty="0">
+                <a:cs typeface="Times New Roman"/>
+              </a:rPr>
+              <a:t>its </a:t>
+            </a:r>
+            <a:r>
+              <a:rPr lang="en-US" dirty="0">
+                <a:cs typeface="Times New Roman"/>
+              </a:rPr>
+              <a:t>report.</a:t>
+            </a:r>
+          </a:p>
+        </p:txBody>
+      </p:sp>
     </p:spTree>
     <p:extLst>
       <p:ext uri="{BB962C8B-B14F-4D97-AF65-F5344CB8AC3E}">
-        <p14:creationId xmlns:p14="http://schemas.microsoft.com/office/powerpoint/2010/main" val="1370028451"/>
+        <p14:creationId xmlns:p14="http://schemas.microsoft.com/office/powerpoint/2010/main" val="175858281"/>
       </p:ext>
     </p:extLst>
   </p:cSld>

--- a/Progress 1 submitted.pptx
+++ b/Progress 1 submitted.pptx
@@ -226,7 +226,7 @@
           <a:p>
             <a:fld id="{EA356784-D59E-4D6A-B4FA-F36E59DD88B1}" type="datetimeFigureOut">
               <a:rPr lang="en-IN" smtClean="0"/>
-              <a:t>07-11-2022</a:t>
+              <a:t>08-11-2022</a:t>
             </a:fld>
             <a:endParaRPr lang="en-IN"/>
           </a:p>
@@ -391,7 +391,7 @@
           <a:p>
             <a:fld id="{02E02E51-5D16-47C7-947F-72F0C537B808}" type="datetimeFigureOut">
               <a:rPr lang="en-IN" smtClean="0"/>
-              <a:t>06-11-2022</a:t>
+              <a:t>08-11-2022</a:t>
             </a:fld>
             <a:endParaRPr lang="en-IN"/>
           </a:p>
@@ -1233,7 +1233,7 @@
           <a:p>
             <a:fld id="{A26A2EF8-DE20-42F7-A9BD-EA2B260AC3A5}" type="datetime1">
               <a:rPr lang="en-IN" smtClean="0"/>
-              <a:t>06-11-2022</a:t>
+              <a:t>08-11-2022</a:t>
             </a:fld>
             <a:endParaRPr lang="en-IN"/>
           </a:p>
@@ -1458,7 +1458,7 @@
           <a:p>
             <a:fld id="{DD3E76D1-DCA2-4F32-AE81-9F0948AF8C53}" type="datetime1">
               <a:rPr lang="en-IN" smtClean="0"/>
-              <a:t>06-11-2022</a:t>
+              <a:t>08-11-2022</a:t>
             </a:fld>
             <a:endParaRPr lang="en-IN"/>
           </a:p>
@@ -1719,7 +1719,7 @@
           <a:p>
             <a:fld id="{04ADB005-2E3D-41BC-9D73-934276C3D2AB}" type="datetime1">
               <a:rPr lang="en-IN" smtClean="0"/>
-              <a:t>06-11-2022</a:t>
+              <a:t>08-11-2022</a:t>
             </a:fld>
             <a:endParaRPr lang="en-IN"/>
           </a:p>
@@ -1998,7 +1998,7 @@
           <a:p>
             <a:fld id="{234C39E7-B894-437B-8BC2-870DB2ED1B88}" type="datetime1">
               <a:rPr lang="en-IN" smtClean="0"/>
-              <a:t>06-11-2022</a:t>
+              <a:t>08-11-2022</a:t>
             </a:fld>
             <a:endParaRPr lang="en-IN"/>
           </a:p>
@@ -2240,7 +2240,7 @@
           <a:p>
             <a:fld id="{CDF5EC52-C720-4000-A582-47A37DCA43AA}" type="datetime1">
               <a:rPr lang="en-IN" smtClean="0"/>
-              <a:t>06-11-2022</a:t>
+              <a:t>08-11-2022</a:t>
             </a:fld>
             <a:endParaRPr lang="en-IN"/>
           </a:p>
@@ -2692,7 +2692,7 @@
           <a:p>
             <a:fld id="{EDCBBD27-F186-4941-B095-28418B72E876}" type="datetime1">
               <a:rPr lang="en-IN" smtClean="0"/>
-              <a:t>06-11-2022</a:t>
+              <a:t>08-11-2022</a:t>
             </a:fld>
             <a:endParaRPr lang="en-IN"/>
           </a:p>
@@ -2900,7 +2900,7 @@
           <a:p>
             <a:fld id="{1840DB68-5EB6-45CB-82F3-37E85B95C0AD}" type="datetime1">
               <a:rPr lang="en-IN" smtClean="0"/>
-              <a:t>06-11-2022</a:t>
+              <a:t>08-11-2022</a:t>
             </a:fld>
             <a:endParaRPr lang="en-IN"/>
           </a:p>
@@ -3108,7 +3108,7 @@
           <a:p>
             <a:fld id="{7A7C3D6F-9AA5-4546-BF28-226FCBFE08FF}" type="datetime1">
               <a:rPr lang="en-IN" smtClean="0"/>
-              <a:t>06-11-2022</a:t>
+              <a:t>08-11-2022</a:t>
             </a:fld>
             <a:endParaRPr lang="en-IN"/>
           </a:p>
@@ -3418,7 +3418,7 @@
           <a:p>
             <a:fld id="{7A5B77F8-8600-4DD3-BF26-CA11CA162D17}" type="datetime1">
               <a:rPr lang="en-IN" smtClean="0"/>
-              <a:t>06-11-2022</a:t>
+              <a:t>08-11-2022</a:t>
             </a:fld>
             <a:endParaRPr lang="en-IN"/>
           </a:p>
@@ -3667,7 +3667,7 @@
           <a:p>
             <a:fld id="{D3532BB8-FB68-4FD6-910E-036F28666962}" type="datetime1">
               <a:rPr lang="en-IN" smtClean="0"/>
-              <a:t>06-11-2022</a:t>
+              <a:t>08-11-2022</a:t>
             </a:fld>
             <a:endParaRPr lang="en-IN"/>
           </a:p>
@@ -4729,7 +4729,7 @@
           <a:p>
             <a:fld id="{04ADB005-2E3D-41BC-9D73-934276C3D2AB}" type="datetime1">
               <a:rPr lang="en-IN" smtClean="0"/>
-              <a:t>06-11-2022</a:t>
+              <a:t>08-11-2022</a:t>
             </a:fld>
             <a:endParaRPr lang="en-IN"/>
           </a:p>

--- a/Progress 1 submitted.pptx
+++ b/Progress 1 submitted.pptx
@@ -229,7 +229,7 @@
           <a:p>
             <a:fld id="{EA356784-D59E-4D6A-B4FA-F36E59DD88B1}" type="datetimeFigureOut">
               <a:rPr lang="en-IN" smtClean="0"/>
-              <a:t>08-11-2022</a:t>
+              <a:t>16-11-2022</a:t>
             </a:fld>
             <a:endParaRPr lang="en-IN"/>
           </a:p>
@@ -394,7 +394,7 @@
           <a:p>
             <a:fld id="{02E02E51-5D16-47C7-947F-72F0C537B808}" type="datetimeFigureOut">
               <a:rPr lang="en-IN" smtClean="0"/>
-              <a:t>08-11-2022</a:t>
+              <a:t>16-11-2022</a:t>
             </a:fld>
             <a:endParaRPr lang="en-IN"/>
           </a:p>
@@ -1404,7 +1404,7 @@
           <a:p>
             <a:fld id="{A26A2EF8-DE20-42F7-A9BD-EA2B260AC3A5}" type="datetime1">
               <a:rPr lang="en-IN" smtClean="0"/>
-              <a:t>08-11-2022</a:t>
+              <a:t>16-11-2022</a:t>
             </a:fld>
             <a:endParaRPr lang="en-IN"/>
           </a:p>
@@ -1629,7 +1629,7 @@
           <a:p>
             <a:fld id="{DD3E76D1-DCA2-4F32-AE81-9F0948AF8C53}" type="datetime1">
               <a:rPr lang="en-IN" smtClean="0"/>
-              <a:t>08-11-2022</a:t>
+              <a:t>16-11-2022</a:t>
             </a:fld>
             <a:endParaRPr lang="en-IN"/>
           </a:p>
@@ -1890,7 +1890,7 @@
           <a:p>
             <a:fld id="{04ADB005-2E3D-41BC-9D73-934276C3D2AB}" type="datetime1">
               <a:rPr lang="en-IN" smtClean="0"/>
-              <a:t>08-11-2022</a:t>
+              <a:t>16-11-2022</a:t>
             </a:fld>
             <a:endParaRPr lang="en-IN"/>
           </a:p>
@@ -2169,7 +2169,7 @@
           <a:p>
             <a:fld id="{234C39E7-B894-437B-8BC2-870DB2ED1B88}" type="datetime1">
               <a:rPr lang="en-IN" smtClean="0"/>
-              <a:t>08-11-2022</a:t>
+              <a:t>16-11-2022</a:t>
             </a:fld>
             <a:endParaRPr lang="en-IN"/>
           </a:p>
@@ -2411,7 +2411,7 @@
           <a:p>
             <a:fld id="{CDF5EC52-C720-4000-A582-47A37DCA43AA}" type="datetime1">
               <a:rPr lang="en-IN" smtClean="0"/>
-              <a:t>08-11-2022</a:t>
+              <a:t>16-11-2022</a:t>
             </a:fld>
             <a:endParaRPr lang="en-IN"/>
           </a:p>
@@ -2863,7 +2863,7 @@
           <a:p>
             <a:fld id="{EDCBBD27-F186-4941-B095-28418B72E876}" type="datetime1">
               <a:rPr lang="en-IN" smtClean="0"/>
-              <a:t>08-11-2022</a:t>
+              <a:t>16-11-2022</a:t>
             </a:fld>
             <a:endParaRPr lang="en-IN"/>
           </a:p>
@@ -3071,7 +3071,7 @@
           <a:p>
             <a:fld id="{1840DB68-5EB6-45CB-82F3-37E85B95C0AD}" type="datetime1">
               <a:rPr lang="en-IN" smtClean="0"/>
-              <a:t>08-11-2022</a:t>
+              <a:t>16-11-2022</a:t>
             </a:fld>
             <a:endParaRPr lang="en-IN"/>
           </a:p>
@@ -3279,7 +3279,7 @@
           <a:p>
             <a:fld id="{7A7C3D6F-9AA5-4546-BF28-226FCBFE08FF}" type="datetime1">
               <a:rPr lang="en-IN" smtClean="0"/>
-              <a:t>08-11-2022</a:t>
+              <a:t>16-11-2022</a:t>
             </a:fld>
             <a:endParaRPr lang="en-IN"/>
           </a:p>
@@ -3589,7 +3589,7 @@
           <a:p>
             <a:fld id="{7A5B77F8-8600-4DD3-BF26-CA11CA162D17}" type="datetime1">
               <a:rPr lang="en-IN" smtClean="0"/>
-              <a:t>08-11-2022</a:t>
+              <a:t>16-11-2022</a:t>
             </a:fld>
             <a:endParaRPr lang="en-IN"/>
           </a:p>
@@ -3838,7 +3838,7 @@
           <a:p>
             <a:fld id="{D3532BB8-FB68-4FD6-910E-036F28666962}" type="datetime1">
               <a:rPr lang="en-IN" smtClean="0"/>
-              <a:t>08-11-2022</a:t>
+              <a:t>16-11-2022</a:t>
             </a:fld>
             <a:endParaRPr lang="en-IN"/>
           </a:p>
@@ -5744,7 +5744,7 @@
           <a:p>
             <a:fld id="{04ADB005-2E3D-41BC-9D73-934276C3D2AB}" type="datetime1">
               <a:rPr lang="en-IN" smtClean="0"/>
-              <a:t>08-11-2022</a:t>
+              <a:t>16-11-2022</a:t>
             </a:fld>
             <a:endParaRPr lang="en-IN"/>
           </a:p>
@@ -9088,7 +9088,7 @@
         </p:nvGrpSpPr>
         <p:grpSpPr>
           <a:xfrm>
-            <a:off x="94605" y="1456246"/>
+            <a:off x="386835" y="1616502"/>
             <a:ext cx="6649032" cy="3823261"/>
             <a:chOff x="3022869" y="2219320"/>
             <a:chExt cx="6127011" cy="2438611"/>
@@ -9155,1714 +9155,38 @@
           </p:spPr>
         </p:pic>
       </p:grpSp>
-      <p:grpSp>
-        <p:nvGrpSpPr>
-          <p:cNvPr id="11" name="Group 10">
+      <p:pic>
+        <p:nvPicPr>
+          <p:cNvPr id="3" name="Content Placeholder 6">
             <a:extLst>
               <a:ext uri="{FF2B5EF4-FFF2-40B4-BE49-F238E27FC236}">
-                <a16:creationId xmlns:a16="http://schemas.microsoft.com/office/drawing/2014/main" id="{FA956447-8108-7DC3-EA2C-21FD505F0D46}"/>
+                <a16:creationId xmlns:a16="http://schemas.microsoft.com/office/drawing/2014/main" id="{88EC606A-2FDD-3AD4-0AB0-969C7F44C7E3}"/>
               </a:ext>
             </a:extLst>
           </p:cNvPr>
-          <p:cNvGrpSpPr/>
-          <p:nvPr/>
-        </p:nvGrpSpPr>
-        <p:grpSpPr>
+          <p:cNvPicPr>
+            <a:picLocks noGrp="1" noChangeAspect="1"/>
+          </p:cNvPicPr>
+          <p:nvPr>
+            <p:ph idx="1"/>
+          </p:nvPr>
+        </p:nvPicPr>
+        <p:blipFill>
+          <a:blip r:embed="rId5"/>
+          <a:stretch>
+            <a:fillRect/>
+          </a:stretch>
+        </p:blipFill>
+        <p:spPr>
           <a:xfrm>
-            <a:off x="6873274" y="1573293"/>
-            <a:ext cx="5079913" cy="3517182"/>
-            <a:chOff x="6873274" y="1573293"/>
-            <a:chExt cx="5079913" cy="3517182"/>
+            <a:off x="6651836" y="1730350"/>
+            <a:ext cx="5072312" cy="3523793"/>
           </a:xfrm>
-        </p:grpSpPr>
-        <p:grpSp>
-          <p:nvGrpSpPr>
-            <p:cNvPr id="88" name="Group 87">
-              <a:extLst>
-                <a:ext uri="{FF2B5EF4-FFF2-40B4-BE49-F238E27FC236}">
-                  <a16:creationId xmlns:a16="http://schemas.microsoft.com/office/drawing/2014/main" id="{3F3A9AEF-FBE6-346F-1719-9EC2AB0CC290}"/>
-                </a:ext>
-              </a:extLst>
-            </p:cNvPr>
-            <p:cNvGrpSpPr/>
-            <p:nvPr/>
-          </p:nvGrpSpPr>
-          <p:grpSpPr>
-            <a:xfrm>
-              <a:off x="6873274" y="1573293"/>
-              <a:ext cx="5079913" cy="3517182"/>
-              <a:chOff x="7316335" y="1394184"/>
-              <a:chExt cx="3609340" cy="2348824"/>
-            </a:xfrm>
-          </p:grpSpPr>
-          <p:grpSp>
-            <p:nvGrpSpPr>
-              <p:cNvPr id="5" name="object 57">
-                <a:extLst>
-                  <a:ext uri="{FF2B5EF4-FFF2-40B4-BE49-F238E27FC236}">
-                    <a16:creationId xmlns:a16="http://schemas.microsoft.com/office/drawing/2014/main" id="{3F7230EF-F772-7874-4DF6-8227598E2445}"/>
-                  </a:ext>
-                </a:extLst>
-              </p:cNvPr>
-              <p:cNvGrpSpPr/>
-              <p:nvPr/>
-            </p:nvGrpSpPr>
-            <p:grpSpPr>
-              <a:xfrm>
-                <a:off x="7316335" y="1394184"/>
-                <a:ext cx="3609340" cy="2348230"/>
-                <a:chOff x="6279388" y="4468240"/>
-                <a:chExt cx="3609340" cy="2348230"/>
-              </a:xfrm>
-            </p:grpSpPr>
-            <p:sp>
-              <p:nvSpPr>
-                <p:cNvPr id="7" name="object 58">
-                  <a:extLst>
-                    <a:ext uri="{FF2B5EF4-FFF2-40B4-BE49-F238E27FC236}">
-                      <a16:creationId xmlns:a16="http://schemas.microsoft.com/office/drawing/2014/main" id="{682EEFCD-846B-0724-B3D5-C49B75076DB7}"/>
-                    </a:ext>
-                  </a:extLst>
-                </p:cNvPr>
-                <p:cNvSpPr/>
-                <p:nvPr/>
-              </p:nvSpPr>
-              <p:spPr>
-                <a:xfrm>
-                  <a:off x="6292088" y="4480940"/>
-                  <a:ext cx="3583940" cy="253365"/>
-                </a:xfrm>
-                <a:custGeom>
-                  <a:avLst/>
-                  <a:gdLst/>
-                  <a:ahLst/>
-                  <a:cxnLst/>
-                  <a:rect l="l" t="t" r="r" b="b"/>
-                  <a:pathLst>
-                    <a:path w="3583940" h="253364">
-                      <a:moveTo>
-                        <a:pt x="3583940" y="0"/>
-                      </a:moveTo>
-                      <a:lnTo>
-                        <a:pt x="0" y="0"/>
-                      </a:lnTo>
-                      <a:lnTo>
-                        <a:pt x="0" y="253364"/>
-                      </a:lnTo>
-                      <a:lnTo>
-                        <a:pt x="3583940" y="253364"/>
-                      </a:lnTo>
-                      <a:lnTo>
-                        <a:pt x="3583940" y="0"/>
-                      </a:lnTo>
-                      <a:close/>
-                    </a:path>
-                  </a:pathLst>
-                </a:custGeom>
-                <a:solidFill>
-                  <a:srgbClr val="FFF1CC"/>
-                </a:solidFill>
-              </p:spPr>
-              <p:txBody>
-                <a:bodyPr wrap="square" lIns="0" tIns="0" rIns="0" bIns="0" rtlCol="0"/>
-                <a:lstStyle/>
-                <a:p>
-                  <a:endParaRPr/>
-                </a:p>
-              </p:txBody>
-            </p:sp>
-            <p:sp>
-              <p:nvSpPr>
-                <p:cNvPr id="8" name="object 59">
-                  <a:extLst>
-                    <a:ext uri="{FF2B5EF4-FFF2-40B4-BE49-F238E27FC236}">
-                      <a16:creationId xmlns:a16="http://schemas.microsoft.com/office/drawing/2014/main" id="{A0D85C4E-DDFF-FE39-A460-1188AA70B39F}"/>
-                    </a:ext>
-                  </a:extLst>
-                </p:cNvPr>
-                <p:cNvSpPr/>
-                <p:nvPr/>
-              </p:nvSpPr>
-              <p:spPr>
-                <a:xfrm>
-                  <a:off x="6292088" y="4734305"/>
-                  <a:ext cx="3583940" cy="2069464"/>
-                </a:xfrm>
-                <a:custGeom>
-                  <a:avLst/>
-                  <a:gdLst/>
-                  <a:ahLst/>
-                  <a:cxnLst/>
-                  <a:rect l="l" t="t" r="r" b="b"/>
-                  <a:pathLst>
-                    <a:path w="3583940" h="2069465">
-                      <a:moveTo>
-                        <a:pt x="3583940" y="375310"/>
-                      </a:moveTo>
-                      <a:lnTo>
-                        <a:pt x="2857500" y="375310"/>
-                      </a:lnTo>
-                      <a:lnTo>
-                        <a:pt x="549567" y="375310"/>
-                      </a:lnTo>
-                      <a:lnTo>
-                        <a:pt x="0" y="375310"/>
-                      </a:lnTo>
-                      <a:lnTo>
-                        <a:pt x="0" y="933475"/>
-                      </a:lnTo>
-                      <a:lnTo>
-                        <a:pt x="0" y="1125880"/>
-                      </a:lnTo>
-                      <a:lnTo>
-                        <a:pt x="0" y="1501165"/>
-                      </a:lnTo>
-                      <a:lnTo>
-                        <a:pt x="0" y="1876450"/>
-                      </a:lnTo>
-                      <a:lnTo>
-                        <a:pt x="0" y="2068855"/>
-                      </a:lnTo>
-                      <a:lnTo>
-                        <a:pt x="549529" y="2068855"/>
-                      </a:lnTo>
-                      <a:lnTo>
-                        <a:pt x="2857500" y="2068855"/>
-                      </a:lnTo>
-                      <a:lnTo>
-                        <a:pt x="3583940" y="2068855"/>
-                      </a:lnTo>
-                      <a:lnTo>
-                        <a:pt x="3583940" y="1876450"/>
-                      </a:lnTo>
-                      <a:lnTo>
-                        <a:pt x="3583940" y="1501165"/>
-                      </a:lnTo>
-                      <a:lnTo>
-                        <a:pt x="3583940" y="1125880"/>
-                      </a:lnTo>
-                      <a:lnTo>
-                        <a:pt x="3583940" y="933475"/>
-                      </a:lnTo>
-                      <a:lnTo>
-                        <a:pt x="3583940" y="375310"/>
-                      </a:lnTo>
-                      <a:close/>
-                    </a:path>
-                    <a:path w="3583940" h="2069465">
-                      <a:moveTo>
-                        <a:pt x="3583940" y="0"/>
-                      </a:moveTo>
-                      <a:lnTo>
-                        <a:pt x="2857500" y="0"/>
-                      </a:lnTo>
-                      <a:lnTo>
-                        <a:pt x="549567" y="0"/>
-                      </a:lnTo>
-                      <a:lnTo>
-                        <a:pt x="0" y="0"/>
-                      </a:lnTo>
-                      <a:lnTo>
-                        <a:pt x="0" y="375285"/>
-                      </a:lnTo>
-                      <a:lnTo>
-                        <a:pt x="549529" y="375285"/>
-                      </a:lnTo>
-                      <a:lnTo>
-                        <a:pt x="2857500" y="375285"/>
-                      </a:lnTo>
-                      <a:lnTo>
-                        <a:pt x="3583940" y="375285"/>
-                      </a:lnTo>
-                      <a:lnTo>
-                        <a:pt x="3583940" y="0"/>
-                      </a:lnTo>
-                      <a:close/>
-                    </a:path>
-                  </a:pathLst>
-                </a:custGeom>
-                <a:solidFill>
-                  <a:srgbClr val="EAEEF7"/>
-                </a:solidFill>
-              </p:spPr>
-              <p:txBody>
-                <a:bodyPr wrap="square" lIns="0" tIns="0" rIns="0" bIns="0" rtlCol="0"/>
-                <a:lstStyle/>
-                <a:p>
-                  <a:endParaRPr dirty="0"/>
-                </a:p>
-              </p:txBody>
-            </p:sp>
-            <p:sp>
-              <p:nvSpPr>
-                <p:cNvPr id="9" name="object 60">
-                  <a:extLst>
-                    <a:ext uri="{FF2B5EF4-FFF2-40B4-BE49-F238E27FC236}">
-                      <a16:creationId xmlns:a16="http://schemas.microsoft.com/office/drawing/2014/main" id="{58CED412-E169-2353-A8A9-2F08F3ECCB8F}"/>
-                    </a:ext>
-                  </a:extLst>
-                </p:cNvPr>
-                <p:cNvSpPr/>
-                <p:nvPr/>
-              </p:nvSpPr>
-              <p:spPr>
-                <a:xfrm>
-                  <a:off x="6285738" y="4474590"/>
-                  <a:ext cx="3596640" cy="2335530"/>
-                </a:xfrm>
-                <a:custGeom>
-                  <a:avLst/>
-                  <a:gdLst/>
-                  <a:ahLst/>
-                  <a:cxnLst/>
-                  <a:rect l="l" t="t" r="r" b="b"/>
-                  <a:pathLst>
-                    <a:path w="3596640" h="2335529">
-                      <a:moveTo>
-                        <a:pt x="555879" y="253364"/>
-                      </a:moveTo>
-                      <a:lnTo>
-                        <a:pt x="555879" y="2334916"/>
-                      </a:lnTo>
-                    </a:path>
-                    <a:path w="3596640" h="2335529">
-                      <a:moveTo>
-                        <a:pt x="2863850" y="253364"/>
-                      </a:moveTo>
-                      <a:lnTo>
-                        <a:pt x="2863850" y="2334916"/>
-                      </a:lnTo>
-                    </a:path>
-                    <a:path w="3596640" h="2335529">
-                      <a:moveTo>
-                        <a:pt x="0" y="259714"/>
-                      </a:moveTo>
-                      <a:lnTo>
-                        <a:pt x="3596640" y="259714"/>
-                      </a:lnTo>
-                    </a:path>
-                    <a:path w="3596640" h="2335529">
-                      <a:moveTo>
-                        <a:pt x="0" y="634999"/>
-                      </a:moveTo>
-                      <a:lnTo>
-                        <a:pt x="3596640" y="634999"/>
-                      </a:lnTo>
-                    </a:path>
-                    <a:path w="3596640" h="2335529">
-                      <a:moveTo>
-                        <a:pt x="0" y="1193190"/>
-                      </a:moveTo>
-                      <a:lnTo>
-                        <a:pt x="3596640" y="1193190"/>
-                      </a:lnTo>
-                    </a:path>
-                    <a:path w="3596640" h="2335529">
-                      <a:moveTo>
-                        <a:pt x="0" y="1385595"/>
-                      </a:moveTo>
-                      <a:lnTo>
-                        <a:pt x="3596640" y="1385595"/>
-                      </a:lnTo>
-                    </a:path>
-                    <a:path w="3596640" h="2335529">
-                      <a:moveTo>
-                        <a:pt x="0" y="1760880"/>
-                      </a:moveTo>
-                      <a:lnTo>
-                        <a:pt x="3596640" y="1760880"/>
-                      </a:lnTo>
-                    </a:path>
-                    <a:path w="3596640" h="2335529">
-                      <a:moveTo>
-                        <a:pt x="0" y="2136165"/>
-                      </a:moveTo>
-                      <a:lnTo>
-                        <a:pt x="3596640" y="2136165"/>
-                      </a:lnTo>
-                    </a:path>
-                    <a:path w="3596640" h="2335529">
-                      <a:moveTo>
-                        <a:pt x="6350" y="0"/>
-                      </a:moveTo>
-                      <a:lnTo>
-                        <a:pt x="6350" y="2334916"/>
-                      </a:lnTo>
-                    </a:path>
-                    <a:path w="3596640" h="2335529">
-                      <a:moveTo>
-                        <a:pt x="3590290" y="0"/>
-                      </a:moveTo>
-                      <a:lnTo>
-                        <a:pt x="3590290" y="2334916"/>
-                      </a:lnTo>
-                    </a:path>
-                    <a:path w="3596640" h="2335529">
-                      <a:moveTo>
-                        <a:pt x="0" y="6349"/>
-                      </a:moveTo>
-                      <a:lnTo>
-                        <a:pt x="3596640" y="6349"/>
-                      </a:lnTo>
-                    </a:path>
-                    <a:path w="3596640" h="2335529">
-                      <a:moveTo>
-                        <a:pt x="0" y="2328566"/>
-                      </a:moveTo>
-                      <a:lnTo>
-                        <a:pt x="3596640" y="2328566"/>
-                      </a:lnTo>
-                    </a:path>
-                  </a:pathLst>
-                </a:custGeom>
-                <a:ln w="12700">
-                  <a:solidFill>
-                    <a:srgbClr val="000000"/>
-                  </a:solidFill>
-                </a:ln>
-              </p:spPr>
-              <p:txBody>
-                <a:bodyPr wrap="square" lIns="0" tIns="0" rIns="0" bIns="0" rtlCol="0"/>
-                <a:lstStyle/>
-                <a:p>
-                  <a:endParaRPr/>
-                </a:p>
-              </p:txBody>
-            </p:sp>
-          </p:grpSp>
-          <p:sp>
-            <p:nvSpPr>
-              <p:cNvPr id="10" name="object 61">
-                <a:extLst>
-                  <a:ext uri="{FF2B5EF4-FFF2-40B4-BE49-F238E27FC236}">
-                    <a16:creationId xmlns:a16="http://schemas.microsoft.com/office/drawing/2014/main" id="{A3614DD2-A791-5630-7E21-1CEAF50893F2}"/>
-                  </a:ext>
-                </a:extLst>
-              </p:cNvPr>
-              <p:cNvSpPr txBox="1"/>
-              <p:nvPr/>
-            </p:nvSpPr>
-            <p:spPr>
-              <a:xfrm>
-                <a:off x="7942041" y="1421733"/>
-                <a:ext cx="2094230" cy="269240"/>
-              </a:xfrm>
-              <a:prstGeom prst="rect">
-                <a:avLst/>
-              </a:prstGeom>
-            </p:spPr>
-            <p:txBody>
-              <a:bodyPr vert="horz" wrap="square" lIns="0" tIns="12065" rIns="0" bIns="0" rtlCol="0">
-                <a:spAutoFit/>
-              </a:bodyPr>
-              <a:lstStyle/>
-              <a:p>
-                <a:pPr marL="12700">
-                  <a:lnSpc>
-                    <a:spcPct val="100000"/>
-                  </a:lnSpc>
-                  <a:spcBef>
-                    <a:spcPts val="95"/>
-                  </a:spcBef>
-                </a:pPr>
-                <a:r>
-                  <a:rPr sz="1600" b="1" spc="-5" dirty="0">
-                    <a:latin typeface="Times New Roman"/>
-                    <a:cs typeface="Times New Roman"/>
-                  </a:rPr>
-                  <a:t>Parameters</a:t>
-                </a:r>
-                <a:r>
-                  <a:rPr sz="1600" b="1" spc="30" dirty="0">
-                    <a:latin typeface="Times New Roman"/>
-                    <a:cs typeface="Times New Roman"/>
-                  </a:rPr>
-                  <a:t> </a:t>
-                </a:r>
-                <a:r>
-                  <a:rPr sz="1600" b="1" spc="-5" dirty="0">
-                    <a:latin typeface="Times New Roman"/>
-                    <a:cs typeface="Times New Roman"/>
-                  </a:rPr>
-                  <a:t>for</a:t>
-                </a:r>
-                <a:r>
-                  <a:rPr sz="1600" b="1" spc="-40" dirty="0">
-                    <a:latin typeface="Times New Roman"/>
-                    <a:cs typeface="Times New Roman"/>
-                  </a:rPr>
-                  <a:t> </a:t>
-                </a:r>
-                <a:r>
-                  <a:rPr sz="1600" b="1" spc="-5" dirty="0">
-                    <a:latin typeface="Times New Roman"/>
-                    <a:cs typeface="Times New Roman"/>
-                  </a:rPr>
-                  <a:t>5th</a:t>
-                </a:r>
-                <a:r>
-                  <a:rPr sz="1600" b="1" spc="-15" dirty="0">
-                    <a:latin typeface="Times New Roman"/>
-                    <a:cs typeface="Times New Roman"/>
-                  </a:rPr>
-                  <a:t> </a:t>
-                </a:r>
-                <a:r>
-                  <a:rPr sz="1600" b="1" spc="-5" dirty="0">
-                    <a:latin typeface="Times New Roman"/>
-                    <a:cs typeface="Times New Roman"/>
-                  </a:rPr>
-                  <a:t>Star</a:t>
-                </a:r>
-                <a:endParaRPr sz="1600" dirty="0">
-                  <a:latin typeface="Times New Roman"/>
-                  <a:cs typeface="Times New Roman"/>
-                </a:endParaRPr>
-              </a:p>
-            </p:txBody>
-          </p:sp>
-          <p:sp>
-            <p:nvSpPr>
-              <p:cNvPr id="12" name="object 62">
-                <a:extLst>
-                  <a:ext uri="{FF2B5EF4-FFF2-40B4-BE49-F238E27FC236}">
-                    <a16:creationId xmlns:a16="http://schemas.microsoft.com/office/drawing/2014/main" id="{5F34EC33-A1D8-4A40-A879-52858C080A94}"/>
-                  </a:ext>
-                </a:extLst>
-              </p:cNvPr>
-              <p:cNvSpPr txBox="1"/>
-              <p:nvPr/>
-            </p:nvSpPr>
-            <p:spPr>
-              <a:xfrm>
-                <a:off x="7460421" y="1676622"/>
-                <a:ext cx="250190" cy="391160"/>
-              </a:xfrm>
-              <a:prstGeom prst="rect">
-                <a:avLst/>
-              </a:prstGeom>
-            </p:spPr>
-            <p:txBody>
-              <a:bodyPr vert="horz" wrap="square" lIns="0" tIns="12700" rIns="0" bIns="0" rtlCol="0">
-                <a:spAutoFit/>
-              </a:bodyPr>
-              <a:lstStyle/>
-              <a:p>
-                <a:pPr marL="36830">
-                  <a:lnSpc>
-                    <a:spcPct val="100000"/>
-                  </a:lnSpc>
-                  <a:spcBef>
-                    <a:spcPts val="100"/>
-                  </a:spcBef>
-                </a:pPr>
-                <a:r>
-                  <a:rPr sz="1200" b="1" spc="-40" dirty="0">
-                    <a:latin typeface="Times New Roman"/>
-                    <a:cs typeface="Times New Roman"/>
-                  </a:rPr>
-                  <a:t>Sr.</a:t>
-                </a:r>
-                <a:endParaRPr sz="1200" dirty="0">
-                  <a:latin typeface="Times New Roman"/>
-                  <a:cs typeface="Times New Roman"/>
-                </a:endParaRPr>
-              </a:p>
-              <a:p>
-                <a:pPr marL="12700">
-                  <a:lnSpc>
-                    <a:spcPct val="100000"/>
-                  </a:lnSpc>
-                </a:pPr>
-                <a:r>
-                  <a:rPr sz="1200" b="1" spc="-5" dirty="0">
-                    <a:latin typeface="Times New Roman"/>
-                    <a:cs typeface="Times New Roman"/>
-                  </a:rPr>
-                  <a:t>No.</a:t>
-                </a:r>
-                <a:endParaRPr sz="1200" dirty="0">
-                  <a:latin typeface="Times New Roman"/>
-                  <a:cs typeface="Times New Roman"/>
-                </a:endParaRPr>
-              </a:p>
-            </p:txBody>
-          </p:sp>
-          <p:sp>
-            <p:nvSpPr>
-              <p:cNvPr id="13" name="object 63">
-                <a:extLst>
-                  <a:ext uri="{FF2B5EF4-FFF2-40B4-BE49-F238E27FC236}">
-                    <a16:creationId xmlns:a16="http://schemas.microsoft.com/office/drawing/2014/main" id="{834B67D2-DCF7-77D0-6276-FC0F584574F3}"/>
-                  </a:ext>
-                </a:extLst>
-              </p:cNvPr>
-              <p:cNvSpPr txBox="1"/>
-              <p:nvPr/>
-            </p:nvSpPr>
-            <p:spPr>
-              <a:xfrm>
-                <a:off x="8637907" y="1739781"/>
-                <a:ext cx="715010" cy="208279"/>
-              </a:xfrm>
-              <a:prstGeom prst="rect">
-                <a:avLst/>
-              </a:prstGeom>
-            </p:spPr>
-            <p:txBody>
-              <a:bodyPr vert="horz" wrap="square" lIns="0" tIns="12700" rIns="0" bIns="0" rtlCol="0">
-                <a:spAutoFit/>
-              </a:bodyPr>
-              <a:lstStyle/>
-              <a:p>
-                <a:pPr marL="12700">
-                  <a:lnSpc>
-                    <a:spcPct val="100000"/>
-                  </a:lnSpc>
-                  <a:spcBef>
-                    <a:spcPts val="100"/>
-                  </a:spcBef>
-                </a:pPr>
-                <a:r>
-                  <a:rPr sz="1200" b="1" spc="-15" dirty="0">
-                    <a:latin typeface="Times New Roman"/>
-                    <a:cs typeface="Times New Roman"/>
-                  </a:rPr>
-                  <a:t>P</a:t>
-                </a:r>
-                <a:r>
-                  <a:rPr sz="1200" b="1" dirty="0">
-                    <a:latin typeface="Times New Roman"/>
-                    <a:cs typeface="Times New Roman"/>
-                  </a:rPr>
-                  <a:t>a</a:t>
-                </a:r>
-                <a:r>
-                  <a:rPr sz="1200" b="1" spc="-5" dirty="0">
-                    <a:latin typeface="Times New Roman"/>
-                    <a:cs typeface="Times New Roman"/>
-                  </a:rPr>
-                  <a:t>r</a:t>
-                </a:r>
-                <a:r>
-                  <a:rPr sz="1200" b="1" dirty="0">
-                    <a:latin typeface="Times New Roman"/>
-                    <a:cs typeface="Times New Roman"/>
-                  </a:rPr>
-                  <a:t>a</a:t>
-                </a:r>
-                <a:r>
-                  <a:rPr sz="1200" b="1" spc="-20" dirty="0">
-                    <a:latin typeface="Times New Roman"/>
-                    <a:cs typeface="Times New Roman"/>
-                  </a:rPr>
-                  <a:t>m</a:t>
-                </a:r>
-                <a:r>
-                  <a:rPr sz="1200" b="1" spc="-5" dirty="0">
-                    <a:latin typeface="Times New Roman"/>
-                    <a:cs typeface="Times New Roman"/>
-                  </a:rPr>
-                  <a:t>e</a:t>
-                </a:r>
-                <a:r>
-                  <a:rPr sz="1200" b="1" dirty="0">
-                    <a:latin typeface="Times New Roman"/>
-                    <a:cs typeface="Times New Roman"/>
-                  </a:rPr>
-                  <a:t>ter</a:t>
-                </a:r>
-                <a:endParaRPr sz="1200" dirty="0">
-                  <a:latin typeface="Times New Roman"/>
-                  <a:cs typeface="Times New Roman"/>
-                </a:endParaRPr>
-              </a:p>
-            </p:txBody>
-          </p:sp>
-          <p:sp>
-            <p:nvSpPr>
-              <p:cNvPr id="14" name="object 64">
-                <a:extLst>
-                  <a:ext uri="{FF2B5EF4-FFF2-40B4-BE49-F238E27FC236}">
-                    <a16:creationId xmlns:a16="http://schemas.microsoft.com/office/drawing/2014/main" id="{5A28EAE6-CCDC-940B-99E9-1A93D85496BC}"/>
-                  </a:ext>
-                </a:extLst>
-              </p:cNvPr>
-              <p:cNvSpPr txBox="1"/>
-              <p:nvPr/>
-            </p:nvSpPr>
-            <p:spPr>
-              <a:xfrm>
-                <a:off x="10176824" y="1758635"/>
-                <a:ext cx="712470" cy="208279"/>
-              </a:xfrm>
-              <a:prstGeom prst="rect">
-                <a:avLst/>
-              </a:prstGeom>
-            </p:spPr>
-            <p:txBody>
-              <a:bodyPr vert="horz" wrap="square" lIns="0" tIns="12700" rIns="0" bIns="0" rtlCol="0">
-                <a:spAutoFit/>
-              </a:bodyPr>
-              <a:lstStyle/>
-              <a:p>
-                <a:pPr marL="12700">
-                  <a:lnSpc>
-                    <a:spcPct val="100000"/>
-                  </a:lnSpc>
-                  <a:spcBef>
-                    <a:spcPts val="100"/>
-                  </a:spcBef>
-                </a:pPr>
-                <a:r>
-                  <a:rPr sz="1200" b="1" spc="-60" dirty="0">
-                    <a:latin typeface="Times New Roman"/>
-                    <a:cs typeface="Times New Roman"/>
-                  </a:rPr>
-                  <a:t>W</a:t>
-                </a:r>
-                <a:r>
-                  <a:rPr sz="1200" b="1" spc="-5" dirty="0">
-                    <a:latin typeface="Times New Roman"/>
-                    <a:cs typeface="Times New Roman"/>
-                  </a:rPr>
-                  <a:t>eig</a:t>
-                </a:r>
-                <a:r>
-                  <a:rPr sz="1200" b="1" dirty="0">
-                    <a:latin typeface="Times New Roman"/>
-                    <a:cs typeface="Times New Roman"/>
-                  </a:rPr>
-                  <a:t>htage</a:t>
-                </a:r>
-                <a:endParaRPr sz="1200" dirty="0">
-                  <a:latin typeface="Times New Roman"/>
-                  <a:cs typeface="Times New Roman"/>
-                </a:endParaRPr>
-              </a:p>
-            </p:txBody>
-          </p:sp>
-          <p:sp>
-            <p:nvSpPr>
-              <p:cNvPr id="15" name="object 69">
-                <a:extLst>
-                  <a:ext uri="{FF2B5EF4-FFF2-40B4-BE49-F238E27FC236}">
-                    <a16:creationId xmlns:a16="http://schemas.microsoft.com/office/drawing/2014/main" id="{E876B3FC-55B2-E428-3908-8BBA771F6CBE}"/>
-                  </a:ext>
-                </a:extLst>
-              </p:cNvPr>
-              <p:cNvSpPr txBox="1"/>
-              <p:nvPr/>
-            </p:nvSpPr>
-            <p:spPr>
-              <a:xfrm>
-                <a:off x="7582233" y="2884845"/>
-                <a:ext cx="101600" cy="208279"/>
-              </a:xfrm>
-              <a:prstGeom prst="rect">
-                <a:avLst/>
-              </a:prstGeom>
-            </p:spPr>
-            <p:txBody>
-              <a:bodyPr vert="horz" wrap="square" lIns="0" tIns="12700" rIns="0" bIns="0" rtlCol="0">
-                <a:spAutoFit/>
-              </a:bodyPr>
-              <a:lstStyle/>
-              <a:p>
-                <a:pPr marL="12700">
-                  <a:lnSpc>
-                    <a:spcPct val="100000"/>
-                  </a:lnSpc>
-                  <a:spcBef>
-                    <a:spcPts val="100"/>
-                  </a:spcBef>
-                </a:pPr>
-                <a:r>
-                  <a:rPr sz="1200" dirty="0">
-                    <a:latin typeface="Times New Roman"/>
-                    <a:cs typeface="Times New Roman"/>
-                  </a:rPr>
-                  <a:t>3</a:t>
-                </a:r>
-              </a:p>
-            </p:txBody>
-          </p:sp>
-          <p:sp>
-            <p:nvSpPr>
-              <p:cNvPr id="16" name="object 70">
-                <a:extLst>
-                  <a:ext uri="{FF2B5EF4-FFF2-40B4-BE49-F238E27FC236}">
-                    <a16:creationId xmlns:a16="http://schemas.microsoft.com/office/drawing/2014/main" id="{24C583CF-A6AE-07F1-2F9F-57F02DC0690B}"/>
-                  </a:ext>
-                </a:extLst>
-              </p:cNvPr>
-              <p:cNvSpPr txBox="1"/>
-              <p:nvPr/>
-            </p:nvSpPr>
-            <p:spPr>
-              <a:xfrm>
-                <a:off x="7895005" y="2783368"/>
-                <a:ext cx="2161540" cy="391795"/>
-              </a:xfrm>
-              <a:prstGeom prst="rect">
-                <a:avLst/>
-              </a:prstGeom>
-            </p:spPr>
-            <p:txBody>
-              <a:bodyPr vert="horz" wrap="square" lIns="0" tIns="12700" rIns="0" bIns="0" rtlCol="0">
-                <a:spAutoFit/>
-              </a:bodyPr>
-              <a:lstStyle/>
-              <a:p>
-                <a:pPr marL="12700">
-                  <a:lnSpc>
-                    <a:spcPct val="100000"/>
-                  </a:lnSpc>
-                  <a:spcBef>
-                    <a:spcPts val="100"/>
-                  </a:spcBef>
-                </a:pPr>
-                <a:r>
-                  <a:rPr sz="1200" dirty="0">
-                    <a:latin typeface="Times New Roman"/>
-                    <a:cs typeface="Times New Roman"/>
-                  </a:rPr>
-                  <a:t>Contribution</a:t>
-                </a:r>
-                <a:r>
-                  <a:rPr sz="1200" spc="-15" dirty="0">
-                    <a:latin typeface="Times New Roman"/>
-                    <a:cs typeface="Times New Roman"/>
-                  </a:rPr>
-                  <a:t> </a:t>
-                </a:r>
-                <a:r>
-                  <a:rPr sz="1200" dirty="0">
-                    <a:latin typeface="Times New Roman"/>
-                    <a:cs typeface="Times New Roman"/>
-                  </a:rPr>
-                  <a:t>in</a:t>
-                </a:r>
-                <a:r>
-                  <a:rPr sz="1200" spc="-5" dirty="0">
-                    <a:latin typeface="Times New Roman"/>
-                    <a:cs typeface="Times New Roman"/>
-                  </a:rPr>
-                  <a:t> </a:t>
-                </a:r>
-                <a:r>
-                  <a:rPr sz="1200" dirty="0">
-                    <a:latin typeface="Times New Roman"/>
-                    <a:cs typeface="Times New Roman"/>
-                  </a:rPr>
-                  <a:t>Monthly</a:t>
-                </a:r>
-                <a:r>
-                  <a:rPr sz="1200" spc="-35" dirty="0">
-                    <a:latin typeface="Times New Roman"/>
-                    <a:cs typeface="Times New Roman"/>
-                  </a:rPr>
-                  <a:t> </a:t>
-                </a:r>
-                <a:r>
-                  <a:rPr sz="1200" dirty="0">
-                    <a:latin typeface="Times New Roman"/>
-                    <a:cs typeface="Times New Roman"/>
-                  </a:rPr>
-                  <a:t>&amp;</a:t>
-                </a:r>
-                <a:r>
-                  <a:rPr sz="1200" spc="-70" dirty="0">
-                    <a:latin typeface="Times New Roman"/>
-                    <a:cs typeface="Times New Roman"/>
-                  </a:rPr>
-                  <a:t> </a:t>
-                </a:r>
-                <a:r>
-                  <a:rPr sz="1200" spc="-5" dirty="0">
-                    <a:latin typeface="Times New Roman"/>
-                    <a:cs typeface="Times New Roman"/>
-                  </a:rPr>
-                  <a:t>Annual</a:t>
-                </a:r>
-                <a:endParaRPr sz="1200" dirty="0">
-                  <a:latin typeface="Times New Roman"/>
-                  <a:cs typeface="Times New Roman"/>
-                </a:endParaRPr>
-              </a:p>
-              <a:p>
-                <a:pPr marL="12700">
-                  <a:lnSpc>
-                    <a:spcPct val="100000"/>
-                  </a:lnSpc>
-                  <a:spcBef>
-                    <a:spcPts val="5"/>
-                  </a:spcBef>
-                </a:pPr>
-                <a:r>
-                  <a:rPr sz="1200" spc="-5" dirty="0">
-                    <a:latin typeface="Times New Roman"/>
-                    <a:cs typeface="Times New Roman"/>
-                  </a:rPr>
-                  <a:t>Magazines </a:t>
-                </a:r>
-                <a:r>
-                  <a:rPr sz="1200" dirty="0">
-                    <a:latin typeface="Times New Roman"/>
-                    <a:cs typeface="Times New Roman"/>
-                  </a:rPr>
-                  <a:t>of</a:t>
-                </a:r>
-                <a:r>
-                  <a:rPr sz="1200" spc="-10" dirty="0">
-                    <a:latin typeface="Times New Roman"/>
-                    <a:cs typeface="Times New Roman"/>
-                  </a:rPr>
-                  <a:t> ICCR</a:t>
-                </a:r>
-                <a:endParaRPr sz="1200" dirty="0">
-                  <a:latin typeface="Times New Roman"/>
-                  <a:cs typeface="Times New Roman"/>
-                </a:endParaRPr>
-              </a:p>
-            </p:txBody>
-          </p:sp>
-          <p:sp>
-            <p:nvSpPr>
-              <p:cNvPr id="17" name="object 71">
-                <a:extLst>
-                  <a:ext uri="{FF2B5EF4-FFF2-40B4-BE49-F238E27FC236}">
-                    <a16:creationId xmlns:a16="http://schemas.microsoft.com/office/drawing/2014/main" id="{B7101A32-4C32-66A5-24D3-E93E84CE17C6}"/>
-                  </a:ext>
-                </a:extLst>
-              </p:cNvPr>
-              <p:cNvSpPr txBox="1"/>
-              <p:nvPr/>
-            </p:nvSpPr>
-            <p:spPr>
-              <a:xfrm>
-                <a:off x="10452952" y="2865991"/>
-                <a:ext cx="177800" cy="208279"/>
-              </a:xfrm>
-              <a:prstGeom prst="rect">
-                <a:avLst/>
-              </a:prstGeom>
-            </p:spPr>
-            <p:txBody>
-              <a:bodyPr vert="horz" wrap="square" lIns="0" tIns="12700" rIns="0" bIns="0" rtlCol="0">
-                <a:spAutoFit/>
-              </a:bodyPr>
-              <a:lstStyle/>
-              <a:p>
-                <a:pPr marL="12700">
-                  <a:lnSpc>
-                    <a:spcPct val="100000"/>
-                  </a:lnSpc>
-                  <a:spcBef>
-                    <a:spcPts val="100"/>
-                  </a:spcBef>
-                </a:pPr>
-                <a:r>
-                  <a:rPr sz="1200" dirty="0">
-                    <a:latin typeface="Times New Roman"/>
-                    <a:cs typeface="Times New Roman"/>
-                  </a:rPr>
-                  <a:t>15</a:t>
-                </a:r>
-                <a:endParaRPr sz="1200">
-                  <a:latin typeface="Times New Roman"/>
-                  <a:cs typeface="Times New Roman"/>
-                </a:endParaRPr>
-              </a:p>
-            </p:txBody>
-          </p:sp>
-          <p:sp>
-            <p:nvSpPr>
-              <p:cNvPr id="18" name="object 72">
-                <a:extLst>
-                  <a:ext uri="{FF2B5EF4-FFF2-40B4-BE49-F238E27FC236}">
-                    <a16:creationId xmlns:a16="http://schemas.microsoft.com/office/drawing/2014/main" id="{00DDBB1C-7796-50A5-232E-1D7D86C9B724}"/>
-                  </a:ext>
-                </a:extLst>
-              </p:cNvPr>
-              <p:cNvSpPr txBox="1"/>
-              <p:nvPr/>
-            </p:nvSpPr>
-            <p:spPr>
-              <a:xfrm>
-                <a:off x="7582233" y="3269480"/>
-                <a:ext cx="101600" cy="208279"/>
-              </a:xfrm>
-              <a:prstGeom prst="rect">
-                <a:avLst/>
-              </a:prstGeom>
-            </p:spPr>
-            <p:txBody>
-              <a:bodyPr vert="horz" wrap="square" lIns="0" tIns="12700" rIns="0" bIns="0" rtlCol="0">
-                <a:spAutoFit/>
-              </a:bodyPr>
-              <a:lstStyle/>
-              <a:p>
-                <a:pPr marL="12700">
-                  <a:lnSpc>
-                    <a:spcPct val="100000"/>
-                  </a:lnSpc>
-                  <a:spcBef>
-                    <a:spcPts val="100"/>
-                  </a:spcBef>
-                </a:pPr>
-                <a:r>
-                  <a:rPr sz="1200" dirty="0">
-                    <a:latin typeface="Times New Roman"/>
-                    <a:cs typeface="Times New Roman"/>
-                  </a:rPr>
-                  <a:t>4</a:t>
-                </a:r>
-              </a:p>
-            </p:txBody>
-          </p:sp>
-          <p:sp>
-            <p:nvSpPr>
-              <p:cNvPr id="19" name="object 73">
-                <a:extLst>
-                  <a:ext uri="{FF2B5EF4-FFF2-40B4-BE49-F238E27FC236}">
-                    <a16:creationId xmlns:a16="http://schemas.microsoft.com/office/drawing/2014/main" id="{42C0F118-6742-42D0-18AC-55E56B31181A}"/>
-                  </a:ext>
-                </a:extLst>
-              </p:cNvPr>
-              <p:cNvSpPr txBox="1"/>
-              <p:nvPr/>
-            </p:nvSpPr>
-            <p:spPr>
-              <a:xfrm>
-                <a:off x="7913860" y="3149760"/>
-                <a:ext cx="1998980" cy="391160"/>
-              </a:xfrm>
-              <a:prstGeom prst="rect">
-                <a:avLst/>
-              </a:prstGeom>
-            </p:spPr>
-            <p:txBody>
-              <a:bodyPr vert="horz" wrap="square" lIns="0" tIns="12700" rIns="0" bIns="0" rtlCol="0">
-                <a:spAutoFit/>
-              </a:bodyPr>
-              <a:lstStyle/>
-              <a:p>
-                <a:pPr marL="12700" marR="5080">
-                  <a:lnSpc>
-                    <a:spcPct val="100000"/>
-                  </a:lnSpc>
-                  <a:spcBef>
-                    <a:spcPts val="100"/>
-                  </a:spcBef>
-                </a:pPr>
-                <a:r>
-                  <a:rPr sz="1200" spc="-5" dirty="0">
-                    <a:latin typeface="Times New Roman"/>
-                    <a:cs typeface="Times New Roman"/>
-                  </a:rPr>
-                  <a:t>Submission</a:t>
-                </a:r>
-                <a:r>
-                  <a:rPr sz="1200" spc="-15" dirty="0">
-                    <a:latin typeface="Times New Roman"/>
-                    <a:cs typeface="Times New Roman"/>
-                  </a:rPr>
-                  <a:t> </a:t>
-                </a:r>
-                <a:r>
-                  <a:rPr sz="1200" dirty="0">
-                    <a:latin typeface="Times New Roman"/>
-                    <a:cs typeface="Times New Roman"/>
-                  </a:rPr>
-                  <a:t>of</a:t>
-                </a:r>
-                <a:r>
-                  <a:rPr sz="1200" spc="-80" dirty="0">
-                    <a:latin typeface="Times New Roman"/>
-                    <a:cs typeface="Times New Roman"/>
-                  </a:rPr>
-                  <a:t> </a:t>
-                </a:r>
-                <a:r>
-                  <a:rPr sz="1200" dirty="0">
-                    <a:latin typeface="Times New Roman"/>
-                    <a:cs typeface="Times New Roman"/>
-                  </a:rPr>
-                  <a:t>Annu</a:t>
-                </a:r>
-                <a:r>
-                  <a:rPr sz="1200" spc="-10" dirty="0">
-                    <a:latin typeface="Times New Roman"/>
-                    <a:cs typeface="Times New Roman"/>
-                  </a:rPr>
-                  <a:t>a</a:t>
-                </a:r>
-                <a:r>
-                  <a:rPr sz="1200" dirty="0">
-                    <a:latin typeface="Times New Roman"/>
-                    <a:cs typeface="Times New Roman"/>
-                  </a:rPr>
-                  <a:t>l</a:t>
-                </a:r>
-                <a:r>
-                  <a:rPr sz="1200" spc="10" dirty="0">
-                    <a:latin typeface="Times New Roman"/>
-                    <a:cs typeface="Times New Roman"/>
-                  </a:rPr>
-                  <a:t> </a:t>
-                </a:r>
-                <a:r>
-                  <a:rPr sz="1200" dirty="0">
-                    <a:latin typeface="Times New Roman"/>
-                    <a:cs typeface="Times New Roman"/>
-                  </a:rPr>
-                  <a:t>R</a:t>
-                </a:r>
-                <a:r>
-                  <a:rPr sz="1200" spc="-5" dirty="0">
-                    <a:latin typeface="Times New Roman"/>
-                    <a:cs typeface="Times New Roman"/>
-                  </a:rPr>
-                  <a:t>e</a:t>
-                </a:r>
-                <a:r>
-                  <a:rPr sz="1200" dirty="0">
-                    <a:latin typeface="Times New Roman"/>
-                    <a:cs typeface="Times New Roman"/>
-                  </a:rPr>
-                  <a:t>port</a:t>
-                </a:r>
-                <a:r>
-                  <a:rPr sz="1200" spc="5" dirty="0">
-                    <a:latin typeface="Times New Roman"/>
-                    <a:cs typeface="Times New Roman"/>
-                  </a:rPr>
-                  <a:t> </a:t>
-                </a:r>
-                <a:r>
-                  <a:rPr sz="1200" dirty="0">
-                    <a:latin typeface="Times New Roman"/>
-                    <a:cs typeface="Times New Roman"/>
-                  </a:rPr>
-                  <a:t>of  </a:t>
-                </a:r>
-                <a:r>
-                  <a:rPr sz="1200" spc="-5" dirty="0">
-                    <a:latin typeface="Times New Roman"/>
-                    <a:cs typeface="Times New Roman"/>
-                  </a:rPr>
-                  <a:t>Regional</a:t>
-                </a:r>
-                <a:r>
-                  <a:rPr sz="1200" spc="15" dirty="0">
-                    <a:latin typeface="Times New Roman"/>
-                    <a:cs typeface="Times New Roman"/>
-                  </a:rPr>
-                  <a:t> </a:t>
-                </a:r>
-                <a:r>
-                  <a:rPr sz="1200" spc="-10" dirty="0">
-                    <a:latin typeface="Times New Roman"/>
-                    <a:cs typeface="Times New Roman"/>
-                  </a:rPr>
-                  <a:t>Office</a:t>
-                </a:r>
-                <a:endParaRPr sz="1200" dirty="0">
-                  <a:latin typeface="Times New Roman"/>
-                  <a:cs typeface="Times New Roman"/>
-                </a:endParaRPr>
-              </a:p>
-            </p:txBody>
-          </p:sp>
-          <p:sp>
-            <p:nvSpPr>
-              <p:cNvPr id="20" name="object 74">
-                <a:extLst>
-                  <a:ext uri="{FF2B5EF4-FFF2-40B4-BE49-F238E27FC236}">
-                    <a16:creationId xmlns:a16="http://schemas.microsoft.com/office/drawing/2014/main" id="{BADA4367-AB55-7DBB-2373-043AFD841ED8}"/>
-                  </a:ext>
-                </a:extLst>
-              </p:cNvPr>
-              <p:cNvSpPr txBox="1"/>
-              <p:nvPr/>
-            </p:nvSpPr>
-            <p:spPr>
-              <a:xfrm>
-                <a:off x="10452952" y="3241200"/>
-                <a:ext cx="177800" cy="208279"/>
-              </a:xfrm>
-              <a:prstGeom prst="rect">
-                <a:avLst/>
-              </a:prstGeom>
-            </p:spPr>
-            <p:txBody>
-              <a:bodyPr vert="horz" wrap="square" lIns="0" tIns="12700" rIns="0" bIns="0" rtlCol="0">
-                <a:spAutoFit/>
-              </a:bodyPr>
-              <a:lstStyle/>
-              <a:p>
-                <a:pPr marL="12700">
-                  <a:lnSpc>
-                    <a:spcPct val="100000"/>
-                  </a:lnSpc>
-                  <a:spcBef>
-                    <a:spcPts val="100"/>
-                  </a:spcBef>
-                </a:pPr>
-                <a:r>
-                  <a:rPr sz="1200" dirty="0">
-                    <a:latin typeface="Times New Roman"/>
-                    <a:cs typeface="Times New Roman"/>
-                  </a:rPr>
-                  <a:t>15</a:t>
-                </a:r>
-                <a:endParaRPr sz="1200">
-                  <a:latin typeface="Times New Roman"/>
-                  <a:cs typeface="Times New Roman"/>
-                </a:endParaRPr>
-              </a:p>
-            </p:txBody>
-          </p:sp>
-          <p:sp>
-            <p:nvSpPr>
-              <p:cNvPr id="21" name="object 75">
-                <a:extLst>
-                  <a:ext uri="{FF2B5EF4-FFF2-40B4-BE49-F238E27FC236}">
-                    <a16:creationId xmlns:a16="http://schemas.microsoft.com/office/drawing/2014/main" id="{B776D3D2-AA56-7ECD-C7B6-F58413ADDFEA}"/>
-                  </a:ext>
-                </a:extLst>
-              </p:cNvPr>
-              <p:cNvSpPr txBox="1"/>
-              <p:nvPr/>
-            </p:nvSpPr>
-            <p:spPr>
-              <a:xfrm>
-                <a:off x="8855165" y="3534093"/>
-                <a:ext cx="336550" cy="208915"/>
-              </a:xfrm>
-              <a:prstGeom prst="rect">
-                <a:avLst/>
-              </a:prstGeom>
-            </p:spPr>
-            <p:txBody>
-              <a:bodyPr vert="horz" wrap="square" lIns="0" tIns="12700" rIns="0" bIns="0" rtlCol="0">
-                <a:spAutoFit/>
-              </a:bodyPr>
-              <a:lstStyle/>
-              <a:p>
-                <a:pPr marL="12700">
-                  <a:lnSpc>
-                    <a:spcPct val="100000"/>
-                  </a:lnSpc>
-                  <a:spcBef>
-                    <a:spcPts val="100"/>
-                  </a:spcBef>
-                </a:pPr>
-                <a:r>
-                  <a:rPr sz="1200" spc="-90" dirty="0">
-                    <a:latin typeface="Times New Roman"/>
-                    <a:cs typeface="Times New Roman"/>
-                  </a:rPr>
-                  <a:t>T</a:t>
-                </a:r>
-                <a:r>
-                  <a:rPr sz="1200" dirty="0">
-                    <a:latin typeface="Times New Roman"/>
-                    <a:cs typeface="Times New Roman"/>
-                  </a:rPr>
-                  <a:t>ot</a:t>
-                </a:r>
-                <a:r>
-                  <a:rPr sz="1200" spc="-5" dirty="0">
-                    <a:latin typeface="Times New Roman"/>
-                    <a:cs typeface="Times New Roman"/>
-                  </a:rPr>
-                  <a:t>a</a:t>
-                </a:r>
-                <a:r>
-                  <a:rPr sz="1200" dirty="0">
-                    <a:latin typeface="Times New Roman"/>
-                    <a:cs typeface="Times New Roman"/>
-                  </a:rPr>
-                  <a:t>l</a:t>
-                </a:r>
-                <a:endParaRPr sz="1200">
-                  <a:latin typeface="Times New Roman"/>
-                  <a:cs typeface="Times New Roman"/>
-                </a:endParaRPr>
-              </a:p>
-            </p:txBody>
-          </p:sp>
-          <p:sp>
-            <p:nvSpPr>
-              <p:cNvPr id="22" name="object 76">
-                <a:extLst>
-                  <a:ext uri="{FF2B5EF4-FFF2-40B4-BE49-F238E27FC236}">
-                    <a16:creationId xmlns:a16="http://schemas.microsoft.com/office/drawing/2014/main" id="{0EB4B244-C80A-8BDE-3CE7-A62E6AC5A86F}"/>
-                  </a:ext>
-                </a:extLst>
-              </p:cNvPr>
-              <p:cNvSpPr txBox="1"/>
-              <p:nvPr/>
-            </p:nvSpPr>
-            <p:spPr>
-              <a:xfrm>
-                <a:off x="10414852" y="3534093"/>
-                <a:ext cx="254000" cy="208915"/>
-              </a:xfrm>
-              <a:prstGeom prst="rect">
-                <a:avLst/>
-              </a:prstGeom>
-            </p:spPr>
-            <p:txBody>
-              <a:bodyPr vert="horz" wrap="square" lIns="0" tIns="12700" rIns="0" bIns="0" rtlCol="0">
-                <a:spAutoFit/>
-              </a:bodyPr>
-              <a:lstStyle/>
-              <a:p>
-                <a:pPr marL="12700">
-                  <a:lnSpc>
-                    <a:spcPct val="100000"/>
-                  </a:lnSpc>
-                  <a:spcBef>
-                    <a:spcPts val="100"/>
-                  </a:spcBef>
-                </a:pPr>
-                <a:r>
-                  <a:rPr sz="1200" spc="-5" dirty="0">
-                    <a:latin typeface="Times New Roman"/>
-                    <a:cs typeface="Times New Roman"/>
-                  </a:rPr>
-                  <a:t>100</a:t>
-                </a:r>
-                <a:endParaRPr sz="1200" dirty="0">
-                  <a:latin typeface="Times New Roman"/>
-                  <a:cs typeface="Times New Roman"/>
-                </a:endParaRPr>
-              </a:p>
-            </p:txBody>
-          </p:sp>
-          <p:sp>
-            <p:nvSpPr>
-              <p:cNvPr id="23" name="object 65">
-                <a:extLst>
-                  <a:ext uri="{FF2B5EF4-FFF2-40B4-BE49-F238E27FC236}">
-                    <a16:creationId xmlns:a16="http://schemas.microsoft.com/office/drawing/2014/main" id="{CF563412-0176-84C5-BF91-906556014EC0}"/>
-                  </a:ext>
-                </a:extLst>
-              </p:cNvPr>
-              <p:cNvSpPr txBox="1"/>
-              <p:nvPr/>
-            </p:nvSpPr>
-            <p:spPr>
-              <a:xfrm>
-                <a:off x="7764286" y="2076854"/>
-                <a:ext cx="2111844" cy="380245"/>
-              </a:xfrm>
-              <a:prstGeom prst="rect">
-                <a:avLst/>
-              </a:prstGeom>
-            </p:spPr>
-            <p:txBody>
-              <a:bodyPr vert="horz" wrap="square" lIns="0" tIns="12700" rIns="0" bIns="0" rtlCol="0">
-                <a:spAutoFit/>
-              </a:bodyPr>
-              <a:lstStyle/>
-              <a:p>
-                <a:pPr marL="334645">
-                  <a:lnSpc>
-                    <a:spcPct val="100000"/>
-                  </a:lnSpc>
-                  <a:spcBef>
-                    <a:spcPts val="100"/>
-                  </a:spcBef>
-                </a:pPr>
-                <a:r>
-                  <a:rPr sz="1200" spc="-5" dirty="0">
-                    <a:latin typeface="Times New Roman"/>
-                    <a:cs typeface="Times New Roman"/>
-                  </a:rPr>
-                  <a:t>Student's </a:t>
-                </a:r>
-                <a:r>
-                  <a:rPr sz="1200" spc="-10" dirty="0">
-                    <a:latin typeface="Times New Roman"/>
-                    <a:cs typeface="Times New Roman"/>
-                  </a:rPr>
-                  <a:t>Feedback</a:t>
-                </a:r>
-                <a:r>
-                  <a:rPr sz="1200" spc="40" dirty="0">
-                    <a:latin typeface="Times New Roman"/>
-                    <a:cs typeface="Times New Roman"/>
-                  </a:rPr>
-                  <a:t> </a:t>
-                </a:r>
-                <a:r>
-                  <a:rPr sz="1200" spc="-5" dirty="0">
-                    <a:latin typeface="Times New Roman"/>
-                    <a:cs typeface="Times New Roman"/>
-                  </a:rPr>
-                  <a:t>Regarding</a:t>
-                </a:r>
-                <a:endParaRPr sz="1200" dirty="0">
-                  <a:latin typeface="Times New Roman"/>
-                  <a:cs typeface="Times New Roman"/>
-                </a:endParaRPr>
-              </a:p>
-              <a:p>
-                <a:pPr marL="334645" marR="5080" indent="-322580">
-                  <a:lnSpc>
-                    <a:spcPts val="1390"/>
-                  </a:lnSpc>
-                  <a:spcBef>
-                    <a:spcPts val="140"/>
-                  </a:spcBef>
-                  <a:tabLst>
-                    <a:tab pos="334645" algn="l"/>
-                  </a:tabLst>
-                </a:pPr>
-                <a:r>
-                  <a:rPr sz="1200" dirty="0">
-                    <a:latin typeface="Times New Roman"/>
-                    <a:cs typeface="Times New Roman"/>
-                  </a:rPr>
-                  <a:t>	</a:t>
-                </a:r>
-                <a:r>
-                  <a:rPr sz="1800" spc="-7" baseline="2314" dirty="0">
-                    <a:latin typeface="Times New Roman"/>
-                    <a:cs typeface="Times New Roman"/>
-                  </a:rPr>
-                  <a:t>Services/</a:t>
-                </a:r>
-                <a:r>
-                  <a:rPr sz="1800" spc="22" baseline="2314" dirty="0">
-                    <a:latin typeface="Times New Roman"/>
-                    <a:cs typeface="Times New Roman"/>
-                  </a:rPr>
-                  <a:t> </a:t>
-                </a:r>
-                <a:r>
-                  <a:rPr sz="1800" spc="-7" baseline="2314" dirty="0">
-                    <a:latin typeface="Times New Roman"/>
-                    <a:cs typeface="Times New Roman"/>
-                  </a:rPr>
-                  <a:t>Facilities</a:t>
-                </a:r>
-                <a:r>
-                  <a:rPr sz="1800" spc="22" baseline="2314" dirty="0">
-                    <a:latin typeface="Times New Roman"/>
-                    <a:cs typeface="Times New Roman"/>
-                  </a:rPr>
-                  <a:t> </a:t>
-                </a:r>
-                <a:r>
-                  <a:rPr sz="1800" spc="-7" baseline="2314" dirty="0">
-                    <a:latin typeface="Times New Roman"/>
-                    <a:cs typeface="Times New Roman"/>
-                  </a:rPr>
-                  <a:t>provided</a:t>
-                </a:r>
-                <a:r>
-                  <a:rPr sz="1800" spc="22" baseline="2314" dirty="0">
-                    <a:latin typeface="Times New Roman"/>
-                    <a:cs typeface="Times New Roman"/>
-                  </a:rPr>
-                  <a:t> </a:t>
-                </a:r>
-                <a:r>
-                  <a:rPr sz="1800" baseline="2314" dirty="0">
-                    <a:latin typeface="Times New Roman"/>
-                    <a:cs typeface="Times New Roman"/>
-                  </a:rPr>
-                  <a:t>by </a:t>
-                </a:r>
-                <a:r>
-                  <a:rPr sz="1800" spc="-427" baseline="2314" dirty="0">
-                    <a:latin typeface="Times New Roman"/>
-                    <a:cs typeface="Times New Roman"/>
-                  </a:rPr>
-                  <a:t> </a:t>
-                </a:r>
-                <a:r>
-                  <a:rPr sz="1200" spc="-5" dirty="0">
-                    <a:latin typeface="Times New Roman"/>
-                    <a:cs typeface="Times New Roman"/>
-                  </a:rPr>
-                  <a:t>Regional</a:t>
-                </a:r>
-                <a:r>
-                  <a:rPr sz="1200" spc="15" dirty="0">
-                    <a:latin typeface="Times New Roman"/>
-                    <a:cs typeface="Times New Roman"/>
-                  </a:rPr>
-                  <a:t> </a:t>
-                </a:r>
-                <a:r>
-                  <a:rPr sz="1200" spc="-10" dirty="0">
-                    <a:latin typeface="Times New Roman"/>
-                    <a:cs typeface="Times New Roman"/>
-                  </a:rPr>
-                  <a:t>Office</a:t>
-                </a:r>
-                <a:endParaRPr sz="1200" dirty="0">
-                  <a:latin typeface="Times New Roman"/>
-                  <a:cs typeface="Times New Roman"/>
-                </a:endParaRPr>
-              </a:p>
-            </p:txBody>
-          </p:sp>
-          <p:sp>
-            <p:nvSpPr>
-              <p:cNvPr id="24" name="object 66">
-                <a:extLst>
-                  <a:ext uri="{FF2B5EF4-FFF2-40B4-BE49-F238E27FC236}">
-                    <a16:creationId xmlns:a16="http://schemas.microsoft.com/office/drawing/2014/main" id="{EE3C2FD3-4D31-7346-E75D-A82C5CF6F445}"/>
-                  </a:ext>
-                </a:extLst>
-              </p:cNvPr>
-              <p:cNvSpPr txBox="1"/>
-              <p:nvPr/>
-            </p:nvSpPr>
-            <p:spPr>
-              <a:xfrm>
-                <a:off x="10471802" y="2253891"/>
-                <a:ext cx="177800" cy="208279"/>
-              </a:xfrm>
-              <a:prstGeom prst="rect">
-                <a:avLst/>
-              </a:prstGeom>
-            </p:spPr>
-            <p:txBody>
-              <a:bodyPr vert="horz" wrap="square" lIns="0" tIns="12700" rIns="0" bIns="0" rtlCol="0">
-                <a:spAutoFit/>
-              </a:bodyPr>
-              <a:lstStyle/>
-              <a:p>
-                <a:pPr marL="12700">
-                  <a:lnSpc>
-                    <a:spcPct val="100000"/>
-                  </a:lnSpc>
-                  <a:spcBef>
-                    <a:spcPts val="100"/>
-                  </a:spcBef>
-                </a:pPr>
-                <a:r>
-                  <a:rPr sz="1200" dirty="0">
-                    <a:latin typeface="Times New Roman"/>
-                    <a:cs typeface="Times New Roman"/>
-                  </a:rPr>
-                  <a:t>50</a:t>
-                </a:r>
-              </a:p>
-            </p:txBody>
-          </p:sp>
-          <p:sp>
-            <p:nvSpPr>
-              <p:cNvPr id="25" name="object 67">
-                <a:extLst>
-                  <a:ext uri="{FF2B5EF4-FFF2-40B4-BE49-F238E27FC236}">
-                    <a16:creationId xmlns:a16="http://schemas.microsoft.com/office/drawing/2014/main" id="{EC3B6F69-57CF-59F1-7D30-ED51AA72C9EE}"/>
-                  </a:ext>
-                </a:extLst>
-              </p:cNvPr>
-              <p:cNvSpPr txBox="1"/>
-              <p:nvPr/>
-            </p:nvSpPr>
-            <p:spPr>
-              <a:xfrm>
-                <a:off x="7805988" y="2610196"/>
-                <a:ext cx="1708150" cy="131887"/>
-              </a:xfrm>
-              <a:prstGeom prst="rect">
-                <a:avLst/>
-              </a:prstGeom>
-            </p:spPr>
-            <p:txBody>
-              <a:bodyPr vert="horz" wrap="square" lIns="0" tIns="12700" rIns="0" bIns="0" rtlCol="0">
-                <a:spAutoFit/>
-              </a:bodyPr>
-              <a:lstStyle/>
-              <a:p>
-                <a:pPr marL="12700">
-                  <a:lnSpc>
-                    <a:spcPct val="100000"/>
-                  </a:lnSpc>
-                  <a:spcBef>
-                    <a:spcPts val="100"/>
-                  </a:spcBef>
-                  <a:tabLst>
-                    <a:tab pos="334645" algn="l"/>
-                  </a:tabLst>
-                </a:pPr>
-                <a:r>
-                  <a:rPr lang="en-IN" sz="1200" dirty="0">
-                    <a:latin typeface="Times New Roman"/>
-                    <a:cs typeface="Times New Roman"/>
-                  </a:rPr>
-                  <a:t>    </a:t>
-                </a:r>
-                <a:r>
-                  <a:rPr sz="1200" spc="-5" dirty="0">
-                    <a:latin typeface="Times New Roman"/>
-                    <a:cs typeface="Times New Roman"/>
-                  </a:rPr>
-                  <a:t>Reward</a:t>
-                </a:r>
-                <a:r>
-                  <a:rPr sz="1200" spc="-15" dirty="0">
-                    <a:latin typeface="Times New Roman"/>
-                    <a:cs typeface="Times New Roman"/>
-                  </a:rPr>
-                  <a:t> </a:t>
-                </a:r>
-                <a:r>
-                  <a:rPr sz="1200" spc="-5" dirty="0">
-                    <a:latin typeface="Times New Roman"/>
-                    <a:cs typeface="Times New Roman"/>
-                  </a:rPr>
-                  <a:t>Points</a:t>
-                </a:r>
-                <a:r>
-                  <a:rPr sz="1200" spc="-35" dirty="0">
-                    <a:latin typeface="Times New Roman"/>
-                    <a:cs typeface="Times New Roman"/>
-                  </a:rPr>
-                  <a:t> </a:t>
-                </a:r>
-                <a:r>
-                  <a:rPr sz="1200" spc="-5" dirty="0">
-                    <a:latin typeface="Times New Roman"/>
-                    <a:cs typeface="Times New Roman"/>
-                  </a:rPr>
-                  <a:t>Earned</a:t>
-                </a:r>
-                <a:endParaRPr sz="1200" dirty="0">
-                  <a:latin typeface="Times New Roman"/>
-                  <a:cs typeface="Times New Roman"/>
-                </a:endParaRPr>
-              </a:p>
-            </p:txBody>
-          </p:sp>
-          <p:sp>
-            <p:nvSpPr>
-              <p:cNvPr id="26" name="object 68">
-                <a:extLst>
-                  <a:ext uri="{FF2B5EF4-FFF2-40B4-BE49-F238E27FC236}">
-                    <a16:creationId xmlns:a16="http://schemas.microsoft.com/office/drawing/2014/main" id="{E68A81FD-C402-DE22-2E5F-F3255AD74B0C}"/>
-                  </a:ext>
-                </a:extLst>
-              </p:cNvPr>
-              <p:cNvSpPr txBox="1"/>
-              <p:nvPr/>
-            </p:nvSpPr>
-            <p:spPr>
-              <a:xfrm>
-                <a:off x="10452949" y="2619623"/>
-                <a:ext cx="177800" cy="208279"/>
-              </a:xfrm>
-              <a:prstGeom prst="rect">
-                <a:avLst/>
-              </a:prstGeom>
-            </p:spPr>
-            <p:txBody>
-              <a:bodyPr vert="horz" wrap="square" lIns="0" tIns="12700" rIns="0" bIns="0" rtlCol="0">
-                <a:spAutoFit/>
-              </a:bodyPr>
-              <a:lstStyle/>
-              <a:p>
-                <a:pPr marL="12700">
-                  <a:lnSpc>
-                    <a:spcPct val="100000"/>
-                  </a:lnSpc>
-                  <a:spcBef>
-                    <a:spcPts val="100"/>
-                  </a:spcBef>
-                </a:pPr>
-                <a:r>
-                  <a:rPr sz="1200" dirty="0">
-                    <a:latin typeface="Times New Roman"/>
-                    <a:cs typeface="Times New Roman"/>
-                  </a:rPr>
-                  <a:t>20</a:t>
-                </a:r>
-              </a:p>
-            </p:txBody>
-          </p:sp>
-        </p:grpSp>
-        <p:sp>
-          <p:nvSpPr>
-            <p:cNvPr id="4" name="TextBox 3">
-              <a:extLst>
-                <a:ext uri="{FF2B5EF4-FFF2-40B4-BE49-F238E27FC236}">
-                  <a16:creationId xmlns:a16="http://schemas.microsoft.com/office/drawing/2014/main" id="{EE4B2F4C-2A62-597A-A0D9-9C88DDD262C2}"/>
-                </a:ext>
-              </a:extLst>
-            </p:cNvPr>
-            <p:cNvSpPr txBox="1"/>
-            <p:nvPr/>
-          </p:nvSpPr>
-          <p:spPr>
-            <a:xfrm>
-              <a:off x="7136089" y="2667786"/>
-              <a:ext cx="348791" cy="307777"/>
-            </a:xfrm>
-            <a:prstGeom prst="rect">
-              <a:avLst/>
-            </a:prstGeom>
-            <a:noFill/>
-          </p:spPr>
-          <p:txBody>
-            <a:bodyPr wrap="square" rtlCol="0">
-              <a:spAutoFit/>
-            </a:bodyPr>
-            <a:lstStyle/>
-            <a:p>
-              <a:r>
-                <a:rPr lang="en-IN" sz="1400" dirty="0"/>
-                <a:t>1</a:t>
-              </a:r>
-            </a:p>
-          </p:txBody>
-        </p:sp>
-        <p:sp>
-          <p:nvSpPr>
-            <p:cNvPr id="6" name="TextBox 5">
-              <a:extLst>
-                <a:ext uri="{FF2B5EF4-FFF2-40B4-BE49-F238E27FC236}">
-                  <a16:creationId xmlns:a16="http://schemas.microsoft.com/office/drawing/2014/main" id="{0A83194F-432E-C01B-C971-07F5FAABBC6E}"/>
-                </a:ext>
-              </a:extLst>
-            </p:cNvPr>
-            <p:cNvSpPr txBox="1"/>
-            <p:nvPr/>
-          </p:nvSpPr>
-          <p:spPr>
-            <a:xfrm>
-              <a:off x="7156515" y="3348087"/>
-              <a:ext cx="348791" cy="307777"/>
-            </a:xfrm>
-            <a:prstGeom prst="rect">
-              <a:avLst/>
-            </a:prstGeom>
-            <a:noFill/>
-          </p:spPr>
-          <p:txBody>
-            <a:bodyPr wrap="square" rtlCol="0">
-              <a:spAutoFit/>
-            </a:bodyPr>
-            <a:lstStyle/>
-            <a:p>
-              <a:r>
-                <a:rPr lang="en-IN" sz="1400" dirty="0"/>
-                <a:t>2</a:t>
-              </a:r>
-            </a:p>
-          </p:txBody>
-        </p:sp>
-      </p:grpSp>
+          <a:prstGeom prst="rect">
+            <a:avLst/>
+          </a:prstGeom>
+        </p:spPr>
+      </p:pic>
     </p:spTree>
     <p:extLst>
       <p:ext uri="{BB962C8B-B14F-4D97-AF65-F5344CB8AC3E}">
@@ -10968,7 +9292,7 @@
         </p:blipFill>
         <p:spPr>
           <a:xfrm>
-            <a:off x="5059888" y="3294623"/>
+            <a:off x="5408680" y="1145312"/>
             <a:ext cx="5352752" cy="2493480"/>
           </a:xfrm>
           <a:prstGeom prst="rect">
@@ -10998,7 +9322,7 @@
         </p:blipFill>
         <p:spPr>
           <a:xfrm>
-            <a:off x="5856010" y="1353963"/>
+            <a:off x="6393338" y="3767225"/>
             <a:ext cx="7638610" cy="2001980"/>
           </a:xfrm>
           <a:prstGeom prst="rect">
@@ -11059,7 +9383,7 @@
           <a:p>
             <a:fld id="{1840DB68-5EB6-45CB-82F3-37E85B95C0AD}" type="datetime1">
               <a:rPr lang="en-IN" smtClean="0"/>
-              <a:t>08-11-2022</a:t>
+              <a:t>16-11-2022</a:t>
             </a:fld>
             <a:endParaRPr lang="en-IN"/>
           </a:p>
